--- a/Phase 2/Relational Schema - CSSS Final.pptx
+++ b/Phase 2/Relational Schema - CSSS Final.pptx
@@ -6,14 +6,15 @@
     <p:sldMasterId id="2147484044" r:id="rId2"/>
   </p:sldMasterIdLst>
   <p:notesMasterIdLst>
-    <p:notesMasterId r:id="rId8"/>
+    <p:notesMasterId r:id="rId9"/>
   </p:notesMasterIdLst>
   <p:sldIdLst>
     <p:sldId id="265" r:id="rId3"/>
-    <p:sldId id="269" r:id="rId4"/>
-    <p:sldId id="268" r:id="rId5"/>
-    <p:sldId id="266" r:id="rId6"/>
-    <p:sldId id="264" r:id="rId7"/>
+    <p:sldId id="270" r:id="rId4"/>
+    <p:sldId id="269" r:id="rId5"/>
+    <p:sldId id="268" r:id="rId6"/>
+    <p:sldId id="266" r:id="rId7"/>
+    <p:sldId id="264" r:id="rId8"/>
   </p:sldIdLst>
   <p:sldSz cx="28346400" cy="13716000"/>
   <p:notesSz cx="6858000" cy="9144000"/>
@@ -202,7 +203,7 @@
           <a:p>
             <a:fld id="{6867F573-6B59-4D86-B32F-5448EBCC0F23}" type="datetimeFigureOut">
               <a:rPr lang="en-GB" smtClean="0"/>
-              <a:t>23/05/2021</a:t>
+              <a:t>30/05/2021</a:t>
             </a:fld>
             <a:endParaRPr lang="en-GB" dirty="0"/>
           </a:p>
@@ -638,7 +639,7 @@
     </p:spTree>
     <p:extLst>
       <p:ext uri="{BB962C8B-B14F-4D97-AF65-F5344CB8AC3E}">
-        <p14:creationId xmlns:p14="http://schemas.microsoft.com/office/powerpoint/2010/main" val="2709109758"/>
+        <p14:creationId xmlns:p14="http://schemas.microsoft.com/office/powerpoint/2010/main" val="33692801"/>
       </p:ext>
     </p:extLst>
   </p:cSld>
@@ -727,7 +728,7 @@
     </p:spTree>
     <p:extLst>
       <p:ext uri="{BB962C8B-B14F-4D97-AF65-F5344CB8AC3E}">
-        <p14:creationId xmlns:p14="http://schemas.microsoft.com/office/powerpoint/2010/main" val="1216328737"/>
+        <p14:creationId xmlns:p14="http://schemas.microsoft.com/office/powerpoint/2010/main" val="2709109758"/>
       </p:ext>
     </p:extLst>
   </p:cSld>
@@ -816,7 +817,7 @@
     </p:spTree>
     <p:extLst>
       <p:ext uri="{BB962C8B-B14F-4D97-AF65-F5344CB8AC3E}">
-        <p14:creationId xmlns:p14="http://schemas.microsoft.com/office/powerpoint/2010/main" val="767282826"/>
+        <p14:creationId xmlns:p14="http://schemas.microsoft.com/office/powerpoint/2010/main" val="1216328737"/>
       </p:ext>
     </p:extLst>
   </p:cSld>
@@ -897,6 +898,95 @@
             <a:fld id="{CF4326AE-648C-43F5-B182-CFEC80CBE5EB}" type="slidenum">
               <a:rPr lang="en-GB" smtClean="0"/>
               <a:t>5</a:t>
+            </a:fld>
+            <a:endParaRPr lang="en-GB" dirty="0"/>
+          </a:p>
+        </p:txBody>
+      </p:sp>
+    </p:spTree>
+    <p:extLst>
+      <p:ext uri="{BB962C8B-B14F-4D97-AF65-F5344CB8AC3E}">
+        <p14:creationId xmlns:p14="http://schemas.microsoft.com/office/powerpoint/2010/main" val="767282826"/>
+      </p:ext>
+    </p:extLst>
+  </p:cSld>
+  <p:clrMapOvr>
+    <a:masterClrMapping/>
+  </p:clrMapOvr>
+</p:notes>
+</file>
+
+<file path=ppt/notesSlides/notesSlide6.xml><?xml version="1.0" encoding="utf-8"?>
+<p:notes xmlns:a="http://schemas.openxmlformats.org/drawingml/2006/main" xmlns:r="http://schemas.openxmlformats.org/officeDocument/2006/relationships" xmlns:p="http://schemas.openxmlformats.org/presentationml/2006/main">
+  <p:cSld>
+    <p:spTree>
+      <p:nvGrpSpPr>
+        <p:cNvPr id="1" name=""/>
+        <p:cNvGrpSpPr/>
+        <p:nvPr/>
+      </p:nvGrpSpPr>
+      <p:grpSpPr>
+        <a:xfrm>
+          <a:off x="0" y="0"/>
+          <a:ext cx="0" cy="0"/>
+          <a:chOff x="0" y="0"/>
+          <a:chExt cx="0" cy="0"/>
+        </a:xfrm>
+      </p:grpSpPr>
+      <p:sp>
+        <p:nvSpPr>
+          <p:cNvPr id="2" name="Slide Image Placeholder 1"/>
+          <p:cNvSpPr>
+            <a:spLocks noGrp="1" noRot="1" noChangeAspect="1"/>
+          </p:cNvSpPr>
+          <p:nvPr>
+            <p:ph type="sldImg"/>
+          </p:nvPr>
+        </p:nvSpPr>
+        <p:spPr>
+          <a:xfrm>
+            <a:off x="239713" y="1143000"/>
+            <a:ext cx="6378575" cy="3086100"/>
+          </a:xfrm>
+        </p:spPr>
+      </p:sp>
+      <p:sp>
+        <p:nvSpPr>
+          <p:cNvPr id="3" name="Notes Placeholder 2"/>
+          <p:cNvSpPr>
+            <a:spLocks noGrp="1"/>
+          </p:cNvSpPr>
+          <p:nvPr>
+            <p:ph type="body" idx="1"/>
+          </p:nvPr>
+        </p:nvSpPr>
+        <p:spPr/>
+        <p:txBody>
+          <a:bodyPr/>
+          <a:lstStyle/>
+          <a:p>
+            <a:endParaRPr lang="en-GB" dirty="0"/>
+          </a:p>
+        </p:txBody>
+      </p:sp>
+      <p:sp>
+        <p:nvSpPr>
+          <p:cNvPr id="4" name="Slide Number Placeholder 3"/>
+          <p:cNvSpPr>
+            <a:spLocks noGrp="1"/>
+          </p:cNvSpPr>
+          <p:nvPr>
+            <p:ph type="sldNum" sz="quarter" idx="5"/>
+          </p:nvPr>
+        </p:nvSpPr>
+        <p:spPr/>
+        <p:txBody>
+          <a:bodyPr/>
+          <a:lstStyle/>
+          <a:p>
+            <a:fld id="{CF4326AE-648C-43F5-B182-CFEC80CBE5EB}" type="slidenum">
+              <a:rPr lang="en-GB" smtClean="0"/>
+              <a:t>6</a:t>
             </a:fld>
             <a:endParaRPr lang="en-GB" dirty="0"/>
           </a:p>
@@ -1046,7 +1136,7 @@
           <a:p>
             <a:fld id="{77084E0C-994F-441B-A907-CEBBD3750063}" type="datetimeFigureOut">
               <a:rPr lang="en-GB" smtClean="0"/>
-              <a:t>23/05/2021</a:t>
+              <a:t>30/05/2021</a:t>
             </a:fld>
             <a:endParaRPr lang="en-GB" dirty="0"/>
           </a:p>
@@ -1216,7 +1306,7 @@
           <a:p>
             <a:fld id="{77084E0C-994F-441B-A907-CEBBD3750063}" type="datetimeFigureOut">
               <a:rPr lang="en-GB" smtClean="0"/>
-              <a:t>23/05/2021</a:t>
+              <a:t>30/05/2021</a:t>
             </a:fld>
             <a:endParaRPr lang="en-GB" dirty="0"/>
           </a:p>
@@ -1396,7 +1486,7 @@
           <a:p>
             <a:fld id="{77084E0C-994F-441B-A907-CEBBD3750063}" type="datetimeFigureOut">
               <a:rPr lang="en-GB" smtClean="0"/>
-              <a:t>23/05/2021</a:t>
+              <a:t>30/05/2021</a:t>
             </a:fld>
             <a:endParaRPr lang="en-GB" dirty="0"/>
           </a:p>
@@ -1588,7 +1678,7 @@
           <a:p>
             <a:fld id="{77084E0C-994F-441B-A907-CEBBD3750063}" type="datetimeFigureOut">
               <a:rPr lang="en-GB" smtClean="0"/>
-              <a:t>23/05/2021</a:t>
+              <a:t>30/05/2021</a:t>
             </a:fld>
             <a:endParaRPr lang="en-GB" dirty="0"/>
           </a:p>
@@ -1758,7 +1848,7 @@
           <a:p>
             <a:fld id="{77084E0C-994F-441B-A907-CEBBD3750063}" type="datetimeFigureOut">
               <a:rPr lang="en-GB" smtClean="0"/>
-              <a:t>23/05/2021</a:t>
+              <a:t>30/05/2021</a:t>
             </a:fld>
             <a:endParaRPr lang="en-GB" dirty="0"/>
           </a:p>
@@ -2004,7 +2094,7 @@
           <a:p>
             <a:fld id="{77084E0C-994F-441B-A907-CEBBD3750063}" type="datetimeFigureOut">
               <a:rPr lang="en-GB" smtClean="0"/>
-              <a:t>23/05/2021</a:t>
+              <a:t>30/05/2021</a:t>
             </a:fld>
             <a:endParaRPr lang="en-GB" dirty="0"/>
           </a:p>
@@ -2236,7 +2326,7 @@
           <a:p>
             <a:fld id="{77084E0C-994F-441B-A907-CEBBD3750063}" type="datetimeFigureOut">
               <a:rPr lang="en-GB" smtClean="0"/>
-              <a:t>23/05/2021</a:t>
+              <a:t>30/05/2021</a:t>
             </a:fld>
             <a:endParaRPr lang="en-GB" dirty="0"/>
           </a:p>
@@ -2603,7 +2693,7 @@
           <a:p>
             <a:fld id="{77084E0C-994F-441B-A907-CEBBD3750063}" type="datetimeFigureOut">
               <a:rPr lang="en-GB" smtClean="0"/>
-              <a:t>23/05/2021</a:t>
+              <a:t>30/05/2021</a:t>
             </a:fld>
             <a:endParaRPr lang="en-GB" dirty="0"/>
           </a:p>
@@ -2721,7 +2811,7 @@
           <a:p>
             <a:fld id="{77084E0C-994F-441B-A907-CEBBD3750063}" type="datetimeFigureOut">
               <a:rPr lang="en-GB" smtClean="0"/>
-              <a:t>23/05/2021</a:t>
+              <a:t>30/05/2021</a:t>
             </a:fld>
             <a:endParaRPr lang="en-GB" dirty="0"/>
           </a:p>
@@ -2816,7 +2906,7 @@
           <a:p>
             <a:fld id="{77084E0C-994F-441B-A907-CEBBD3750063}" type="datetimeFigureOut">
               <a:rPr lang="en-GB" smtClean="0"/>
-              <a:t>23/05/2021</a:t>
+              <a:t>30/05/2021</a:t>
             </a:fld>
             <a:endParaRPr lang="en-GB" dirty="0"/>
           </a:p>
@@ -3093,7 +3183,7 @@
           <a:p>
             <a:fld id="{77084E0C-994F-441B-A907-CEBBD3750063}" type="datetimeFigureOut">
               <a:rPr lang="en-GB" smtClean="0"/>
-              <a:t>23/05/2021</a:t>
+              <a:t>30/05/2021</a:t>
             </a:fld>
             <a:endParaRPr lang="en-GB" dirty="0"/>
           </a:p>
@@ -3263,7 +3353,7 @@
           <a:p>
             <a:fld id="{77084E0C-994F-441B-A907-CEBBD3750063}" type="datetimeFigureOut">
               <a:rPr lang="en-GB" smtClean="0"/>
-              <a:t>23/05/2021</a:t>
+              <a:t>30/05/2021</a:t>
             </a:fld>
             <a:endParaRPr lang="en-GB" dirty="0"/>
           </a:p>
@@ -3520,7 +3610,7 @@
           <a:p>
             <a:fld id="{77084E0C-994F-441B-A907-CEBBD3750063}" type="datetimeFigureOut">
               <a:rPr lang="en-GB" smtClean="0"/>
-              <a:t>23/05/2021</a:t>
+              <a:t>30/05/2021</a:t>
             </a:fld>
             <a:endParaRPr lang="en-GB" dirty="0"/>
           </a:p>
@@ -3690,7 +3780,7 @@
           <a:p>
             <a:fld id="{77084E0C-994F-441B-A907-CEBBD3750063}" type="datetimeFigureOut">
               <a:rPr lang="en-GB" smtClean="0"/>
-              <a:t>23/05/2021</a:t>
+              <a:t>30/05/2021</a:t>
             </a:fld>
             <a:endParaRPr lang="en-GB" dirty="0"/>
           </a:p>
@@ -3870,7 +3960,7 @@
           <a:p>
             <a:fld id="{77084E0C-994F-441B-A907-CEBBD3750063}" type="datetimeFigureOut">
               <a:rPr lang="en-GB" smtClean="0"/>
-              <a:t>23/05/2021</a:t>
+              <a:t>30/05/2021</a:t>
             </a:fld>
             <a:endParaRPr lang="en-GB" dirty="0"/>
           </a:p>
@@ -4116,7 +4206,7 @@
           <a:p>
             <a:fld id="{77084E0C-994F-441B-A907-CEBBD3750063}" type="datetimeFigureOut">
               <a:rPr lang="en-GB" smtClean="0"/>
-              <a:t>23/05/2021</a:t>
+              <a:t>30/05/2021</a:t>
             </a:fld>
             <a:endParaRPr lang="en-GB" dirty="0"/>
           </a:p>
@@ -4348,7 +4438,7 @@
           <a:p>
             <a:fld id="{77084E0C-994F-441B-A907-CEBBD3750063}" type="datetimeFigureOut">
               <a:rPr lang="en-GB" smtClean="0"/>
-              <a:t>23/05/2021</a:t>
+              <a:t>30/05/2021</a:t>
             </a:fld>
             <a:endParaRPr lang="en-GB" dirty="0"/>
           </a:p>
@@ -4715,7 +4805,7 @@
           <a:p>
             <a:fld id="{77084E0C-994F-441B-A907-CEBBD3750063}" type="datetimeFigureOut">
               <a:rPr lang="en-GB" smtClean="0"/>
-              <a:t>23/05/2021</a:t>
+              <a:t>30/05/2021</a:t>
             </a:fld>
             <a:endParaRPr lang="en-GB" dirty="0"/>
           </a:p>
@@ -4833,7 +4923,7 @@
           <a:p>
             <a:fld id="{77084E0C-994F-441B-A907-CEBBD3750063}" type="datetimeFigureOut">
               <a:rPr lang="en-GB" smtClean="0"/>
-              <a:t>23/05/2021</a:t>
+              <a:t>30/05/2021</a:t>
             </a:fld>
             <a:endParaRPr lang="en-GB" dirty="0"/>
           </a:p>
@@ -4928,7 +5018,7 @@
           <a:p>
             <a:fld id="{77084E0C-994F-441B-A907-CEBBD3750063}" type="datetimeFigureOut">
               <a:rPr lang="en-GB" smtClean="0"/>
-              <a:t>23/05/2021</a:t>
+              <a:t>30/05/2021</a:t>
             </a:fld>
             <a:endParaRPr lang="en-GB" dirty="0"/>
           </a:p>
@@ -5205,7 +5295,7 @@
           <a:p>
             <a:fld id="{77084E0C-994F-441B-A907-CEBBD3750063}" type="datetimeFigureOut">
               <a:rPr lang="en-GB" smtClean="0"/>
-              <a:t>23/05/2021</a:t>
+              <a:t>30/05/2021</a:t>
             </a:fld>
             <a:endParaRPr lang="en-GB" dirty="0"/>
           </a:p>
@@ -5462,7 +5552,7 @@
           <a:p>
             <a:fld id="{77084E0C-994F-441B-A907-CEBBD3750063}" type="datetimeFigureOut">
               <a:rPr lang="en-GB" smtClean="0"/>
-              <a:t>23/05/2021</a:t>
+              <a:t>30/05/2021</a:t>
             </a:fld>
             <a:endParaRPr lang="en-GB" dirty="0"/>
           </a:p>
@@ -5675,7 +5765,7 @@
           <a:p>
             <a:fld id="{77084E0C-994F-441B-A907-CEBBD3750063}" type="datetimeFigureOut">
               <a:rPr lang="en-GB" smtClean="0"/>
-              <a:t>23/05/2021</a:t>
+              <a:t>30/05/2021</a:t>
             </a:fld>
             <a:endParaRPr lang="en-GB" dirty="0"/>
           </a:p>
@@ -6215,7 +6305,7 @@
           <a:p>
             <a:fld id="{77084E0C-994F-441B-A907-CEBBD3750063}" type="datetimeFigureOut">
               <a:rPr lang="en-GB" smtClean="0"/>
-              <a:t>23/05/2021</a:t>
+              <a:t>30/05/2021</a:t>
             </a:fld>
             <a:endParaRPr lang="en-GB" dirty="0"/>
           </a:p>
@@ -6643,14 +6733,14 @@
           <p:nvPr>
             <p:extLst>
               <p:ext uri="{D42A27DB-BD31-4B8C-83A1-F6EECF244321}">
-                <p14:modId xmlns:p14="http://schemas.microsoft.com/office/powerpoint/2010/main" val="1684673621"/>
+                <p14:modId xmlns:p14="http://schemas.microsoft.com/office/powerpoint/2010/main" val="2263184889"/>
               </p:ext>
             </p:extLst>
           </p:nvPr>
         </p:nvGraphicFramePr>
         <p:xfrm>
           <a:off x="10330218" y="855092"/>
-          <a:ext cx="2716625" cy="933998"/>
+          <a:ext cx="4336757" cy="933998"/>
         </p:xfrm>
         <a:graphic>
           <a:graphicData uri="http://schemas.openxmlformats.org/drawingml/2006/table">
@@ -6659,17 +6749,24 @@
                 <a:tableStyleId>{5C22544A-7EE6-4342-B048-85BDC9FD1C3A}</a:tableStyleId>
               </a:tblPr>
               <a:tblGrid>
-                <a:gridCol w="1516824">
+                <a:gridCol w="1679617">
                   <a:extLst>
                     <a:ext uri="{9D8B030D-6E8A-4147-A177-3AD203B41FA5}">
                       <a16:colId xmlns:a16="http://schemas.microsoft.com/office/drawing/2014/main" val="2443914745"/>
                     </a:ext>
                   </a:extLst>
                 </a:gridCol>
-                <a:gridCol w="1199801">
+                <a:gridCol w="1328570">
                   <a:extLst>
                     <a:ext uri="{9D8B030D-6E8A-4147-A177-3AD203B41FA5}">
                       <a16:colId xmlns:a16="http://schemas.microsoft.com/office/drawing/2014/main" val="560964845"/>
+                    </a:ext>
+                  </a:extLst>
+                </a:gridCol>
+                <a:gridCol w="1328570">
+                  <a:extLst>
+                    <a:ext uri="{9D8B030D-6E8A-4147-A177-3AD203B41FA5}">
+                      <a16:colId xmlns:a16="http://schemas.microsoft.com/office/drawing/2014/main" val="2076778087"/>
                     </a:ext>
                   </a:extLst>
                 </a:gridCol>
@@ -6793,6 +6890,62 @@
                     <a:noFill/>
                   </a:tcPr>
                 </a:tc>
+                <a:tc>
+                  <a:txBody>
+                    <a:bodyPr/>
+                    <a:lstStyle/>
+                    <a:p>
+                      <a:endParaRPr lang="en-GB" sz="2400" dirty="0">
+                        <a:solidFill>
+                          <a:schemeClr val="bg1"/>
+                        </a:solidFill>
+                      </a:endParaRPr>
+                    </a:p>
+                  </a:txBody>
+                  <a:tcPr>
+                    <a:lnL w="12700" cap="flat" cmpd="sng" algn="ctr">
+                      <a:noFill/>
+                      <a:prstDash val="solid"/>
+                      <a:round/>
+                      <a:headEnd type="none" w="med" len="med"/>
+                      <a:tailEnd type="none" w="med" len="med"/>
+                    </a:lnL>
+                    <a:lnR w="12700" cap="flat" cmpd="sng" algn="ctr">
+                      <a:noFill/>
+                      <a:prstDash val="solid"/>
+                      <a:round/>
+                      <a:headEnd type="none" w="med" len="med"/>
+                      <a:tailEnd type="none" w="med" len="med"/>
+                    </a:lnR>
+                    <a:lnT w="12700" cap="flat" cmpd="sng" algn="ctr">
+                      <a:noFill/>
+                      <a:prstDash val="solid"/>
+                      <a:round/>
+                      <a:headEnd type="none" w="med" len="med"/>
+                      <a:tailEnd type="none" w="med" len="med"/>
+                    </a:lnT>
+                    <a:lnB w="12700" cap="flat" cmpd="sng" algn="ctr">
+                      <a:solidFill>
+                        <a:schemeClr val="tx1"/>
+                      </a:solidFill>
+                      <a:prstDash val="solid"/>
+                      <a:round/>
+                      <a:headEnd type="none" w="med" len="med"/>
+                      <a:tailEnd type="none" w="med" len="med"/>
+                    </a:lnB>
+                    <a:lnTlToBr w="12700" cmpd="sng">
+                      <a:noFill/>
+                      <a:prstDash val="solid"/>
+                    </a:lnTlToBr>
+                    <a:lnBlToTr w="12700" cmpd="sng">
+                      <a:noFill/>
+                      <a:prstDash val="solid"/>
+                    </a:lnBlToTr>
+                    <a:solidFill>
+                      <a:schemeClr val="tx1"/>
+                    </a:solidFill>
+                  </a:tcPr>
+                </a:tc>
                 <a:extLst>
                   <a:ext uri="{0D108BD9-81ED-4DB2-BD59-A6C34878D82A}">
                     <a16:rowId xmlns:a16="http://schemas.microsoft.com/office/drawing/2014/main" val="428703033"/>
@@ -6866,6 +7019,60 @@
                         <a:t>Name</a:t>
                       </a:r>
                       <a:endParaRPr lang="en-GB" sz="2400" dirty="0"/>
+                    </a:p>
+                  </a:txBody>
+                  <a:tcPr>
+                    <a:lnL w="12700" cap="flat" cmpd="sng" algn="ctr">
+                      <a:solidFill>
+                        <a:schemeClr val="tx1"/>
+                      </a:solidFill>
+                      <a:prstDash val="solid"/>
+                      <a:round/>
+                      <a:headEnd type="none" w="med" len="med"/>
+                      <a:tailEnd type="none" w="med" len="med"/>
+                    </a:lnL>
+                    <a:lnR w="12700" cap="flat" cmpd="sng" algn="ctr">
+                      <a:solidFill>
+                        <a:schemeClr val="tx1"/>
+                      </a:solidFill>
+                      <a:prstDash val="solid"/>
+                      <a:round/>
+                      <a:headEnd type="none" w="med" len="med"/>
+                      <a:tailEnd type="none" w="med" len="med"/>
+                    </a:lnR>
+                    <a:lnT w="12700" cap="flat" cmpd="sng" algn="ctr">
+                      <a:solidFill>
+                        <a:schemeClr val="tx1"/>
+                      </a:solidFill>
+                      <a:prstDash val="solid"/>
+                      <a:round/>
+                      <a:headEnd type="none" w="med" len="med"/>
+                      <a:tailEnd type="none" w="med" len="med"/>
+                    </a:lnT>
+                    <a:lnB w="12700" cap="flat" cmpd="sng" algn="ctr">
+                      <a:solidFill>
+                        <a:schemeClr val="tx1"/>
+                      </a:solidFill>
+                      <a:prstDash val="solid"/>
+                      <a:round/>
+                      <a:headEnd type="none" w="med" len="med"/>
+                      <a:tailEnd type="none" w="med" len="med"/>
+                    </a:lnB>
+                    <a:solidFill>
+                      <a:srgbClr val="E7E6E6"/>
+                    </a:solidFill>
+                  </a:tcPr>
+                </a:tc>
+                <a:tc>
+                  <a:txBody>
+                    <a:bodyPr/>
+                    <a:lstStyle/>
+                    <a:p>
+                      <a:pPr algn="ctr"/>
+                      <a:r>
+                        <a:rPr lang="en-GB" sz="2400" dirty="0"/>
+                        <a:t>Address</a:t>
+                      </a:r>
                     </a:p>
                   </a:txBody>
                   <a:tcPr>
@@ -11419,731 +11626,6 @@
       </p:cxnSp>
       <p:cxnSp>
         <p:nvCxnSpPr>
-          <p:cNvPr id="62" name="Straight Connector 61">
-            <a:extLst>
-              <a:ext uri="{FF2B5EF4-FFF2-40B4-BE49-F238E27FC236}">
-                <a16:creationId xmlns:a16="http://schemas.microsoft.com/office/drawing/2014/main" id="{36B18F1F-3DA2-4C97-BC18-934DC28E6046}"/>
-              </a:ext>
-            </a:extLst>
-          </p:cNvPr>
-          <p:cNvCxnSpPr>
-            <a:cxnSpLocks/>
-          </p:cNvCxnSpPr>
-          <p:nvPr/>
-        </p:nvCxnSpPr>
-        <p:spPr>
-          <a:xfrm>
-            <a:off x="3096236" y="1493671"/>
-            <a:ext cx="0" cy="973283"/>
-          </a:xfrm>
-          <a:prstGeom prst="line">
-            <a:avLst/>
-          </a:prstGeom>
-          <a:ln w="28575">
-            <a:solidFill>
-              <a:schemeClr val="tx1"/>
-            </a:solidFill>
-            <a:tailEnd type="none" w="lg" len="lg"/>
-          </a:ln>
-        </p:spPr>
-        <p:style>
-          <a:lnRef idx="1">
-            <a:schemeClr val="accent1"/>
-          </a:lnRef>
-          <a:fillRef idx="0">
-            <a:schemeClr val="accent1"/>
-          </a:fillRef>
-          <a:effectRef idx="0">
-            <a:schemeClr val="accent1"/>
-          </a:effectRef>
-          <a:fontRef idx="minor">
-            <a:schemeClr val="tx1"/>
-          </a:fontRef>
-        </p:style>
-      </p:cxnSp>
-      <p:cxnSp>
-        <p:nvCxnSpPr>
-          <p:cNvPr id="64" name="Straight Connector 63">
-            <a:extLst>
-              <a:ext uri="{FF2B5EF4-FFF2-40B4-BE49-F238E27FC236}">
-                <a16:creationId xmlns:a16="http://schemas.microsoft.com/office/drawing/2014/main" id="{38AC497A-7E75-460C-80DE-634A1914BE30}"/>
-              </a:ext>
-            </a:extLst>
-          </p:cNvPr>
-          <p:cNvCxnSpPr>
-            <a:cxnSpLocks/>
-          </p:cNvCxnSpPr>
-          <p:nvPr/>
-        </p:nvCxnSpPr>
-        <p:spPr>
-          <a:xfrm>
-            <a:off x="3096243" y="2485599"/>
-            <a:ext cx="7619483" cy="2670"/>
-          </a:xfrm>
-          <a:prstGeom prst="line">
-            <a:avLst/>
-          </a:prstGeom>
-          <a:ln w="28575">
-            <a:solidFill>
-              <a:schemeClr val="tx1"/>
-            </a:solidFill>
-            <a:tailEnd type="none" w="lg" len="lg"/>
-          </a:ln>
-        </p:spPr>
-        <p:style>
-          <a:lnRef idx="1">
-            <a:schemeClr val="accent1"/>
-          </a:lnRef>
-          <a:fillRef idx="0">
-            <a:schemeClr val="accent1"/>
-          </a:fillRef>
-          <a:effectRef idx="0">
-            <a:schemeClr val="accent1"/>
-          </a:effectRef>
-          <a:fontRef idx="minor">
-            <a:schemeClr val="tx1"/>
-          </a:fontRef>
-        </p:style>
-      </p:cxnSp>
-      <p:cxnSp>
-        <p:nvCxnSpPr>
-          <p:cNvPr id="70" name="Straight Arrow Connector 69">
-            <a:extLst>
-              <a:ext uri="{FF2B5EF4-FFF2-40B4-BE49-F238E27FC236}">
-                <a16:creationId xmlns:a16="http://schemas.microsoft.com/office/drawing/2014/main" id="{82DEDBA4-67D7-4B3F-BCB4-3E3227F81AF8}"/>
-              </a:ext>
-            </a:extLst>
-          </p:cNvPr>
-          <p:cNvCxnSpPr>
-            <a:cxnSpLocks/>
-          </p:cNvCxnSpPr>
-          <p:nvPr/>
-        </p:nvCxnSpPr>
-        <p:spPr>
-          <a:xfrm flipV="1">
-            <a:off x="10715718" y="1828646"/>
-            <a:ext cx="8" cy="679577"/>
-          </a:xfrm>
-          <a:prstGeom prst="straightConnector1">
-            <a:avLst/>
-          </a:prstGeom>
-          <a:ln w="28575">
-            <a:solidFill>
-              <a:schemeClr val="tx1"/>
-            </a:solidFill>
-            <a:tailEnd type="triangle" w="lg" len="lg"/>
-          </a:ln>
-        </p:spPr>
-        <p:style>
-          <a:lnRef idx="1">
-            <a:schemeClr val="accent1"/>
-          </a:lnRef>
-          <a:fillRef idx="0">
-            <a:schemeClr val="accent1"/>
-          </a:fillRef>
-          <a:effectRef idx="0">
-            <a:schemeClr val="accent1"/>
-          </a:effectRef>
-          <a:fontRef idx="minor">
-            <a:schemeClr val="tx1"/>
-          </a:fontRef>
-        </p:style>
-      </p:cxnSp>
-      <p:graphicFrame>
-        <p:nvGraphicFramePr>
-          <p:cNvPr id="72" name="Table 2">
-            <a:extLst>
-              <a:ext uri="{FF2B5EF4-FFF2-40B4-BE49-F238E27FC236}">
-                <a16:creationId xmlns:a16="http://schemas.microsoft.com/office/drawing/2014/main" id="{E72B95A2-B9B2-4831-BCBF-88940A5F4EF5}"/>
-              </a:ext>
-            </a:extLst>
-          </p:cNvPr>
-          <p:cNvGraphicFramePr>
-            <a:graphicFrameLocks noGrp="1"/>
-          </p:cNvGraphicFramePr>
-          <p:nvPr>
-            <p:extLst>
-              <p:ext uri="{D42A27DB-BD31-4B8C-83A1-F6EECF244321}">
-                <p14:modId xmlns:p14="http://schemas.microsoft.com/office/powerpoint/2010/main" val="550194231"/>
-              </p:ext>
-            </p:extLst>
-          </p:nvPr>
-        </p:nvGraphicFramePr>
-        <p:xfrm>
-          <a:off x="2479749" y="545607"/>
-          <a:ext cx="6428179" cy="922526"/>
-        </p:xfrm>
-        <a:graphic>
-          <a:graphicData uri="http://schemas.openxmlformats.org/drawingml/2006/table">
-            <a:tbl>
-              <a:tblPr firstRow="1" bandRow="1">
-                <a:tableStyleId>{5C22544A-7EE6-4342-B048-85BDC9FD1C3A}</a:tableStyleId>
-              </a:tblPr>
-              <a:tblGrid>
-                <a:gridCol w="1084560">
-                  <a:extLst>
-                    <a:ext uri="{9D8B030D-6E8A-4147-A177-3AD203B41FA5}">
-                      <a16:colId xmlns:a16="http://schemas.microsoft.com/office/drawing/2014/main" val="2443914745"/>
-                    </a:ext>
-                  </a:extLst>
-                </a:gridCol>
-                <a:gridCol w="1650107">
-                  <a:extLst>
-                    <a:ext uri="{9D8B030D-6E8A-4147-A177-3AD203B41FA5}">
-                      <a16:colId xmlns:a16="http://schemas.microsoft.com/office/drawing/2014/main" val="1850529113"/>
-                    </a:ext>
-                  </a:extLst>
-                </a:gridCol>
-                <a:gridCol w="1243584">
-                  <a:extLst>
-                    <a:ext uri="{9D8B030D-6E8A-4147-A177-3AD203B41FA5}">
-                      <a16:colId xmlns:a16="http://schemas.microsoft.com/office/drawing/2014/main" val="560964845"/>
-                    </a:ext>
-                  </a:extLst>
-                </a:gridCol>
-                <a:gridCol w="868004">
-                  <a:extLst>
-                    <a:ext uri="{9D8B030D-6E8A-4147-A177-3AD203B41FA5}">
-                      <a16:colId xmlns:a16="http://schemas.microsoft.com/office/drawing/2014/main" val="45765120"/>
-                    </a:ext>
-                  </a:extLst>
-                </a:gridCol>
-                <a:gridCol w="1581924">
-                  <a:extLst>
-                    <a:ext uri="{9D8B030D-6E8A-4147-A177-3AD203B41FA5}">
-                      <a16:colId xmlns:a16="http://schemas.microsoft.com/office/drawing/2014/main" val="3165931097"/>
-                    </a:ext>
-                  </a:extLst>
-                </a:gridCol>
-              </a:tblGrid>
-              <a:tr h="461263">
-                <a:tc gridSpan="5">
-                  <a:txBody>
-                    <a:bodyPr/>
-                    <a:lstStyle/>
-                    <a:p>
-                      <a:r>
-                        <a:rPr lang="en-US" sz="2400" dirty="0">
-                          <a:solidFill>
-                            <a:schemeClr val="tx1"/>
-                          </a:solidFill>
-                        </a:rPr>
-                        <a:t>ADDRESS</a:t>
-                      </a:r>
-                      <a:endParaRPr lang="en-GB" sz="2400" dirty="0">
-                        <a:solidFill>
-                          <a:schemeClr val="tx1"/>
-                        </a:solidFill>
-                      </a:endParaRPr>
-                    </a:p>
-                  </a:txBody>
-                  <a:tcPr>
-                    <a:lnL w="12700" cap="flat" cmpd="sng" algn="ctr">
-                      <a:noFill/>
-                      <a:prstDash val="solid"/>
-                      <a:round/>
-                      <a:headEnd type="none" w="med" len="med"/>
-                      <a:tailEnd type="none" w="med" len="med"/>
-                    </a:lnL>
-                    <a:lnR w="12700" cap="flat" cmpd="sng" algn="ctr">
-                      <a:noFill/>
-                      <a:prstDash val="solid"/>
-                      <a:round/>
-                      <a:headEnd type="none" w="med" len="med"/>
-                      <a:tailEnd type="none" w="med" len="med"/>
-                    </a:lnR>
-                    <a:lnT w="12700" cap="flat" cmpd="sng" algn="ctr">
-                      <a:noFill/>
-                      <a:prstDash val="solid"/>
-                      <a:round/>
-                      <a:headEnd type="none" w="med" len="med"/>
-                      <a:tailEnd type="none" w="med" len="med"/>
-                    </a:lnT>
-                    <a:lnB w="12700" cap="flat" cmpd="sng" algn="ctr">
-                      <a:solidFill>
-                        <a:schemeClr val="tx1"/>
-                      </a:solidFill>
-                      <a:prstDash val="solid"/>
-                      <a:round/>
-                      <a:headEnd type="none" w="med" len="med"/>
-                      <a:tailEnd type="none" w="med" len="med"/>
-                    </a:lnB>
-                    <a:lnTlToBr w="12700" cmpd="sng">
-                      <a:noFill/>
-                      <a:prstDash val="solid"/>
-                    </a:lnTlToBr>
-                    <a:lnBlToTr w="12700" cmpd="sng">
-                      <a:noFill/>
-                      <a:prstDash val="solid"/>
-                    </a:lnBlToTr>
-                    <a:noFill/>
-                  </a:tcPr>
-                </a:tc>
-                <a:tc hMerge="1">
-                  <a:txBody>
-                    <a:bodyPr/>
-                    <a:lstStyle/>
-                    <a:p>
-                      <a:endParaRPr lang="en-US"/>
-                    </a:p>
-                  </a:txBody>
-                  <a:tcPr/>
-                </a:tc>
-                <a:tc hMerge="1">
-                  <a:txBody>
-                    <a:bodyPr/>
-                    <a:lstStyle/>
-                    <a:p>
-                      <a:endParaRPr lang="en-GB" sz="2400" dirty="0">
-                        <a:solidFill>
-                          <a:schemeClr val="tx1"/>
-                        </a:solidFill>
-                      </a:endParaRPr>
-                    </a:p>
-                  </a:txBody>
-                  <a:tcPr>
-                    <a:lnL w="12700" cap="flat" cmpd="sng" algn="ctr">
-                      <a:noFill/>
-                      <a:prstDash val="solid"/>
-                      <a:round/>
-                      <a:headEnd type="none" w="med" len="med"/>
-                      <a:tailEnd type="none" w="med" len="med"/>
-                    </a:lnL>
-                    <a:lnR w="12700" cap="flat" cmpd="sng" algn="ctr">
-                      <a:noFill/>
-                      <a:prstDash val="solid"/>
-                      <a:round/>
-                      <a:headEnd type="none" w="med" len="med"/>
-                      <a:tailEnd type="none" w="med" len="med"/>
-                    </a:lnR>
-                    <a:lnT w="12700" cap="flat" cmpd="sng" algn="ctr">
-                      <a:noFill/>
-                      <a:prstDash val="solid"/>
-                      <a:round/>
-                      <a:headEnd type="none" w="med" len="med"/>
-                      <a:tailEnd type="none" w="med" len="med"/>
-                    </a:lnT>
-                    <a:lnB w="12700" cap="flat" cmpd="sng" algn="ctr">
-                      <a:solidFill>
-                        <a:schemeClr val="tx1"/>
-                      </a:solidFill>
-                      <a:prstDash val="solid"/>
-                      <a:round/>
-                      <a:headEnd type="none" w="med" len="med"/>
-                      <a:tailEnd type="none" w="med" len="med"/>
-                    </a:lnB>
-                    <a:lnTlToBr w="12700" cmpd="sng">
-                      <a:noFill/>
-                      <a:prstDash val="solid"/>
-                    </a:lnTlToBr>
-                    <a:lnBlToTr w="12700" cmpd="sng">
-                      <a:noFill/>
-                      <a:prstDash val="solid"/>
-                    </a:lnBlToTr>
-                    <a:noFill/>
-                  </a:tcPr>
-                </a:tc>
-                <a:tc hMerge="1">
-                  <a:txBody>
-                    <a:bodyPr/>
-                    <a:lstStyle/>
-                    <a:p>
-                      <a:endParaRPr lang="en-GB" sz="2400" dirty="0">
-                        <a:solidFill>
-                          <a:schemeClr val="tx1"/>
-                        </a:solidFill>
-                      </a:endParaRPr>
-                    </a:p>
-                  </a:txBody>
-                  <a:tcPr>
-                    <a:lnL w="12700" cap="flat" cmpd="sng" algn="ctr">
-                      <a:noFill/>
-                      <a:prstDash val="solid"/>
-                      <a:round/>
-                      <a:headEnd type="none" w="med" len="med"/>
-                      <a:tailEnd type="none" w="med" len="med"/>
-                    </a:lnL>
-                    <a:lnR w="12700" cap="flat" cmpd="sng" algn="ctr">
-                      <a:noFill/>
-                      <a:prstDash val="solid"/>
-                      <a:round/>
-                      <a:headEnd type="none" w="med" len="med"/>
-                      <a:tailEnd type="none" w="med" len="med"/>
-                    </a:lnR>
-                    <a:lnT w="12700" cap="flat" cmpd="sng" algn="ctr">
-                      <a:noFill/>
-                      <a:prstDash val="solid"/>
-                      <a:round/>
-                      <a:headEnd type="none" w="med" len="med"/>
-                      <a:tailEnd type="none" w="med" len="med"/>
-                    </a:lnT>
-                    <a:lnB w="12700" cap="flat" cmpd="sng" algn="ctr">
-                      <a:solidFill>
-                        <a:schemeClr val="tx1"/>
-                      </a:solidFill>
-                      <a:prstDash val="solid"/>
-                      <a:round/>
-                      <a:headEnd type="none" w="med" len="med"/>
-                      <a:tailEnd type="none" w="med" len="med"/>
-                    </a:lnB>
-                    <a:lnTlToBr w="12700" cmpd="sng">
-                      <a:noFill/>
-                      <a:prstDash val="solid"/>
-                    </a:lnTlToBr>
-                    <a:lnBlToTr w="12700" cmpd="sng">
-                      <a:noFill/>
-                      <a:prstDash val="solid"/>
-                    </a:lnBlToTr>
-                    <a:noFill/>
-                  </a:tcPr>
-                </a:tc>
-                <a:tc hMerge="1">
-                  <a:txBody>
-                    <a:bodyPr/>
-                    <a:lstStyle/>
-                    <a:p>
-                      <a:endParaRPr lang="en-GB" sz="2400" dirty="0">
-                        <a:solidFill>
-                          <a:schemeClr val="tx1"/>
-                        </a:solidFill>
-                      </a:endParaRPr>
-                    </a:p>
-                  </a:txBody>
-                  <a:tcPr>
-                    <a:lnL w="12700" cap="flat" cmpd="sng" algn="ctr">
-                      <a:noFill/>
-                      <a:prstDash val="solid"/>
-                      <a:round/>
-                      <a:headEnd type="none" w="med" len="med"/>
-                      <a:tailEnd type="none" w="med" len="med"/>
-                    </a:lnL>
-                    <a:lnR w="12700" cap="flat" cmpd="sng" algn="ctr">
-                      <a:noFill/>
-                      <a:prstDash val="solid"/>
-                      <a:round/>
-                      <a:headEnd type="none" w="med" len="med"/>
-                      <a:tailEnd type="none" w="med" len="med"/>
-                    </a:lnR>
-                    <a:lnT w="12700" cap="flat" cmpd="sng" algn="ctr">
-                      <a:noFill/>
-                      <a:prstDash val="solid"/>
-                      <a:round/>
-                      <a:headEnd type="none" w="med" len="med"/>
-                      <a:tailEnd type="none" w="med" len="med"/>
-                    </a:lnT>
-                    <a:lnB w="12700" cap="flat" cmpd="sng" algn="ctr">
-                      <a:solidFill>
-                        <a:schemeClr val="tx1"/>
-                      </a:solidFill>
-                      <a:prstDash val="solid"/>
-                      <a:round/>
-                      <a:headEnd type="none" w="med" len="med"/>
-                      <a:tailEnd type="none" w="med" len="med"/>
-                    </a:lnB>
-                    <a:lnTlToBr w="12700" cmpd="sng">
-                      <a:noFill/>
-                      <a:prstDash val="solid"/>
-                    </a:lnTlToBr>
-                    <a:lnBlToTr w="12700" cmpd="sng">
-                      <a:noFill/>
-                      <a:prstDash val="solid"/>
-                    </a:lnBlToTr>
-                    <a:noFill/>
-                  </a:tcPr>
-                </a:tc>
-                <a:extLst>
-                  <a:ext uri="{0D108BD9-81ED-4DB2-BD59-A6C34878D82A}">
-                    <a16:rowId xmlns:a16="http://schemas.microsoft.com/office/drawing/2014/main" val="428703033"/>
-                  </a:ext>
-                </a:extLst>
-              </a:tr>
-              <a:tr h="461263">
-                <a:tc>
-                  <a:txBody>
-                    <a:bodyPr/>
-                    <a:lstStyle/>
-                    <a:p>
-                      <a:pPr algn="ctr"/>
-                      <a:r>
-                        <a:rPr lang="en-US" sz="2400" u="sng" dirty="0"/>
-                        <a:t>PID</a:t>
-                      </a:r>
-                      <a:endParaRPr lang="en-GB" sz="2400" u="sng" dirty="0"/>
-                    </a:p>
-                  </a:txBody>
-                  <a:tcPr>
-                    <a:lnL w="12700" cap="flat" cmpd="sng" algn="ctr">
-                      <a:solidFill>
-                        <a:schemeClr val="tx1"/>
-                      </a:solidFill>
-                      <a:prstDash val="solid"/>
-                      <a:round/>
-                      <a:headEnd type="none" w="med" len="med"/>
-                      <a:tailEnd type="none" w="med" len="med"/>
-                    </a:lnL>
-                    <a:lnR w="12700" cap="flat" cmpd="sng" algn="ctr">
-                      <a:solidFill>
-                        <a:schemeClr val="tx1"/>
-                      </a:solidFill>
-                      <a:prstDash val="solid"/>
-                      <a:round/>
-                      <a:headEnd type="none" w="med" len="med"/>
-                      <a:tailEnd type="none" w="med" len="med"/>
-                    </a:lnR>
-                    <a:lnT w="12700" cap="flat" cmpd="sng" algn="ctr">
-                      <a:solidFill>
-                        <a:schemeClr val="tx1"/>
-                      </a:solidFill>
-                      <a:prstDash val="solid"/>
-                      <a:round/>
-                      <a:headEnd type="none" w="med" len="med"/>
-                      <a:tailEnd type="none" w="med" len="med"/>
-                    </a:lnT>
-                    <a:lnB w="12700" cap="flat" cmpd="sng" algn="ctr">
-                      <a:solidFill>
-                        <a:schemeClr val="tx1"/>
-                      </a:solidFill>
-                      <a:prstDash val="solid"/>
-                      <a:round/>
-                      <a:headEnd type="none" w="med" len="med"/>
-                      <a:tailEnd type="none" w="med" len="med"/>
-                    </a:lnB>
-                    <a:solidFill>
-                      <a:srgbClr val="E7E6E6"/>
-                    </a:solidFill>
-                  </a:tcPr>
-                </a:tc>
-                <a:tc>
-                  <a:txBody>
-                    <a:bodyPr/>
-                    <a:lstStyle/>
-                    <a:p>
-                      <a:pPr algn="ctr"/>
-                      <a:r>
-                        <a:rPr lang="en-GB" sz="2400" u="none" dirty="0"/>
-                        <a:t>AppartNum</a:t>
-                      </a:r>
-                    </a:p>
-                  </a:txBody>
-                  <a:tcPr>
-                    <a:lnL w="12700" cap="flat" cmpd="sng" algn="ctr">
-                      <a:solidFill>
-                        <a:schemeClr val="tx1"/>
-                      </a:solidFill>
-                      <a:prstDash val="solid"/>
-                      <a:round/>
-                      <a:headEnd type="none" w="med" len="med"/>
-                      <a:tailEnd type="none" w="med" len="med"/>
-                    </a:lnL>
-                    <a:lnR w="12700" cap="flat" cmpd="sng" algn="ctr">
-                      <a:solidFill>
-                        <a:schemeClr val="tx1"/>
-                      </a:solidFill>
-                      <a:prstDash val="solid"/>
-                      <a:round/>
-                      <a:headEnd type="none" w="med" len="med"/>
-                      <a:tailEnd type="none" w="med" len="med"/>
-                    </a:lnR>
-                    <a:lnT w="12700" cap="flat" cmpd="sng" algn="ctr">
-                      <a:solidFill>
-                        <a:schemeClr val="tx1"/>
-                      </a:solidFill>
-                      <a:prstDash val="solid"/>
-                      <a:round/>
-                      <a:headEnd type="none" w="med" len="med"/>
-                      <a:tailEnd type="none" w="med" len="med"/>
-                    </a:lnT>
-                    <a:lnB w="12700" cap="flat" cmpd="sng" algn="ctr">
-                      <a:solidFill>
-                        <a:schemeClr val="tx1"/>
-                      </a:solidFill>
-                      <a:prstDash val="solid"/>
-                      <a:round/>
-                      <a:headEnd type="none" w="med" len="med"/>
-                      <a:tailEnd type="none" w="med" len="med"/>
-                    </a:lnB>
-                    <a:solidFill>
-                      <a:srgbClr val="E7E6E6"/>
-                    </a:solidFill>
-                  </a:tcPr>
-                </a:tc>
-                <a:tc>
-                  <a:txBody>
-                    <a:bodyPr/>
-                    <a:lstStyle/>
-                    <a:p>
-                      <a:pPr algn="ctr"/>
-                      <a:r>
-                        <a:rPr lang="en-US" sz="2400" dirty="0"/>
-                        <a:t>Street</a:t>
-                      </a:r>
-                      <a:endParaRPr lang="en-GB" sz="2400" dirty="0"/>
-                    </a:p>
-                  </a:txBody>
-                  <a:tcPr>
-                    <a:lnL w="12700" cap="flat" cmpd="sng" algn="ctr">
-                      <a:solidFill>
-                        <a:schemeClr val="tx1"/>
-                      </a:solidFill>
-                      <a:prstDash val="solid"/>
-                      <a:round/>
-                      <a:headEnd type="none" w="med" len="med"/>
-                      <a:tailEnd type="none" w="med" len="med"/>
-                    </a:lnL>
-                    <a:lnR w="12700" cap="flat" cmpd="sng" algn="ctr">
-                      <a:solidFill>
-                        <a:schemeClr val="tx1"/>
-                      </a:solidFill>
-                      <a:prstDash val="solid"/>
-                      <a:round/>
-                      <a:headEnd type="none" w="med" len="med"/>
-                      <a:tailEnd type="none" w="med" len="med"/>
-                    </a:lnR>
-                    <a:lnT w="12700" cap="flat" cmpd="sng" algn="ctr">
-                      <a:solidFill>
-                        <a:schemeClr val="tx1"/>
-                      </a:solidFill>
-                      <a:prstDash val="solid"/>
-                      <a:round/>
-                      <a:headEnd type="none" w="med" len="med"/>
-                      <a:tailEnd type="none" w="med" len="med"/>
-                    </a:lnT>
-                    <a:lnB w="12700" cap="flat" cmpd="sng" algn="ctr">
-                      <a:solidFill>
-                        <a:schemeClr val="tx1"/>
-                      </a:solidFill>
-                      <a:prstDash val="solid"/>
-                      <a:round/>
-                      <a:headEnd type="none" w="med" len="med"/>
-                      <a:tailEnd type="none" w="med" len="med"/>
-                    </a:lnB>
-                    <a:solidFill>
-                      <a:srgbClr val="E7E6E6"/>
-                    </a:solidFill>
-                  </a:tcPr>
-                </a:tc>
-                <a:tc>
-                  <a:txBody>
-                    <a:bodyPr/>
-                    <a:lstStyle/>
-                    <a:p>
-                      <a:pPr algn="ctr"/>
-                      <a:r>
-                        <a:rPr lang="en-US" sz="2400" dirty="0"/>
-                        <a:t>City</a:t>
-                      </a:r>
-                      <a:endParaRPr lang="en-GB" sz="2400" dirty="0"/>
-                    </a:p>
-                  </a:txBody>
-                  <a:tcPr>
-                    <a:lnL w="12700" cap="flat" cmpd="sng" algn="ctr">
-                      <a:solidFill>
-                        <a:schemeClr val="tx1"/>
-                      </a:solidFill>
-                      <a:prstDash val="solid"/>
-                      <a:round/>
-                      <a:headEnd type="none" w="med" len="med"/>
-                      <a:tailEnd type="none" w="med" len="med"/>
-                    </a:lnL>
-                    <a:lnR w="12700" cap="flat" cmpd="sng" algn="ctr">
-                      <a:solidFill>
-                        <a:schemeClr val="tx1"/>
-                      </a:solidFill>
-                      <a:prstDash val="solid"/>
-                      <a:round/>
-                      <a:headEnd type="none" w="med" len="med"/>
-                      <a:tailEnd type="none" w="med" len="med"/>
-                    </a:lnR>
-                    <a:lnT w="12700" cap="flat" cmpd="sng" algn="ctr">
-                      <a:solidFill>
-                        <a:schemeClr val="tx1"/>
-                      </a:solidFill>
-                      <a:prstDash val="solid"/>
-                      <a:round/>
-                      <a:headEnd type="none" w="med" len="med"/>
-                      <a:tailEnd type="none" w="med" len="med"/>
-                    </a:lnT>
-                    <a:lnB w="12700" cap="flat" cmpd="sng" algn="ctr">
-                      <a:solidFill>
-                        <a:schemeClr val="tx1"/>
-                      </a:solidFill>
-                      <a:prstDash val="solid"/>
-                      <a:round/>
-                      <a:headEnd type="none" w="med" len="med"/>
-                      <a:tailEnd type="none" w="med" len="med"/>
-                    </a:lnB>
-                    <a:solidFill>
-                      <a:srgbClr val="E7E6E6"/>
-                    </a:solidFill>
-                  </a:tcPr>
-                </a:tc>
-                <a:tc>
-                  <a:txBody>
-                    <a:bodyPr/>
-                    <a:lstStyle/>
-                    <a:p>
-                      <a:pPr algn="ctr"/>
-                      <a:r>
-                        <a:rPr lang="en-US" sz="2400" dirty="0"/>
-                        <a:t>Country</a:t>
-                      </a:r>
-                      <a:endParaRPr lang="en-GB" sz="2400" dirty="0"/>
-                    </a:p>
-                  </a:txBody>
-                  <a:tcPr>
-                    <a:lnL w="12700" cap="flat" cmpd="sng" algn="ctr">
-                      <a:solidFill>
-                        <a:schemeClr val="tx1"/>
-                      </a:solidFill>
-                      <a:prstDash val="solid"/>
-                      <a:round/>
-                      <a:headEnd type="none" w="med" len="med"/>
-                      <a:tailEnd type="none" w="med" len="med"/>
-                    </a:lnL>
-                    <a:lnR w="12700" cap="flat" cmpd="sng" algn="ctr">
-                      <a:solidFill>
-                        <a:schemeClr val="tx1"/>
-                      </a:solidFill>
-                      <a:prstDash val="solid"/>
-                      <a:round/>
-                      <a:headEnd type="none" w="med" len="med"/>
-                      <a:tailEnd type="none" w="med" len="med"/>
-                    </a:lnR>
-                    <a:lnT w="12700" cap="flat" cmpd="sng" algn="ctr">
-                      <a:solidFill>
-                        <a:schemeClr val="tx1"/>
-                      </a:solidFill>
-                      <a:prstDash val="solid"/>
-                      <a:round/>
-                      <a:headEnd type="none" w="med" len="med"/>
-                      <a:tailEnd type="none" w="med" len="med"/>
-                    </a:lnT>
-                    <a:lnB w="12700" cap="flat" cmpd="sng" algn="ctr">
-                      <a:solidFill>
-                        <a:schemeClr val="tx1"/>
-                      </a:solidFill>
-                      <a:prstDash val="solid"/>
-                      <a:round/>
-                      <a:headEnd type="none" w="med" len="med"/>
-                      <a:tailEnd type="none" w="med" len="med"/>
-                    </a:lnB>
-                    <a:solidFill>
-                      <a:srgbClr val="E7E6E6"/>
-                    </a:solidFill>
-                  </a:tcPr>
-                </a:tc>
-                <a:extLst>
-                  <a:ext uri="{0D108BD9-81ED-4DB2-BD59-A6C34878D82A}">
-                    <a16:rowId xmlns:a16="http://schemas.microsoft.com/office/drawing/2014/main" val="2454667886"/>
-                  </a:ext>
-                </a:extLst>
-              </a:tr>
-            </a:tbl>
-          </a:graphicData>
-        </a:graphic>
-      </p:graphicFrame>
-      <p:cxnSp>
-        <p:nvCxnSpPr>
           <p:cNvPr id="75" name="Straight Connector 74">
             <a:extLst>
               <a:ext uri="{FF2B5EF4-FFF2-40B4-BE49-F238E27FC236}">
@@ -12624,6 +12106,5972 @@
 </file>
 
 <file path=ppt/slides/slide2.xml><?xml version="1.0" encoding="utf-8"?>
+<p:sld xmlns:a="http://schemas.openxmlformats.org/drawingml/2006/main" xmlns:r="http://schemas.openxmlformats.org/officeDocument/2006/relationships" xmlns:p="http://schemas.openxmlformats.org/presentationml/2006/main">
+  <p:cSld>
+    <p:bg>
+      <p:bgPr>
+        <a:solidFill>
+          <a:schemeClr val="bg1"/>
+        </a:solidFill>
+        <a:effectLst/>
+      </p:bgPr>
+    </p:bg>
+    <p:spTree>
+      <p:nvGrpSpPr>
+        <p:cNvPr id="1" name=""/>
+        <p:cNvGrpSpPr/>
+        <p:nvPr/>
+      </p:nvGrpSpPr>
+      <p:grpSpPr>
+        <a:xfrm>
+          <a:off x="0" y="0"/>
+          <a:ext cx="0" cy="0"/>
+          <a:chOff x="0" y="0"/>
+          <a:chExt cx="0" cy="0"/>
+        </a:xfrm>
+      </p:grpSpPr>
+      <p:graphicFrame>
+        <p:nvGraphicFramePr>
+          <p:cNvPr id="2" name="Table 2">
+            <a:extLst>
+              <a:ext uri="{FF2B5EF4-FFF2-40B4-BE49-F238E27FC236}">
+                <a16:creationId xmlns:a16="http://schemas.microsoft.com/office/drawing/2014/main" id="{088EC609-5748-4567-A8CA-84C68741FFD0}"/>
+              </a:ext>
+            </a:extLst>
+          </p:cNvPr>
+          <p:cNvGraphicFramePr>
+            <a:graphicFrameLocks noGrp="1"/>
+          </p:cNvGraphicFramePr>
+          <p:nvPr/>
+        </p:nvGraphicFramePr>
+        <p:xfrm>
+          <a:off x="10330218" y="855092"/>
+          <a:ext cx="2716625" cy="933998"/>
+        </p:xfrm>
+        <a:graphic>
+          <a:graphicData uri="http://schemas.openxmlformats.org/drawingml/2006/table">
+            <a:tbl>
+              <a:tblPr firstRow="1" bandRow="1">
+                <a:tableStyleId>{5C22544A-7EE6-4342-B048-85BDC9FD1C3A}</a:tableStyleId>
+              </a:tblPr>
+              <a:tblGrid>
+                <a:gridCol w="1516824">
+                  <a:extLst>
+                    <a:ext uri="{9D8B030D-6E8A-4147-A177-3AD203B41FA5}">
+                      <a16:colId xmlns:a16="http://schemas.microsoft.com/office/drawing/2014/main" val="2443914745"/>
+                    </a:ext>
+                  </a:extLst>
+                </a:gridCol>
+                <a:gridCol w="1199801">
+                  <a:extLst>
+                    <a:ext uri="{9D8B030D-6E8A-4147-A177-3AD203B41FA5}">
+                      <a16:colId xmlns:a16="http://schemas.microsoft.com/office/drawing/2014/main" val="560964845"/>
+                    </a:ext>
+                  </a:extLst>
+                </a:gridCol>
+              </a:tblGrid>
+              <a:tr h="466999">
+                <a:tc gridSpan="2">
+                  <a:txBody>
+                    <a:bodyPr/>
+                    <a:lstStyle/>
+                    <a:p>
+                      <a:r>
+                        <a:rPr lang="en-US" sz="2400" dirty="0">
+                          <a:solidFill>
+                            <a:schemeClr val="bg1"/>
+                          </a:solidFill>
+                        </a:rPr>
+                        <a:t>PERSON</a:t>
+                      </a:r>
+                      <a:endParaRPr lang="en-GB" sz="2400" dirty="0">
+                        <a:solidFill>
+                          <a:schemeClr val="bg1"/>
+                        </a:solidFill>
+                      </a:endParaRPr>
+                    </a:p>
+                  </a:txBody>
+                  <a:tcPr>
+                    <a:lnL w="12700" cap="flat" cmpd="sng" algn="ctr">
+                      <a:noFill/>
+                      <a:prstDash val="solid"/>
+                      <a:round/>
+                      <a:headEnd type="none" w="med" len="med"/>
+                      <a:tailEnd type="none" w="med" len="med"/>
+                    </a:lnL>
+                    <a:lnR w="12700" cap="flat" cmpd="sng" algn="ctr">
+                      <a:noFill/>
+                      <a:prstDash val="solid"/>
+                      <a:round/>
+                      <a:headEnd type="none" w="med" len="med"/>
+                      <a:tailEnd type="none" w="med" len="med"/>
+                    </a:lnR>
+                    <a:lnT w="12700" cap="flat" cmpd="sng" algn="ctr">
+                      <a:noFill/>
+                      <a:prstDash val="solid"/>
+                      <a:round/>
+                      <a:headEnd type="none" w="med" len="med"/>
+                      <a:tailEnd type="none" w="med" len="med"/>
+                    </a:lnT>
+                    <a:lnB w="12700" cap="flat" cmpd="sng" algn="ctr">
+                      <a:solidFill>
+                        <a:schemeClr val="tx1"/>
+                      </a:solidFill>
+                      <a:prstDash val="solid"/>
+                      <a:round/>
+                      <a:headEnd type="none" w="med" len="med"/>
+                      <a:tailEnd type="none" w="med" len="med"/>
+                    </a:lnB>
+                    <a:lnTlToBr w="12700" cmpd="sng">
+                      <a:noFill/>
+                      <a:prstDash val="solid"/>
+                    </a:lnTlToBr>
+                    <a:lnBlToTr w="12700" cmpd="sng">
+                      <a:noFill/>
+                      <a:prstDash val="solid"/>
+                    </a:lnBlToTr>
+                    <a:solidFill>
+                      <a:schemeClr val="tx1"/>
+                    </a:solidFill>
+                  </a:tcPr>
+                </a:tc>
+                <a:tc hMerge="1">
+                  <a:txBody>
+                    <a:bodyPr/>
+                    <a:lstStyle/>
+                    <a:p>
+                      <a:endParaRPr lang="en-GB" sz="2400" dirty="0">
+                        <a:solidFill>
+                          <a:schemeClr val="tx1"/>
+                        </a:solidFill>
+                      </a:endParaRPr>
+                    </a:p>
+                  </a:txBody>
+                  <a:tcPr>
+                    <a:lnL w="12700" cap="flat" cmpd="sng" algn="ctr">
+                      <a:noFill/>
+                      <a:prstDash val="solid"/>
+                      <a:round/>
+                      <a:headEnd type="none" w="med" len="med"/>
+                      <a:tailEnd type="none" w="med" len="med"/>
+                    </a:lnL>
+                    <a:lnR w="12700" cap="flat" cmpd="sng" algn="ctr">
+                      <a:noFill/>
+                      <a:prstDash val="solid"/>
+                      <a:round/>
+                      <a:headEnd type="none" w="med" len="med"/>
+                      <a:tailEnd type="none" w="med" len="med"/>
+                    </a:lnR>
+                    <a:lnT w="12700" cap="flat" cmpd="sng" algn="ctr">
+                      <a:noFill/>
+                      <a:prstDash val="solid"/>
+                      <a:round/>
+                      <a:headEnd type="none" w="med" len="med"/>
+                      <a:tailEnd type="none" w="med" len="med"/>
+                    </a:lnT>
+                    <a:lnB w="12700" cap="flat" cmpd="sng" algn="ctr">
+                      <a:solidFill>
+                        <a:schemeClr val="tx1"/>
+                      </a:solidFill>
+                      <a:prstDash val="solid"/>
+                      <a:round/>
+                      <a:headEnd type="none" w="med" len="med"/>
+                      <a:tailEnd type="none" w="med" len="med"/>
+                    </a:lnB>
+                    <a:lnTlToBr w="12700" cmpd="sng">
+                      <a:noFill/>
+                      <a:prstDash val="solid"/>
+                    </a:lnTlToBr>
+                    <a:lnBlToTr w="12700" cmpd="sng">
+                      <a:noFill/>
+                      <a:prstDash val="solid"/>
+                    </a:lnBlToTr>
+                    <a:noFill/>
+                  </a:tcPr>
+                </a:tc>
+                <a:extLst>
+                  <a:ext uri="{0D108BD9-81ED-4DB2-BD59-A6C34878D82A}">
+                    <a16:rowId xmlns:a16="http://schemas.microsoft.com/office/drawing/2014/main" val="428703033"/>
+                  </a:ext>
+                </a:extLst>
+              </a:tr>
+              <a:tr h="466999">
+                <a:tc>
+                  <a:txBody>
+                    <a:bodyPr/>
+                    <a:lstStyle/>
+                    <a:p>
+                      <a:pPr algn="ctr"/>
+                      <a:r>
+                        <a:rPr lang="en-US" sz="2400" u="sng" dirty="0"/>
+                        <a:t>PID</a:t>
+                      </a:r>
+                      <a:endParaRPr lang="en-GB" sz="2400" u="sng" dirty="0"/>
+                    </a:p>
+                  </a:txBody>
+                  <a:tcPr>
+                    <a:lnL w="12700" cap="flat" cmpd="sng" algn="ctr">
+                      <a:solidFill>
+                        <a:schemeClr val="tx1"/>
+                      </a:solidFill>
+                      <a:prstDash val="solid"/>
+                      <a:round/>
+                      <a:headEnd type="none" w="med" len="med"/>
+                      <a:tailEnd type="none" w="med" len="med"/>
+                    </a:lnL>
+                    <a:lnR w="12700" cap="flat" cmpd="sng" algn="ctr">
+                      <a:solidFill>
+                        <a:schemeClr val="tx1"/>
+                      </a:solidFill>
+                      <a:prstDash val="solid"/>
+                      <a:round/>
+                      <a:headEnd type="none" w="med" len="med"/>
+                      <a:tailEnd type="none" w="med" len="med"/>
+                    </a:lnR>
+                    <a:lnT w="12700" cap="flat" cmpd="sng" algn="ctr">
+                      <a:solidFill>
+                        <a:schemeClr val="tx1"/>
+                      </a:solidFill>
+                      <a:prstDash val="solid"/>
+                      <a:round/>
+                      <a:headEnd type="none" w="med" len="med"/>
+                      <a:tailEnd type="none" w="med" len="med"/>
+                    </a:lnT>
+                    <a:lnB w="12700" cap="flat" cmpd="sng" algn="ctr">
+                      <a:solidFill>
+                        <a:schemeClr val="tx1"/>
+                      </a:solidFill>
+                      <a:prstDash val="solid"/>
+                      <a:round/>
+                      <a:headEnd type="none" w="med" len="med"/>
+                      <a:tailEnd type="none" w="med" len="med"/>
+                    </a:lnB>
+                    <a:solidFill>
+                      <a:srgbClr val="E7E6E6"/>
+                    </a:solidFill>
+                  </a:tcPr>
+                </a:tc>
+                <a:tc>
+                  <a:txBody>
+                    <a:bodyPr/>
+                    <a:lstStyle/>
+                    <a:p>
+                      <a:pPr algn="ctr"/>
+                      <a:r>
+                        <a:rPr lang="en-US" sz="2400" dirty="0"/>
+                        <a:t>Name</a:t>
+                      </a:r>
+                      <a:endParaRPr lang="en-GB" sz="2400" dirty="0"/>
+                    </a:p>
+                  </a:txBody>
+                  <a:tcPr>
+                    <a:lnL w="12700" cap="flat" cmpd="sng" algn="ctr">
+                      <a:solidFill>
+                        <a:schemeClr val="tx1"/>
+                      </a:solidFill>
+                      <a:prstDash val="solid"/>
+                      <a:round/>
+                      <a:headEnd type="none" w="med" len="med"/>
+                      <a:tailEnd type="none" w="med" len="med"/>
+                    </a:lnL>
+                    <a:lnR w="12700" cap="flat" cmpd="sng" algn="ctr">
+                      <a:solidFill>
+                        <a:schemeClr val="tx1"/>
+                      </a:solidFill>
+                      <a:prstDash val="solid"/>
+                      <a:round/>
+                      <a:headEnd type="none" w="med" len="med"/>
+                      <a:tailEnd type="none" w="med" len="med"/>
+                    </a:lnR>
+                    <a:lnT w="12700" cap="flat" cmpd="sng" algn="ctr">
+                      <a:solidFill>
+                        <a:schemeClr val="tx1"/>
+                      </a:solidFill>
+                      <a:prstDash val="solid"/>
+                      <a:round/>
+                      <a:headEnd type="none" w="med" len="med"/>
+                      <a:tailEnd type="none" w="med" len="med"/>
+                    </a:lnT>
+                    <a:lnB w="12700" cap="flat" cmpd="sng" algn="ctr">
+                      <a:solidFill>
+                        <a:schemeClr val="tx1"/>
+                      </a:solidFill>
+                      <a:prstDash val="solid"/>
+                      <a:round/>
+                      <a:headEnd type="none" w="med" len="med"/>
+                      <a:tailEnd type="none" w="med" len="med"/>
+                    </a:lnB>
+                    <a:solidFill>
+                      <a:srgbClr val="E7E6E6"/>
+                    </a:solidFill>
+                  </a:tcPr>
+                </a:tc>
+                <a:extLst>
+                  <a:ext uri="{0D108BD9-81ED-4DB2-BD59-A6C34878D82A}">
+                    <a16:rowId xmlns:a16="http://schemas.microsoft.com/office/drawing/2014/main" val="2454667886"/>
+                  </a:ext>
+                </a:extLst>
+              </a:tr>
+            </a:tbl>
+          </a:graphicData>
+        </a:graphic>
+      </p:graphicFrame>
+      <p:graphicFrame>
+        <p:nvGraphicFramePr>
+          <p:cNvPr id="24" name="Table 2">
+            <a:extLst>
+              <a:ext uri="{FF2B5EF4-FFF2-40B4-BE49-F238E27FC236}">
+                <a16:creationId xmlns:a16="http://schemas.microsoft.com/office/drawing/2014/main" id="{4D290DB0-0944-4095-A11A-0D7B512172F5}"/>
+              </a:ext>
+            </a:extLst>
+          </p:cNvPr>
+          <p:cNvGraphicFramePr>
+            <a:graphicFrameLocks noGrp="1"/>
+          </p:cNvGraphicFramePr>
+          <p:nvPr/>
+        </p:nvGraphicFramePr>
+        <p:xfrm>
+          <a:off x="15668173" y="713181"/>
+          <a:ext cx="5510950" cy="922526"/>
+        </p:xfrm>
+        <a:graphic>
+          <a:graphicData uri="http://schemas.openxmlformats.org/drawingml/2006/table">
+            <a:tbl>
+              <a:tblPr firstRow="1" bandRow="1">
+                <a:tableStyleId>{5C22544A-7EE6-4342-B048-85BDC9FD1C3A}</a:tableStyleId>
+              </a:tblPr>
+              <a:tblGrid>
+                <a:gridCol w="1451604">
+                  <a:extLst>
+                    <a:ext uri="{9D8B030D-6E8A-4147-A177-3AD203B41FA5}">
+                      <a16:colId xmlns:a16="http://schemas.microsoft.com/office/drawing/2014/main" val="2443914745"/>
+                    </a:ext>
+                  </a:extLst>
+                </a:gridCol>
+                <a:gridCol w="1552448">
+                  <a:extLst>
+                    <a:ext uri="{9D8B030D-6E8A-4147-A177-3AD203B41FA5}">
+                      <a16:colId xmlns:a16="http://schemas.microsoft.com/office/drawing/2014/main" val="560964845"/>
+                    </a:ext>
+                  </a:extLst>
+                </a:gridCol>
+                <a:gridCol w="1084943">
+                  <a:extLst>
+                    <a:ext uri="{9D8B030D-6E8A-4147-A177-3AD203B41FA5}">
+                      <a16:colId xmlns:a16="http://schemas.microsoft.com/office/drawing/2014/main" val="45765120"/>
+                    </a:ext>
+                  </a:extLst>
+                </a:gridCol>
+                <a:gridCol w="1421955">
+                  <a:extLst>
+                    <a:ext uri="{9D8B030D-6E8A-4147-A177-3AD203B41FA5}">
+                      <a16:colId xmlns:a16="http://schemas.microsoft.com/office/drawing/2014/main" val="3165931097"/>
+                    </a:ext>
+                  </a:extLst>
+                </a:gridCol>
+              </a:tblGrid>
+              <a:tr h="461263">
+                <a:tc gridSpan="4">
+                  <a:txBody>
+                    <a:bodyPr/>
+                    <a:lstStyle/>
+                    <a:p>
+                      <a:r>
+                        <a:rPr lang="en-US" sz="2400" dirty="0">
+                          <a:solidFill>
+                            <a:schemeClr val="tx1"/>
+                          </a:solidFill>
+                        </a:rPr>
+                        <a:t>ACCOUNT</a:t>
+                      </a:r>
+                      <a:endParaRPr lang="en-GB" sz="2400" dirty="0">
+                        <a:solidFill>
+                          <a:schemeClr val="tx1"/>
+                        </a:solidFill>
+                      </a:endParaRPr>
+                    </a:p>
+                  </a:txBody>
+                  <a:tcPr>
+                    <a:lnL w="12700" cap="flat" cmpd="sng" algn="ctr">
+                      <a:noFill/>
+                      <a:prstDash val="solid"/>
+                      <a:round/>
+                      <a:headEnd type="none" w="med" len="med"/>
+                      <a:tailEnd type="none" w="med" len="med"/>
+                    </a:lnL>
+                    <a:lnR w="12700" cap="flat" cmpd="sng" algn="ctr">
+                      <a:noFill/>
+                      <a:prstDash val="solid"/>
+                      <a:round/>
+                      <a:headEnd type="none" w="med" len="med"/>
+                      <a:tailEnd type="none" w="med" len="med"/>
+                    </a:lnR>
+                    <a:lnT w="12700" cap="flat" cmpd="sng" algn="ctr">
+                      <a:noFill/>
+                      <a:prstDash val="solid"/>
+                      <a:round/>
+                      <a:headEnd type="none" w="med" len="med"/>
+                      <a:tailEnd type="none" w="med" len="med"/>
+                    </a:lnT>
+                    <a:lnB w="12700" cap="flat" cmpd="sng" algn="ctr">
+                      <a:solidFill>
+                        <a:schemeClr val="tx1"/>
+                      </a:solidFill>
+                      <a:prstDash val="solid"/>
+                      <a:round/>
+                      <a:headEnd type="none" w="med" len="med"/>
+                      <a:tailEnd type="none" w="med" len="med"/>
+                    </a:lnB>
+                    <a:lnTlToBr w="12700" cmpd="sng">
+                      <a:noFill/>
+                      <a:prstDash val="solid"/>
+                    </a:lnTlToBr>
+                    <a:lnBlToTr w="12700" cmpd="sng">
+                      <a:noFill/>
+                      <a:prstDash val="solid"/>
+                    </a:lnBlToTr>
+                    <a:noFill/>
+                  </a:tcPr>
+                </a:tc>
+                <a:tc hMerge="1">
+                  <a:txBody>
+                    <a:bodyPr/>
+                    <a:lstStyle/>
+                    <a:p>
+                      <a:endParaRPr lang="en-GB" sz="2400" dirty="0">
+                        <a:solidFill>
+                          <a:schemeClr val="tx1"/>
+                        </a:solidFill>
+                      </a:endParaRPr>
+                    </a:p>
+                  </a:txBody>
+                  <a:tcPr>
+                    <a:lnL w="12700" cap="flat" cmpd="sng" algn="ctr">
+                      <a:noFill/>
+                      <a:prstDash val="solid"/>
+                      <a:round/>
+                      <a:headEnd type="none" w="med" len="med"/>
+                      <a:tailEnd type="none" w="med" len="med"/>
+                    </a:lnL>
+                    <a:lnR w="12700" cap="flat" cmpd="sng" algn="ctr">
+                      <a:noFill/>
+                      <a:prstDash val="solid"/>
+                      <a:round/>
+                      <a:headEnd type="none" w="med" len="med"/>
+                      <a:tailEnd type="none" w="med" len="med"/>
+                    </a:lnR>
+                    <a:lnT w="12700" cap="flat" cmpd="sng" algn="ctr">
+                      <a:noFill/>
+                      <a:prstDash val="solid"/>
+                      <a:round/>
+                      <a:headEnd type="none" w="med" len="med"/>
+                      <a:tailEnd type="none" w="med" len="med"/>
+                    </a:lnT>
+                    <a:lnB w="12700" cap="flat" cmpd="sng" algn="ctr">
+                      <a:solidFill>
+                        <a:schemeClr val="tx1"/>
+                      </a:solidFill>
+                      <a:prstDash val="solid"/>
+                      <a:round/>
+                      <a:headEnd type="none" w="med" len="med"/>
+                      <a:tailEnd type="none" w="med" len="med"/>
+                    </a:lnB>
+                    <a:lnTlToBr w="12700" cmpd="sng">
+                      <a:noFill/>
+                      <a:prstDash val="solid"/>
+                    </a:lnTlToBr>
+                    <a:lnBlToTr w="12700" cmpd="sng">
+                      <a:noFill/>
+                      <a:prstDash val="solid"/>
+                    </a:lnBlToTr>
+                    <a:noFill/>
+                  </a:tcPr>
+                </a:tc>
+                <a:tc hMerge="1">
+                  <a:txBody>
+                    <a:bodyPr/>
+                    <a:lstStyle/>
+                    <a:p>
+                      <a:endParaRPr lang="en-GB" sz="2400" dirty="0">
+                        <a:solidFill>
+                          <a:schemeClr val="tx1"/>
+                        </a:solidFill>
+                      </a:endParaRPr>
+                    </a:p>
+                  </a:txBody>
+                  <a:tcPr>
+                    <a:lnL w="12700" cap="flat" cmpd="sng" algn="ctr">
+                      <a:noFill/>
+                      <a:prstDash val="solid"/>
+                      <a:round/>
+                      <a:headEnd type="none" w="med" len="med"/>
+                      <a:tailEnd type="none" w="med" len="med"/>
+                    </a:lnL>
+                    <a:lnR w="12700" cap="flat" cmpd="sng" algn="ctr">
+                      <a:noFill/>
+                      <a:prstDash val="solid"/>
+                      <a:round/>
+                      <a:headEnd type="none" w="med" len="med"/>
+                      <a:tailEnd type="none" w="med" len="med"/>
+                    </a:lnR>
+                    <a:lnT w="12700" cap="flat" cmpd="sng" algn="ctr">
+                      <a:noFill/>
+                      <a:prstDash val="solid"/>
+                      <a:round/>
+                      <a:headEnd type="none" w="med" len="med"/>
+                      <a:tailEnd type="none" w="med" len="med"/>
+                    </a:lnT>
+                    <a:lnB w="12700" cap="flat" cmpd="sng" algn="ctr">
+                      <a:solidFill>
+                        <a:schemeClr val="tx1"/>
+                      </a:solidFill>
+                      <a:prstDash val="solid"/>
+                      <a:round/>
+                      <a:headEnd type="none" w="med" len="med"/>
+                      <a:tailEnd type="none" w="med" len="med"/>
+                    </a:lnB>
+                    <a:lnTlToBr w="12700" cmpd="sng">
+                      <a:noFill/>
+                      <a:prstDash val="solid"/>
+                    </a:lnTlToBr>
+                    <a:lnBlToTr w="12700" cmpd="sng">
+                      <a:noFill/>
+                      <a:prstDash val="solid"/>
+                    </a:lnBlToTr>
+                    <a:noFill/>
+                  </a:tcPr>
+                </a:tc>
+                <a:tc hMerge="1">
+                  <a:txBody>
+                    <a:bodyPr/>
+                    <a:lstStyle/>
+                    <a:p>
+                      <a:endParaRPr lang="en-GB" sz="2400" dirty="0">
+                        <a:solidFill>
+                          <a:schemeClr val="tx1"/>
+                        </a:solidFill>
+                      </a:endParaRPr>
+                    </a:p>
+                  </a:txBody>
+                  <a:tcPr>
+                    <a:lnL w="12700" cap="flat" cmpd="sng" algn="ctr">
+                      <a:noFill/>
+                      <a:prstDash val="solid"/>
+                      <a:round/>
+                      <a:headEnd type="none" w="med" len="med"/>
+                      <a:tailEnd type="none" w="med" len="med"/>
+                    </a:lnL>
+                    <a:lnR w="12700" cap="flat" cmpd="sng" algn="ctr">
+                      <a:noFill/>
+                      <a:prstDash val="solid"/>
+                      <a:round/>
+                      <a:headEnd type="none" w="med" len="med"/>
+                      <a:tailEnd type="none" w="med" len="med"/>
+                    </a:lnR>
+                    <a:lnT w="12700" cap="flat" cmpd="sng" algn="ctr">
+                      <a:noFill/>
+                      <a:prstDash val="solid"/>
+                      <a:round/>
+                      <a:headEnd type="none" w="med" len="med"/>
+                      <a:tailEnd type="none" w="med" len="med"/>
+                    </a:lnT>
+                    <a:lnB w="12700" cap="flat" cmpd="sng" algn="ctr">
+                      <a:solidFill>
+                        <a:schemeClr val="tx1"/>
+                      </a:solidFill>
+                      <a:prstDash val="solid"/>
+                      <a:round/>
+                      <a:headEnd type="none" w="med" len="med"/>
+                      <a:tailEnd type="none" w="med" len="med"/>
+                    </a:lnB>
+                    <a:lnTlToBr w="12700" cmpd="sng">
+                      <a:noFill/>
+                      <a:prstDash val="solid"/>
+                    </a:lnTlToBr>
+                    <a:lnBlToTr w="12700" cmpd="sng">
+                      <a:noFill/>
+                      <a:prstDash val="solid"/>
+                    </a:lnBlToTr>
+                    <a:noFill/>
+                  </a:tcPr>
+                </a:tc>
+                <a:extLst>
+                  <a:ext uri="{0D108BD9-81ED-4DB2-BD59-A6C34878D82A}">
+                    <a16:rowId xmlns:a16="http://schemas.microsoft.com/office/drawing/2014/main" val="428703033"/>
+                  </a:ext>
+                </a:extLst>
+              </a:tr>
+              <a:tr h="461263">
+                <a:tc>
+                  <a:txBody>
+                    <a:bodyPr/>
+                    <a:lstStyle/>
+                    <a:p>
+                      <a:pPr algn="ctr"/>
+                      <a:r>
+                        <a:rPr lang="en-US" sz="2400" u="sng" dirty="0"/>
+                        <a:t>PID</a:t>
+                      </a:r>
+                      <a:endParaRPr lang="en-GB" sz="2400" u="sng" dirty="0"/>
+                    </a:p>
+                  </a:txBody>
+                  <a:tcPr>
+                    <a:lnL w="12700" cap="flat" cmpd="sng" algn="ctr">
+                      <a:solidFill>
+                        <a:schemeClr val="tx1"/>
+                      </a:solidFill>
+                      <a:prstDash val="solid"/>
+                      <a:round/>
+                      <a:headEnd type="none" w="med" len="med"/>
+                      <a:tailEnd type="none" w="med" len="med"/>
+                    </a:lnL>
+                    <a:lnR w="12700" cap="flat" cmpd="sng" algn="ctr">
+                      <a:solidFill>
+                        <a:schemeClr val="tx1"/>
+                      </a:solidFill>
+                      <a:prstDash val="solid"/>
+                      <a:round/>
+                      <a:headEnd type="none" w="med" len="med"/>
+                      <a:tailEnd type="none" w="med" len="med"/>
+                    </a:lnR>
+                    <a:lnT w="12700" cap="flat" cmpd="sng" algn="ctr">
+                      <a:solidFill>
+                        <a:schemeClr val="tx1"/>
+                      </a:solidFill>
+                      <a:prstDash val="solid"/>
+                      <a:round/>
+                      <a:headEnd type="none" w="med" len="med"/>
+                      <a:tailEnd type="none" w="med" len="med"/>
+                    </a:lnT>
+                    <a:lnB w="12700" cap="flat" cmpd="sng" algn="ctr">
+                      <a:solidFill>
+                        <a:schemeClr val="tx1"/>
+                      </a:solidFill>
+                      <a:prstDash val="solid"/>
+                      <a:round/>
+                      <a:headEnd type="none" w="med" len="med"/>
+                      <a:tailEnd type="none" w="med" len="med"/>
+                    </a:lnB>
+                    <a:solidFill>
+                      <a:srgbClr val="E7E6E6"/>
+                    </a:solidFill>
+                  </a:tcPr>
+                </a:tc>
+                <a:tc>
+                  <a:txBody>
+                    <a:bodyPr/>
+                    <a:lstStyle/>
+                    <a:p>
+                      <a:pPr algn="ctr"/>
+                      <a:r>
+                        <a:rPr lang="en-US" sz="2400" dirty="0"/>
+                        <a:t>Username</a:t>
+                      </a:r>
+                      <a:endParaRPr lang="en-GB" sz="2400" dirty="0"/>
+                    </a:p>
+                  </a:txBody>
+                  <a:tcPr>
+                    <a:lnL w="12700" cap="flat" cmpd="sng" algn="ctr">
+                      <a:solidFill>
+                        <a:schemeClr val="tx1"/>
+                      </a:solidFill>
+                      <a:prstDash val="solid"/>
+                      <a:round/>
+                      <a:headEnd type="none" w="med" len="med"/>
+                      <a:tailEnd type="none" w="med" len="med"/>
+                    </a:lnL>
+                    <a:lnR w="12700" cap="flat" cmpd="sng" algn="ctr">
+                      <a:solidFill>
+                        <a:schemeClr val="tx1"/>
+                      </a:solidFill>
+                      <a:prstDash val="solid"/>
+                      <a:round/>
+                      <a:headEnd type="none" w="med" len="med"/>
+                      <a:tailEnd type="none" w="med" len="med"/>
+                    </a:lnR>
+                    <a:lnT w="12700" cap="flat" cmpd="sng" algn="ctr">
+                      <a:solidFill>
+                        <a:schemeClr val="tx1"/>
+                      </a:solidFill>
+                      <a:prstDash val="solid"/>
+                      <a:round/>
+                      <a:headEnd type="none" w="med" len="med"/>
+                      <a:tailEnd type="none" w="med" len="med"/>
+                    </a:lnT>
+                    <a:lnB w="12700" cap="flat" cmpd="sng" algn="ctr">
+                      <a:solidFill>
+                        <a:schemeClr val="tx1"/>
+                      </a:solidFill>
+                      <a:prstDash val="solid"/>
+                      <a:round/>
+                      <a:headEnd type="none" w="med" len="med"/>
+                      <a:tailEnd type="none" w="med" len="med"/>
+                    </a:lnB>
+                    <a:solidFill>
+                      <a:srgbClr val="E7E6E6"/>
+                    </a:solidFill>
+                  </a:tcPr>
+                </a:tc>
+                <a:tc>
+                  <a:txBody>
+                    <a:bodyPr/>
+                    <a:lstStyle/>
+                    <a:p>
+                      <a:pPr algn="ctr"/>
+                      <a:r>
+                        <a:rPr lang="en-US" sz="2400" dirty="0"/>
+                        <a:t>Email</a:t>
+                      </a:r>
+                      <a:endParaRPr lang="en-GB" sz="2400" dirty="0"/>
+                    </a:p>
+                  </a:txBody>
+                  <a:tcPr>
+                    <a:lnL w="12700" cap="flat" cmpd="sng" algn="ctr">
+                      <a:solidFill>
+                        <a:schemeClr val="tx1"/>
+                      </a:solidFill>
+                      <a:prstDash val="solid"/>
+                      <a:round/>
+                      <a:headEnd type="none" w="med" len="med"/>
+                      <a:tailEnd type="none" w="med" len="med"/>
+                    </a:lnL>
+                    <a:lnR w="12700" cap="flat" cmpd="sng" algn="ctr">
+                      <a:solidFill>
+                        <a:schemeClr val="tx1"/>
+                      </a:solidFill>
+                      <a:prstDash val="solid"/>
+                      <a:round/>
+                      <a:headEnd type="none" w="med" len="med"/>
+                      <a:tailEnd type="none" w="med" len="med"/>
+                    </a:lnR>
+                    <a:lnT w="12700" cap="flat" cmpd="sng" algn="ctr">
+                      <a:solidFill>
+                        <a:schemeClr val="tx1"/>
+                      </a:solidFill>
+                      <a:prstDash val="solid"/>
+                      <a:round/>
+                      <a:headEnd type="none" w="med" len="med"/>
+                      <a:tailEnd type="none" w="med" len="med"/>
+                    </a:lnT>
+                    <a:lnB w="12700" cap="flat" cmpd="sng" algn="ctr">
+                      <a:solidFill>
+                        <a:schemeClr val="tx1"/>
+                      </a:solidFill>
+                      <a:prstDash val="solid"/>
+                      <a:round/>
+                      <a:headEnd type="none" w="med" len="med"/>
+                      <a:tailEnd type="none" w="med" len="med"/>
+                    </a:lnB>
+                    <a:solidFill>
+                      <a:srgbClr val="E7E6E6"/>
+                    </a:solidFill>
+                  </a:tcPr>
+                </a:tc>
+                <a:tc>
+                  <a:txBody>
+                    <a:bodyPr/>
+                    <a:lstStyle/>
+                    <a:p>
+                      <a:pPr algn="ctr"/>
+                      <a:r>
+                        <a:rPr lang="en-US" sz="2400" dirty="0"/>
+                        <a:t>Password</a:t>
+                      </a:r>
+                      <a:endParaRPr lang="en-GB" sz="2400" dirty="0"/>
+                    </a:p>
+                  </a:txBody>
+                  <a:tcPr>
+                    <a:lnL w="12700" cap="flat" cmpd="sng" algn="ctr">
+                      <a:solidFill>
+                        <a:schemeClr val="tx1"/>
+                      </a:solidFill>
+                      <a:prstDash val="solid"/>
+                      <a:round/>
+                      <a:headEnd type="none" w="med" len="med"/>
+                      <a:tailEnd type="none" w="med" len="med"/>
+                    </a:lnL>
+                    <a:lnR w="12700" cap="flat" cmpd="sng" algn="ctr">
+                      <a:solidFill>
+                        <a:schemeClr val="tx1"/>
+                      </a:solidFill>
+                      <a:prstDash val="solid"/>
+                      <a:round/>
+                      <a:headEnd type="none" w="med" len="med"/>
+                      <a:tailEnd type="none" w="med" len="med"/>
+                    </a:lnR>
+                    <a:lnT w="12700" cap="flat" cmpd="sng" algn="ctr">
+                      <a:solidFill>
+                        <a:schemeClr val="tx1"/>
+                      </a:solidFill>
+                      <a:prstDash val="solid"/>
+                      <a:round/>
+                      <a:headEnd type="none" w="med" len="med"/>
+                      <a:tailEnd type="none" w="med" len="med"/>
+                    </a:lnT>
+                    <a:lnB w="12700" cap="flat" cmpd="sng" algn="ctr">
+                      <a:solidFill>
+                        <a:schemeClr val="tx1"/>
+                      </a:solidFill>
+                      <a:prstDash val="solid"/>
+                      <a:round/>
+                      <a:headEnd type="none" w="med" len="med"/>
+                      <a:tailEnd type="none" w="med" len="med"/>
+                    </a:lnB>
+                    <a:solidFill>
+                      <a:srgbClr val="E7E6E6"/>
+                    </a:solidFill>
+                  </a:tcPr>
+                </a:tc>
+                <a:extLst>
+                  <a:ext uri="{0D108BD9-81ED-4DB2-BD59-A6C34878D82A}">
+                    <a16:rowId xmlns:a16="http://schemas.microsoft.com/office/drawing/2014/main" val="2454667886"/>
+                  </a:ext>
+                </a:extLst>
+              </a:tr>
+            </a:tbl>
+          </a:graphicData>
+        </a:graphic>
+      </p:graphicFrame>
+      <p:cxnSp>
+        <p:nvCxnSpPr>
+          <p:cNvPr id="25" name="Straight Connector 24">
+            <a:extLst>
+              <a:ext uri="{FF2B5EF4-FFF2-40B4-BE49-F238E27FC236}">
+                <a16:creationId xmlns:a16="http://schemas.microsoft.com/office/drawing/2014/main" id="{9CB968E5-21F0-40FB-8CBA-2D41728F61C1}"/>
+              </a:ext>
+            </a:extLst>
+          </p:cNvPr>
+          <p:cNvCxnSpPr>
+            <a:cxnSpLocks/>
+          </p:cNvCxnSpPr>
+          <p:nvPr/>
+        </p:nvCxnSpPr>
+        <p:spPr>
+          <a:xfrm>
+            <a:off x="16406587" y="1627582"/>
+            <a:ext cx="0" cy="823534"/>
+          </a:xfrm>
+          <a:prstGeom prst="line">
+            <a:avLst/>
+          </a:prstGeom>
+          <a:ln w="28575">
+            <a:solidFill>
+              <a:schemeClr val="tx1"/>
+            </a:solidFill>
+            <a:tailEnd type="none" w="lg" len="lg"/>
+          </a:ln>
+        </p:spPr>
+        <p:style>
+          <a:lnRef idx="1">
+            <a:schemeClr val="accent1"/>
+          </a:lnRef>
+          <a:fillRef idx="0">
+            <a:schemeClr val="accent1"/>
+          </a:fillRef>
+          <a:effectRef idx="0">
+            <a:schemeClr val="accent1"/>
+          </a:effectRef>
+          <a:fontRef idx="minor">
+            <a:schemeClr val="tx1"/>
+          </a:fontRef>
+        </p:style>
+      </p:cxnSp>
+      <p:cxnSp>
+        <p:nvCxnSpPr>
+          <p:cNvPr id="26" name="Straight Connector 25">
+            <a:extLst>
+              <a:ext uri="{FF2B5EF4-FFF2-40B4-BE49-F238E27FC236}">
+                <a16:creationId xmlns:a16="http://schemas.microsoft.com/office/drawing/2014/main" id="{A5F3F3AB-F97A-4EFB-9A6B-C8A323FC95E0}"/>
+              </a:ext>
+            </a:extLst>
+          </p:cNvPr>
+          <p:cNvCxnSpPr>
+            <a:cxnSpLocks/>
+          </p:cNvCxnSpPr>
+          <p:nvPr/>
+        </p:nvCxnSpPr>
+        <p:spPr>
+          <a:xfrm>
+            <a:off x="11504065" y="2432467"/>
+            <a:ext cx="4902531" cy="0"/>
+          </a:xfrm>
+          <a:prstGeom prst="line">
+            <a:avLst/>
+          </a:prstGeom>
+          <a:ln w="28575">
+            <a:solidFill>
+              <a:schemeClr val="tx1"/>
+            </a:solidFill>
+            <a:tailEnd type="none" w="lg" len="lg"/>
+          </a:ln>
+        </p:spPr>
+        <p:style>
+          <a:lnRef idx="1">
+            <a:schemeClr val="accent1"/>
+          </a:lnRef>
+          <a:fillRef idx="0">
+            <a:schemeClr val="accent1"/>
+          </a:fillRef>
+          <a:effectRef idx="0">
+            <a:schemeClr val="accent1"/>
+          </a:effectRef>
+          <a:fontRef idx="minor">
+            <a:schemeClr val="tx1"/>
+          </a:fontRef>
+        </p:style>
+      </p:cxnSp>
+      <p:cxnSp>
+        <p:nvCxnSpPr>
+          <p:cNvPr id="28" name="Straight Arrow Connector 27">
+            <a:extLst>
+              <a:ext uri="{FF2B5EF4-FFF2-40B4-BE49-F238E27FC236}">
+                <a16:creationId xmlns:a16="http://schemas.microsoft.com/office/drawing/2014/main" id="{13B92F3B-93C0-4A34-B2DA-551AB551179E}"/>
+              </a:ext>
+            </a:extLst>
+          </p:cNvPr>
+          <p:cNvCxnSpPr>
+            <a:cxnSpLocks/>
+          </p:cNvCxnSpPr>
+          <p:nvPr/>
+        </p:nvCxnSpPr>
+        <p:spPr>
+          <a:xfrm flipV="1">
+            <a:off x="11504056" y="1828646"/>
+            <a:ext cx="0" cy="622470"/>
+          </a:xfrm>
+          <a:prstGeom prst="straightConnector1">
+            <a:avLst/>
+          </a:prstGeom>
+          <a:ln w="28575">
+            <a:solidFill>
+              <a:schemeClr val="tx1"/>
+            </a:solidFill>
+            <a:tailEnd type="triangle" w="lg" len="lg"/>
+          </a:ln>
+        </p:spPr>
+        <p:style>
+          <a:lnRef idx="1">
+            <a:schemeClr val="accent1"/>
+          </a:lnRef>
+          <a:fillRef idx="0">
+            <a:schemeClr val="accent1"/>
+          </a:fillRef>
+          <a:effectRef idx="0">
+            <a:schemeClr val="accent1"/>
+          </a:effectRef>
+          <a:fontRef idx="minor">
+            <a:schemeClr val="tx1"/>
+          </a:fontRef>
+        </p:style>
+      </p:cxnSp>
+      <p:cxnSp>
+        <p:nvCxnSpPr>
+          <p:cNvPr id="32" name="Straight Arrow Connector 31">
+            <a:extLst>
+              <a:ext uri="{FF2B5EF4-FFF2-40B4-BE49-F238E27FC236}">
+                <a16:creationId xmlns:a16="http://schemas.microsoft.com/office/drawing/2014/main" id="{EDA0DC3A-1E24-9249-A478-325DA84C67F8}"/>
+              </a:ext>
+            </a:extLst>
+          </p:cNvPr>
+          <p:cNvCxnSpPr>
+            <a:cxnSpLocks/>
+          </p:cNvCxnSpPr>
+          <p:nvPr/>
+        </p:nvCxnSpPr>
+        <p:spPr>
+          <a:xfrm flipV="1">
+            <a:off x="5406573" y="5495419"/>
+            <a:ext cx="0" cy="827315"/>
+          </a:xfrm>
+          <a:prstGeom prst="straightConnector1">
+            <a:avLst/>
+          </a:prstGeom>
+          <a:ln w="28575">
+            <a:solidFill>
+              <a:schemeClr val="tx1"/>
+            </a:solidFill>
+            <a:tailEnd type="triangle" w="lg" len="lg"/>
+          </a:ln>
+        </p:spPr>
+        <p:style>
+          <a:lnRef idx="1">
+            <a:schemeClr val="accent1"/>
+          </a:lnRef>
+          <a:fillRef idx="0">
+            <a:schemeClr val="accent1"/>
+          </a:fillRef>
+          <a:effectRef idx="0">
+            <a:schemeClr val="accent1"/>
+          </a:effectRef>
+          <a:fontRef idx="minor">
+            <a:schemeClr val="tx1"/>
+          </a:fontRef>
+        </p:style>
+      </p:cxnSp>
+      <p:cxnSp>
+        <p:nvCxnSpPr>
+          <p:cNvPr id="33" name="Straight Arrow Connector 32">
+            <a:extLst>
+              <a:ext uri="{FF2B5EF4-FFF2-40B4-BE49-F238E27FC236}">
+                <a16:creationId xmlns:a16="http://schemas.microsoft.com/office/drawing/2014/main" id="{9A0E1121-9A35-0E4F-B687-A8E1DEEC39F3}"/>
+              </a:ext>
+            </a:extLst>
+          </p:cNvPr>
+          <p:cNvCxnSpPr>
+            <a:cxnSpLocks/>
+          </p:cNvCxnSpPr>
+          <p:nvPr/>
+        </p:nvCxnSpPr>
+        <p:spPr>
+          <a:xfrm flipV="1">
+            <a:off x="11306042" y="1851280"/>
+            <a:ext cx="0" cy="917065"/>
+          </a:xfrm>
+          <a:prstGeom prst="straightConnector1">
+            <a:avLst/>
+          </a:prstGeom>
+          <a:ln w="28575">
+            <a:solidFill>
+              <a:schemeClr val="tx1"/>
+            </a:solidFill>
+            <a:tailEnd type="triangle" w="lg" len="lg"/>
+          </a:ln>
+        </p:spPr>
+        <p:style>
+          <a:lnRef idx="1">
+            <a:schemeClr val="accent1"/>
+          </a:lnRef>
+          <a:fillRef idx="0">
+            <a:schemeClr val="accent1"/>
+          </a:fillRef>
+          <a:effectRef idx="0">
+            <a:schemeClr val="accent1"/>
+          </a:effectRef>
+          <a:fontRef idx="minor">
+            <a:schemeClr val="tx1"/>
+          </a:fontRef>
+        </p:style>
+      </p:cxnSp>
+      <p:cxnSp>
+        <p:nvCxnSpPr>
+          <p:cNvPr id="34" name="Straight Connector 33">
+            <a:extLst>
+              <a:ext uri="{FF2B5EF4-FFF2-40B4-BE49-F238E27FC236}">
+                <a16:creationId xmlns:a16="http://schemas.microsoft.com/office/drawing/2014/main" id="{78ABE417-6253-CC44-86AB-7C148CA92C97}"/>
+              </a:ext>
+            </a:extLst>
+          </p:cNvPr>
+          <p:cNvCxnSpPr>
+            <a:cxnSpLocks/>
+          </p:cNvCxnSpPr>
+          <p:nvPr/>
+        </p:nvCxnSpPr>
+        <p:spPr>
+          <a:xfrm>
+            <a:off x="11306043" y="2768339"/>
+            <a:ext cx="4914752" cy="0"/>
+          </a:xfrm>
+          <a:prstGeom prst="line">
+            <a:avLst/>
+          </a:prstGeom>
+          <a:ln w="28575">
+            <a:solidFill>
+              <a:schemeClr val="tx1"/>
+            </a:solidFill>
+            <a:tailEnd type="none" w="lg" len="lg"/>
+          </a:ln>
+        </p:spPr>
+        <p:style>
+          <a:lnRef idx="1">
+            <a:schemeClr val="accent1"/>
+          </a:lnRef>
+          <a:fillRef idx="0">
+            <a:schemeClr val="accent1"/>
+          </a:fillRef>
+          <a:effectRef idx="0">
+            <a:schemeClr val="accent1"/>
+          </a:effectRef>
+          <a:fontRef idx="minor">
+            <a:schemeClr val="tx1"/>
+          </a:fontRef>
+        </p:style>
+      </p:cxnSp>
+      <p:cxnSp>
+        <p:nvCxnSpPr>
+          <p:cNvPr id="46" name="Straight Arrow Connector 45">
+            <a:extLst>
+              <a:ext uri="{FF2B5EF4-FFF2-40B4-BE49-F238E27FC236}">
+                <a16:creationId xmlns:a16="http://schemas.microsoft.com/office/drawing/2014/main" id="{6DE74F5F-388B-7049-92DA-F4678B9EB5D4}"/>
+              </a:ext>
+            </a:extLst>
+          </p:cNvPr>
+          <p:cNvCxnSpPr>
+            <a:cxnSpLocks/>
+          </p:cNvCxnSpPr>
+          <p:nvPr/>
+        </p:nvCxnSpPr>
+        <p:spPr>
+          <a:xfrm flipV="1">
+            <a:off x="10914058" y="1828646"/>
+            <a:ext cx="0" cy="909530"/>
+          </a:xfrm>
+          <a:prstGeom prst="straightConnector1">
+            <a:avLst/>
+          </a:prstGeom>
+          <a:ln w="28575">
+            <a:solidFill>
+              <a:schemeClr val="tx1"/>
+            </a:solidFill>
+            <a:tailEnd type="triangle" w="lg" len="lg"/>
+          </a:ln>
+        </p:spPr>
+        <p:style>
+          <a:lnRef idx="1">
+            <a:schemeClr val="accent1"/>
+          </a:lnRef>
+          <a:fillRef idx="0">
+            <a:schemeClr val="accent1"/>
+          </a:fillRef>
+          <a:effectRef idx="0">
+            <a:schemeClr val="accent1"/>
+          </a:effectRef>
+          <a:fontRef idx="minor">
+            <a:schemeClr val="tx1"/>
+          </a:fontRef>
+        </p:style>
+      </p:cxnSp>
+      <p:cxnSp>
+        <p:nvCxnSpPr>
+          <p:cNvPr id="52" name="Straight Connector 51">
+            <a:extLst>
+              <a:ext uri="{FF2B5EF4-FFF2-40B4-BE49-F238E27FC236}">
+                <a16:creationId xmlns:a16="http://schemas.microsoft.com/office/drawing/2014/main" id="{03FF4B60-B497-EB48-AC96-1F66008267B3}"/>
+              </a:ext>
+            </a:extLst>
+          </p:cNvPr>
+          <p:cNvCxnSpPr>
+            <a:cxnSpLocks/>
+          </p:cNvCxnSpPr>
+          <p:nvPr/>
+        </p:nvCxnSpPr>
+        <p:spPr>
+          <a:xfrm>
+            <a:off x="6118681" y="5707126"/>
+            <a:ext cx="1038636" cy="0"/>
+          </a:xfrm>
+          <a:prstGeom prst="line">
+            <a:avLst/>
+          </a:prstGeom>
+          <a:ln w="31750">
+            <a:solidFill>
+              <a:schemeClr val="tx1"/>
+            </a:solidFill>
+          </a:ln>
+        </p:spPr>
+        <p:style>
+          <a:lnRef idx="1">
+            <a:schemeClr val="accent1"/>
+          </a:lnRef>
+          <a:fillRef idx="0">
+            <a:schemeClr val="accent1"/>
+          </a:fillRef>
+          <a:effectRef idx="0">
+            <a:schemeClr val="accent1"/>
+          </a:effectRef>
+          <a:fontRef idx="minor">
+            <a:schemeClr val="tx1"/>
+          </a:fontRef>
+        </p:style>
+      </p:cxnSp>
+      <p:cxnSp>
+        <p:nvCxnSpPr>
+          <p:cNvPr id="27" name="Straight Connector 26">
+            <a:extLst>
+              <a:ext uri="{FF2B5EF4-FFF2-40B4-BE49-F238E27FC236}">
+                <a16:creationId xmlns:a16="http://schemas.microsoft.com/office/drawing/2014/main" id="{71B03B38-164E-40FA-8F28-ADA3719E22EF}"/>
+              </a:ext>
+            </a:extLst>
+          </p:cNvPr>
+          <p:cNvCxnSpPr>
+            <a:cxnSpLocks/>
+          </p:cNvCxnSpPr>
+          <p:nvPr/>
+        </p:nvCxnSpPr>
+        <p:spPr>
+          <a:xfrm>
+            <a:off x="6118680" y="5495412"/>
+            <a:ext cx="0" cy="211714"/>
+          </a:xfrm>
+          <a:prstGeom prst="line">
+            <a:avLst/>
+          </a:prstGeom>
+          <a:ln w="28575">
+            <a:solidFill>
+              <a:schemeClr val="tx1"/>
+            </a:solidFill>
+            <a:tailEnd type="none" w="lg" len="lg"/>
+          </a:ln>
+        </p:spPr>
+        <p:style>
+          <a:lnRef idx="1">
+            <a:schemeClr val="accent1"/>
+          </a:lnRef>
+          <a:fillRef idx="0">
+            <a:schemeClr val="accent1"/>
+          </a:fillRef>
+          <a:effectRef idx="0">
+            <a:schemeClr val="accent1"/>
+          </a:effectRef>
+          <a:fontRef idx="minor">
+            <a:schemeClr val="tx1"/>
+          </a:fontRef>
+        </p:style>
+      </p:cxnSp>
+      <p:cxnSp>
+        <p:nvCxnSpPr>
+          <p:cNvPr id="35" name="Straight Connector 34">
+            <a:extLst>
+              <a:ext uri="{FF2B5EF4-FFF2-40B4-BE49-F238E27FC236}">
+                <a16:creationId xmlns:a16="http://schemas.microsoft.com/office/drawing/2014/main" id="{F50CD5A3-61A4-4D92-BE13-A6089102CA74}"/>
+              </a:ext>
+            </a:extLst>
+          </p:cNvPr>
+          <p:cNvCxnSpPr>
+            <a:cxnSpLocks/>
+          </p:cNvCxnSpPr>
+          <p:nvPr/>
+        </p:nvCxnSpPr>
+        <p:spPr>
+          <a:xfrm>
+            <a:off x="7172593" y="2738176"/>
+            <a:ext cx="0" cy="2968950"/>
+          </a:xfrm>
+          <a:prstGeom prst="line">
+            <a:avLst/>
+          </a:prstGeom>
+          <a:ln w="28575">
+            <a:solidFill>
+              <a:schemeClr val="tx1"/>
+            </a:solidFill>
+            <a:tailEnd type="none" w="lg" len="lg"/>
+          </a:ln>
+        </p:spPr>
+        <p:style>
+          <a:lnRef idx="1">
+            <a:schemeClr val="accent1"/>
+          </a:lnRef>
+          <a:fillRef idx="0">
+            <a:schemeClr val="accent1"/>
+          </a:fillRef>
+          <a:effectRef idx="0">
+            <a:schemeClr val="accent1"/>
+          </a:effectRef>
+          <a:fontRef idx="minor">
+            <a:schemeClr val="tx1"/>
+          </a:fontRef>
+        </p:style>
+      </p:cxnSp>
+      <p:cxnSp>
+        <p:nvCxnSpPr>
+          <p:cNvPr id="36" name="Straight Connector 35">
+            <a:extLst>
+              <a:ext uri="{FF2B5EF4-FFF2-40B4-BE49-F238E27FC236}">
+                <a16:creationId xmlns:a16="http://schemas.microsoft.com/office/drawing/2014/main" id="{178AFCE3-6F36-45C2-8FE5-7C7B5FFA8ED0}"/>
+              </a:ext>
+            </a:extLst>
+          </p:cNvPr>
+          <p:cNvCxnSpPr>
+            <a:cxnSpLocks/>
+          </p:cNvCxnSpPr>
+          <p:nvPr/>
+        </p:nvCxnSpPr>
+        <p:spPr>
+          <a:xfrm>
+            <a:off x="7172600" y="2738176"/>
+            <a:ext cx="3741465" cy="0"/>
+          </a:xfrm>
+          <a:prstGeom prst="line">
+            <a:avLst/>
+          </a:prstGeom>
+          <a:ln w="31750">
+            <a:solidFill>
+              <a:schemeClr val="tx1"/>
+            </a:solidFill>
+          </a:ln>
+        </p:spPr>
+        <p:style>
+          <a:lnRef idx="1">
+            <a:schemeClr val="accent1"/>
+          </a:lnRef>
+          <a:fillRef idx="0">
+            <a:schemeClr val="accent1"/>
+          </a:fillRef>
+          <a:effectRef idx="0">
+            <a:schemeClr val="accent1"/>
+          </a:effectRef>
+          <a:fontRef idx="minor">
+            <a:schemeClr val="tx1"/>
+          </a:fontRef>
+        </p:style>
+      </p:cxnSp>
+      <p:graphicFrame>
+        <p:nvGraphicFramePr>
+          <p:cNvPr id="39" name="Table 2">
+            <a:extLst>
+              <a:ext uri="{FF2B5EF4-FFF2-40B4-BE49-F238E27FC236}">
+                <a16:creationId xmlns:a16="http://schemas.microsoft.com/office/drawing/2014/main" id="{B8E3659B-8C19-4D71-ADEC-C31447CCF31D}"/>
+              </a:ext>
+            </a:extLst>
+          </p:cNvPr>
+          <p:cNvGraphicFramePr>
+            <a:graphicFrameLocks noGrp="1"/>
+          </p:cNvGraphicFramePr>
+          <p:nvPr/>
+        </p:nvGraphicFramePr>
+        <p:xfrm>
+          <a:off x="4698977" y="4527426"/>
+          <a:ext cx="1989725" cy="933998"/>
+        </p:xfrm>
+        <a:graphic>
+          <a:graphicData uri="http://schemas.openxmlformats.org/drawingml/2006/table">
+            <a:tbl>
+              <a:tblPr firstRow="1" bandRow="1">
+                <a:tableStyleId>{5C22544A-7EE6-4342-B048-85BDC9FD1C3A}</a:tableStyleId>
+              </a:tblPr>
+              <a:tblGrid>
+                <a:gridCol w="1989725">
+                  <a:extLst>
+                    <a:ext uri="{9D8B030D-6E8A-4147-A177-3AD203B41FA5}">
+                      <a16:colId xmlns:a16="http://schemas.microsoft.com/office/drawing/2014/main" val="2443914745"/>
+                    </a:ext>
+                  </a:extLst>
+                </a:gridCol>
+              </a:tblGrid>
+              <a:tr h="466999">
+                <a:tc>
+                  <a:txBody>
+                    <a:bodyPr/>
+                    <a:lstStyle/>
+                    <a:p>
+                      <a:r>
+                        <a:rPr lang="en-US" sz="2400" dirty="0">
+                          <a:solidFill>
+                            <a:schemeClr val="bg1"/>
+                          </a:solidFill>
+                        </a:rPr>
+                        <a:t>CUSTOMER</a:t>
+                      </a:r>
+                      <a:endParaRPr lang="en-GB" sz="2400" dirty="0">
+                        <a:solidFill>
+                          <a:schemeClr val="bg1"/>
+                        </a:solidFill>
+                      </a:endParaRPr>
+                    </a:p>
+                  </a:txBody>
+                  <a:tcPr>
+                    <a:lnL w="12700" cap="flat" cmpd="sng" algn="ctr">
+                      <a:noFill/>
+                      <a:prstDash val="solid"/>
+                      <a:round/>
+                      <a:headEnd type="none" w="med" len="med"/>
+                      <a:tailEnd type="none" w="med" len="med"/>
+                    </a:lnL>
+                    <a:lnR w="12700" cap="flat" cmpd="sng" algn="ctr">
+                      <a:noFill/>
+                      <a:prstDash val="solid"/>
+                      <a:round/>
+                      <a:headEnd type="none" w="med" len="med"/>
+                      <a:tailEnd type="none" w="med" len="med"/>
+                    </a:lnR>
+                    <a:lnT w="12700" cap="flat" cmpd="sng" algn="ctr">
+                      <a:noFill/>
+                      <a:prstDash val="solid"/>
+                      <a:round/>
+                      <a:headEnd type="none" w="med" len="med"/>
+                      <a:tailEnd type="none" w="med" len="med"/>
+                    </a:lnT>
+                    <a:lnB w="12700" cap="flat" cmpd="sng" algn="ctr">
+                      <a:solidFill>
+                        <a:schemeClr val="tx1"/>
+                      </a:solidFill>
+                      <a:prstDash val="solid"/>
+                      <a:round/>
+                      <a:headEnd type="none" w="med" len="med"/>
+                      <a:tailEnd type="none" w="med" len="med"/>
+                    </a:lnB>
+                    <a:lnTlToBr w="12700" cmpd="sng">
+                      <a:noFill/>
+                      <a:prstDash val="solid"/>
+                    </a:lnTlToBr>
+                    <a:lnBlToTr w="12700" cmpd="sng">
+                      <a:noFill/>
+                      <a:prstDash val="solid"/>
+                    </a:lnBlToTr>
+                    <a:solidFill>
+                      <a:schemeClr val="tx1"/>
+                    </a:solidFill>
+                  </a:tcPr>
+                </a:tc>
+                <a:extLst>
+                  <a:ext uri="{0D108BD9-81ED-4DB2-BD59-A6C34878D82A}">
+                    <a16:rowId xmlns:a16="http://schemas.microsoft.com/office/drawing/2014/main" val="428703033"/>
+                  </a:ext>
+                </a:extLst>
+              </a:tr>
+              <a:tr h="466999">
+                <a:tc>
+                  <a:txBody>
+                    <a:bodyPr/>
+                    <a:lstStyle/>
+                    <a:p>
+                      <a:pPr algn="ctr"/>
+                      <a:r>
+                        <a:rPr lang="en-US" sz="2400" u="sng" dirty="0"/>
+                        <a:t>PID</a:t>
+                      </a:r>
+                      <a:endParaRPr lang="en-GB" sz="2400" u="sng" dirty="0"/>
+                    </a:p>
+                  </a:txBody>
+                  <a:tcPr>
+                    <a:lnL w="12700" cap="flat" cmpd="sng" algn="ctr">
+                      <a:solidFill>
+                        <a:schemeClr val="tx1"/>
+                      </a:solidFill>
+                      <a:prstDash val="solid"/>
+                      <a:round/>
+                      <a:headEnd type="none" w="med" len="med"/>
+                      <a:tailEnd type="none" w="med" len="med"/>
+                    </a:lnL>
+                    <a:lnR w="12700" cap="flat" cmpd="sng" algn="ctr">
+                      <a:solidFill>
+                        <a:schemeClr val="tx1"/>
+                      </a:solidFill>
+                      <a:prstDash val="solid"/>
+                      <a:round/>
+                      <a:headEnd type="none" w="med" len="med"/>
+                      <a:tailEnd type="none" w="med" len="med"/>
+                    </a:lnR>
+                    <a:lnT w="12700" cap="flat" cmpd="sng" algn="ctr">
+                      <a:solidFill>
+                        <a:schemeClr val="tx1"/>
+                      </a:solidFill>
+                      <a:prstDash val="solid"/>
+                      <a:round/>
+                      <a:headEnd type="none" w="med" len="med"/>
+                      <a:tailEnd type="none" w="med" len="med"/>
+                    </a:lnT>
+                    <a:lnB w="12700" cap="flat" cmpd="sng" algn="ctr">
+                      <a:solidFill>
+                        <a:schemeClr val="tx1"/>
+                      </a:solidFill>
+                      <a:prstDash val="solid"/>
+                      <a:round/>
+                      <a:headEnd type="none" w="med" len="med"/>
+                      <a:tailEnd type="none" w="med" len="med"/>
+                    </a:lnB>
+                    <a:solidFill>
+                      <a:srgbClr val="E7E6E6"/>
+                    </a:solidFill>
+                  </a:tcPr>
+                </a:tc>
+                <a:extLst>
+                  <a:ext uri="{0D108BD9-81ED-4DB2-BD59-A6C34878D82A}">
+                    <a16:rowId xmlns:a16="http://schemas.microsoft.com/office/drawing/2014/main" val="2454667886"/>
+                  </a:ext>
+                </a:extLst>
+              </a:tr>
+            </a:tbl>
+          </a:graphicData>
+        </a:graphic>
+      </p:graphicFrame>
+      <p:graphicFrame>
+        <p:nvGraphicFramePr>
+          <p:cNvPr id="42" name="Table 2">
+            <a:extLst>
+              <a:ext uri="{FF2B5EF4-FFF2-40B4-BE49-F238E27FC236}">
+                <a16:creationId xmlns:a16="http://schemas.microsoft.com/office/drawing/2014/main" id="{5D727BA3-7775-49AC-9342-259872A90414}"/>
+              </a:ext>
+            </a:extLst>
+          </p:cNvPr>
+          <p:cNvGraphicFramePr>
+            <a:graphicFrameLocks noGrp="1"/>
+          </p:cNvGraphicFramePr>
+          <p:nvPr/>
+        </p:nvGraphicFramePr>
+        <p:xfrm>
+          <a:off x="926877" y="8565637"/>
+          <a:ext cx="8290275" cy="1289959"/>
+        </p:xfrm>
+        <a:graphic>
+          <a:graphicData uri="http://schemas.openxmlformats.org/drawingml/2006/table">
+            <a:tbl>
+              <a:tblPr firstRow="1" bandRow="1">
+                <a:tableStyleId>{5C22544A-7EE6-4342-B048-85BDC9FD1C3A}</a:tableStyleId>
+              </a:tblPr>
+              <a:tblGrid>
+                <a:gridCol w="1450563">
+                  <a:extLst>
+                    <a:ext uri="{9D8B030D-6E8A-4147-A177-3AD203B41FA5}">
+                      <a16:colId xmlns:a16="http://schemas.microsoft.com/office/drawing/2014/main" val="2443914745"/>
+                    </a:ext>
+                  </a:extLst>
+                </a:gridCol>
+                <a:gridCol w="1938528">
+                  <a:extLst>
+                    <a:ext uri="{9D8B030D-6E8A-4147-A177-3AD203B41FA5}">
+                      <a16:colId xmlns:a16="http://schemas.microsoft.com/office/drawing/2014/main" val="560964845"/>
+                    </a:ext>
+                  </a:extLst>
+                </a:gridCol>
+                <a:gridCol w="694944">
+                  <a:extLst>
+                    <a:ext uri="{9D8B030D-6E8A-4147-A177-3AD203B41FA5}">
+                      <a16:colId xmlns:a16="http://schemas.microsoft.com/office/drawing/2014/main" val="45765120"/>
+                    </a:ext>
+                  </a:extLst>
+                </a:gridCol>
+                <a:gridCol w="1554480">
+                  <a:extLst>
+                    <a:ext uri="{9D8B030D-6E8A-4147-A177-3AD203B41FA5}">
+                      <a16:colId xmlns:a16="http://schemas.microsoft.com/office/drawing/2014/main" val="3374456557"/>
+                    </a:ext>
+                  </a:extLst>
+                </a:gridCol>
+                <a:gridCol w="1353312">
+                  <a:extLst>
+                    <a:ext uri="{9D8B030D-6E8A-4147-A177-3AD203B41FA5}">
+                      <a16:colId xmlns:a16="http://schemas.microsoft.com/office/drawing/2014/main" val="549966032"/>
+                    </a:ext>
+                  </a:extLst>
+                </a:gridCol>
+                <a:gridCol w="1298448">
+                  <a:extLst>
+                    <a:ext uri="{9D8B030D-6E8A-4147-A177-3AD203B41FA5}">
+                      <a16:colId xmlns:a16="http://schemas.microsoft.com/office/drawing/2014/main" val="808650139"/>
+                    </a:ext>
+                  </a:extLst>
+                </a:gridCol>
+              </a:tblGrid>
+              <a:tr h="466999">
+                <a:tc gridSpan="4">
+                  <a:txBody>
+                    <a:bodyPr/>
+                    <a:lstStyle/>
+                    <a:p>
+                      <a:r>
+                        <a:rPr lang="en-US" sz="2400" dirty="0">
+                          <a:solidFill>
+                            <a:schemeClr val="bg1"/>
+                          </a:solidFill>
+                        </a:rPr>
+                        <a:t>CREDIT</a:t>
+                      </a:r>
+                      <a:endParaRPr lang="en-GB" sz="2400" dirty="0">
+                        <a:solidFill>
+                          <a:schemeClr val="bg1"/>
+                        </a:solidFill>
+                      </a:endParaRPr>
+                    </a:p>
+                  </a:txBody>
+                  <a:tcPr>
+                    <a:lnL w="12700" cap="flat" cmpd="sng" algn="ctr">
+                      <a:noFill/>
+                      <a:prstDash val="solid"/>
+                      <a:round/>
+                      <a:headEnd type="none" w="med" len="med"/>
+                      <a:tailEnd type="none" w="med" len="med"/>
+                    </a:lnL>
+                    <a:lnR w="12700" cap="flat" cmpd="sng" algn="ctr">
+                      <a:noFill/>
+                      <a:prstDash val="solid"/>
+                      <a:round/>
+                      <a:headEnd type="none" w="med" len="med"/>
+                      <a:tailEnd type="none" w="med" len="med"/>
+                    </a:lnR>
+                    <a:lnT w="12700" cap="flat" cmpd="sng" algn="ctr">
+                      <a:noFill/>
+                      <a:prstDash val="solid"/>
+                      <a:round/>
+                      <a:headEnd type="none" w="med" len="med"/>
+                      <a:tailEnd type="none" w="med" len="med"/>
+                    </a:lnT>
+                    <a:lnB w="12700" cap="flat" cmpd="sng" algn="ctr">
+                      <a:solidFill>
+                        <a:schemeClr val="tx1"/>
+                      </a:solidFill>
+                      <a:prstDash val="solid"/>
+                      <a:round/>
+                      <a:headEnd type="none" w="med" len="med"/>
+                      <a:tailEnd type="none" w="med" len="med"/>
+                    </a:lnB>
+                    <a:lnTlToBr w="12700" cmpd="sng">
+                      <a:noFill/>
+                      <a:prstDash val="solid"/>
+                    </a:lnTlToBr>
+                    <a:lnBlToTr w="12700" cmpd="sng">
+                      <a:noFill/>
+                      <a:prstDash val="solid"/>
+                    </a:lnBlToTr>
+                    <a:solidFill>
+                      <a:schemeClr val="tx1"/>
+                    </a:solidFill>
+                  </a:tcPr>
+                </a:tc>
+                <a:tc hMerge="1">
+                  <a:txBody>
+                    <a:bodyPr/>
+                    <a:lstStyle/>
+                    <a:p>
+                      <a:endParaRPr lang="en-GB" sz="2400" dirty="0">
+                        <a:solidFill>
+                          <a:schemeClr val="tx1"/>
+                        </a:solidFill>
+                      </a:endParaRPr>
+                    </a:p>
+                  </a:txBody>
+                  <a:tcPr>
+                    <a:lnL w="12700" cap="flat" cmpd="sng" algn="ctr">
+                      <a:noFill/>
+                      <a:prstDash val="solid"/>
+                      <a:round/>
+                      <a:headEnd type="none" w="med" len="med"/>
+                      <a:tailEnd type="none" w="med" len="med"/>
+                    </a:lnL>
+                    <a:lnR w="12700" cap="flat" cmpd="sng" algn="ctr">
+                      <a:noFill/>
+                      <a:prstDash val="solid"/>
+                      <a:round/>
+                      <a:headEnd type="none" w="med" len="med"/>
+                      <a:tailEnd type="none" w="med" len="med"/>
+                    </a:lnR>
+                    <a:lnT w="12700" cap="flat" cmpd="sng" algn="ctr">
+                      <a:noFill/>
+                      <a:prstDash val="solid"/>
+                      <a:round/>
+                      <a:headEnd type="none" w="med" len="med"/>
+                      <a:tailEnd type="none" w="med" len="med"/>
+                    </a:lnT>
+                    <a:lnB w="12700" cap="flat" cmpd="sng" algn="ctr">
+                      <a:solidFill>
+                        <a:schemeClr val="tx1"/>
+                      </a:solidFill>
+                      <a:prstDash val="solid"/>
+                      <a:round/>
+                      <a:headEnd type="none" w="med" len="med"/>
+                      <a:tailEnd type="none" w="med" len="med"/>
+                    </a:lnB>
+                    <a:lnTlToBr w="12700" cmpd="sng">
+                      <a:noFill/>
+                      <a:prstDash val="solid"/>
+                    </a:lnTlToBr>
+                    <a:lnBlToTr w="12700" cmpd="sng">
+                      <a:noFill/>
+                      <a:prstDash val="solid"/>
+                    </a:lnBlToTr>
+                    <a:noFill/>
+                  </a:tcPr>
+                </a:tc>
+                <a:tc hMerge="1">
+                  <a:txBody>
+                    <a:bodyPr/>
+                    <a:lstStyle/>
+                    <a:p>
+                      <a:endParaRPr lang="en-GB" sz="2400" dirty="0">
+                        <a:solidFill>
+                          <a:schemeClr val="tx1"/>
+                        </a:solidFill>
+                      </a:endParaRPr>
+                    </a:p>
+                  </a:txBody>
+                  <a:tcPr>
+                    <a:lnL w="12700" cap="flat" cmpd="sng" algn="ctr">
+                      <a:noFill/>
+                      <a:prstDash val="solid"/>
+                      <a:round/>
+                      <a:headEnd type="none" w="med" len="med"/>
+                      <a:tailEnd type="none" w="med" len="med"/>
+                    </a:lnL>
+                    <a:lnR w="12700" cap="flat" cmpd="sng" algn="ctr">
+                      <a:noFill/>
+                      <a:prstDash val="solid"/>
+                      <a:round/>
+                      <a:headEnd type="none" w="med" len="med"/>
+                      <a:tailEnd type="none" w="med" len="med"/>
+                    </a:lnR>
+                    <a:lnT w="12700" cap="flat" cmpd="sng" algn="ctr">
+                      <a:noFill/>
+                      <a:prstDash val="solid"/>
+                      <a:round/>
+                      <a:headEnd type="none" w="med" len="med"/>
+                      <a:tailEnd type="none" w="med" len="med"/>
+                    </a:lnT>
+                    <a:lnB w="12700" cap="flat" cmpd="sng" algn="ctr">
+                      <a:solidFill>
+                        <a:schemeClr val="tx1"/>
+                      </a:solidFill>
+                      <a:prstDash val="solid"/>
+                      <a:round/>
+                      <a:headEnd type="none" w="med" len="med"/>
+                      <a:tailEnd type="none" w="med" len="med"/>
+                    </a:lnB>
+                    <a:lnTlToBr w="12700" cmpd="sng">
+                      <a:noFill/>
+                      <a:prstDash val="solid"/>
+                    </a:lnTlToBr>
+                    <a:lnBlToTr w="12700" cmpd="sng">
+                      <a:noFill/>
+                      <a:prstDash val="solid"/>
+                    </a:lnBlToTr>
+                    <a:noFill/>
+                  </a:tcPr>
+                </a:tc>
+                <a:tc hMerge="1">
+                  <a:txBody>
+                    <a:bodyPr/>
+                    <a:lstStyle/>
+                    <a:p>
+                      <a:endParaRPr lang="en-GB" sz="2400" dirty="0">
+                        <a:solidFill>
+                          <a:schemeClr val="tx1"/>
+                        </a:solidFill>
+                      </a:endParaRPr>
+                    </a:p>
+                  </a:txBody>
+                  <a:tcPr>
+                    <a:lnL w="12700" cap="flat" cmpd="sng" algn="ctr">
+                      <a:noFill/>
+                      <a:prstDash val="solid"/>
+                      <a:round/>
+                      <a:headEnd type="none" w="med" len="med"/>
+                      <a:tailEnd type="none" w="med" len="med"/>
+                    </a:lnL>
+                    <a:lnR w="12700" cap="flat" cmpd="sng" algn="ctr">
+                      <a:noFill/>
+                      <a:prstDash val="solid"/>
+                      <a:round/>
+                      <a:headEnd type="none" w="med" len="med"/>
+                      <a:tailEnd type="none" w="med" len="med"/>
+                    </a:lnR>
+                    <a:lnT w="12700" cap="flat" cmpd="sng" algn="ctr">
+                      <a:noFill/>
+                      <a:prstDash val="solid"/>
+                      <a:round/>
+                      <a:headEnd type="none" w="med" len="med"/>
+                      <a:tailEnd type="none" w="med" len="med"/>
+                    </a:lnT>
+                    <a:lnB w="12700" cap="flat" cmpd="sng" algn="ctr">
+                      <a:solidFill>
+                        <a:schemeClr val="tx1"/>
+                      </a:solidFill>
+                      <a:prstDash val="solid"/>
+                      <a:round/>
+                      <a:headEnd type="none" w="med" len="med"/>
+                      <a:tailEnd type="none" w="med" len="med"/>
+                    </a:lnB>
+                    <a:lnTlToBr w="12700" cmpd="sng">
+                      <a:noFill/>
+                      <a:prstDash val="solid"/>
+                    </a:lnTlToBr>
+                    <a:lnBlToTr w="12700" cmpd="sng">
+                      <a:noFill/>
+                      <a:prstDash val="solid"/>
+                    </a:lnBlToTr>
+                    <a:noFill/>
+                  </a:tcPr>
+                </a:tc>
+                <a:tc>
+                  <a:txBody>
+                    <a:bodyPr/>
+                    <a:lstStyle/>
+                    <a:p>
+                      <a:endParaRPr lang="en-GB" sz="2400" dirty="0">
+                        <a:solidFill>
+                          <a:schemeClr val="bg1"/>
+                        </a:solidFill>
+                      </a:endParaRPr>
+                    </a:p>
+                  </a:txBody>
+                  <a:tcPr>
+                    <a:lnL w="12700" cap="flat" cmpd="sng" algn="ctr">
+                      <a:noFill/>
+                      <a:prstDash val="solid"/>
+                      <a:round/>
+                      <a:headEnd type="none" w="med" len="med"/>
+                      <a:tailEnd type="none" w="med" len="med"/>
+                    </a:lnL>
+                    <a:lnR w="12700" cap="flat" cmpd="sng" algn="ctr">
+                      <a:noFill/>
+                      <a:prstDash val="solid"/>
+                      <a:round/>
+                      <a:headEnd type="none" w="med" len="med"/>
+                      <a:tailEnd type="none" w="med" len="med"/>
+                    </a:lnR>
+                    <a:lnT w="12700" cap="flat" cmpd="sng" algn="ctr">
+                      <a:noFill/>
+                      <a:prstDash val="solid"/>
+                      <a:round/>
+                      <a:headEnd type="none" w="med" len="med"/>
+                      <a:tailEnd type="none" w="med" len="med"/>
+                    </a:lnT>
+                    <a:lnB w="12700" cap="flat" cmpd="sng" algn="ctr">
+                      <a:solidFill>
+                        <a:schemeClr val="tx1"/>
+                      </a:solidFill>
+                      <a:prstDash val="solid"/>
+                      <a:round/>
+                      <a:headEnd type="none" w="med" len="med"/>
+                      <a:tailEnd type="none" w="med" len="med"/>
+                    </a:lnB>
+                    <a:lnTlToBr w="12700" cmpd="sng">
+                      <a:noFill/>
+                      <a:prstDash val="solid"/>
+                    </a:lnTlToBr>
+                    <a:lnBlToTr w="12700" cmpd="sng">
+                      <a:noFill/>
+                      <a:prstDash val="solid"/>
+                    </a:lnBlToTr>
+                    <a:solidFill>
+                      <a:schemeClr val="tx1"/>
+                    </a:solidFill>
+                  </a:tcPr>
+                </a:tc>
+                <a:tc>
+                  <a:txBody>
+                    <a:bodyPr/>
+                    <a:lstStyle/>
+                    <a:p>
+                      <a:endParaRPr lang="en-GB" sz="2400" dirty="0">
+                        <a:solidFill>
+                          <a:schemeClr val="bg1"/>
+                        </a:solidFill>
+                      </a:endParaRPr>
+                    </a:p>
+                  </a:txBody>
+                  <a:tcPr>
+                    <a:lnL w="12700" cap="flat" cmpd="sng" algn="ctr">
+                      <a:noFill/>
+                      <a:prstDash val="solid"/>
+                      <a:round/>
+                      <a:headEnd type="none" w="med" len="med"/>
+                      <a:tailEnd type="none" w="med" len="med"/>
+                    </a:lnL>
+                    <a:lnR w="12700" cap="flat" cmpd="sng" algn="ctr">
+                      <a:noFill/>
+                      <a:prstDash val="solid"/>
+                      <a:round/>
+                      <a:headEnd type="none" w="med" len="med"/>
+                      <a:tailEnd type="none" w="med" len="med"/>
+                    </a:lnR>
+                    <a:lnT w="12700" cap="flat" cmpd="sng" algn="ctr">
+                      <a:noFill/>
+                      <a:prstDash val="solid"/>
+                      <a:round/>
+                      <a:headEnd type="none" w="med" len="med"/>
+                      <a:tailEnd type="none" w="med" len="med"/>
+                    </a:lnT>
+                    <a:lnB w="12700" cap="flat" cmpd="sng" algn="ctr">
+                      <a:solidFill>
+                        <a:schemeClr val="tx1"/>
+                      </a:solidFill>
+                      <a:prstDash val="solid"/>
+                      <a:round/>
+                      <a:headEnd type="none" w="med" len="med"/>
+                      <a:tailEnd type="none" w="med" len="med"/>
+                    </a:lnB>
+                    <a:lnTlToBr w="12700" cmpd="sng">
+                      <a:noFill/>
+                      <a:prstDash val="solid"/>
+                    </a:lnTlToBr>
+                    <a:lnBlToTr w="12700" cmpd="sng">
+                      <a:noFill/>
+                      <a:prstDash val="solid"/>
+                    </a:lnBlToTr>
+                    <a:solidFill>
+                      <a:schemeClr val="tx1"/>
+                    </a:solidFill>
+                  </a:tcPr>
+                </a:tc>
+                <a:extLst>
+                  <a:ext uri="{0D108BD9-81ED-4DB2-BD59-A6C34878D82A}">
+                    <a16:rowId xmlns:a16="http://schemas.microsoft.com/office/drawing/2014/main" val="428703033"/>
+                  </a:ext>
+                </a:extLst>
+              </a:tr>
+              <a:tr h="466999">
+                <a:tc>
+                  <a:txBody>
+                    <a:bodyPr/>
+                    <a:lstStyle/>
+                    <a:p>
+                      <a:pPr algn="ctr"/>
+                      <a:r>
+                        <a:rPr lang="en-EG" sz="2400" u="sng" dirty="0">
+                          <a:solidFill>
+                            <a:schemeClr val="tx1"/>
+                          </a:solidFill>
+                        </a:rPr>
+                        <a:t>CustomerID</a:t>
+                      </a:r>
+                      <a:endParaRPr lang="en-GB" sz="2400" u="sng" dirty="0"/>
+                    </a:p>
+                  </a:txBody>
+                  <a:tcPr>
+                    <a:lnL w="12700" cap="flat" cmpd="sng" algn="ctr">
+                      <a:solidFill>
+                        <a:schemeClr val="tx1"/>
+                      </a:solidFill>
+                      <a:prstDash val="solid"/>
+                      <a:round/>
+                      <a:headEnd type="none" w="med" len="med"/>
+                      <a:tailEnd type="none" w="med" len="med"/>
+                    </a:lnL>
+                    <a:lnR w="12700" cap="flat" cmpd="sng" algn="ctr">
+                      <a:solidFill>
+                        <a:schemeClr val="tx1"/>
+                      </a:solidFill>
+                      <a:prstDash val="solid"/>
+                      <a:round/>
+                      <a:headEnd type="none" w="med" len="med"/>
+                      <a:tailEnd type="none" w="med" len="med"/>
+                    </a:lnR>
+                    <a:lnT w="12700" cap="flat" cmpd="sng" algn="ctr">
+                      <a:solidFill>
+                        <a:schemeClr val="tx1"/>
+                      </a:solidFill>
+                      <a:prstDash val="solid"/>
+                      <a:round/>
+                      <a:headEnd type="none" w="med" len="med"/>
+                      <a:tailEnd type="none" w="med" len="med"/>
+                    </a:lnT>
+                    <a:lnB w="12700" cap="flat" cmpd="sng" algn="ctr">
+                      <a:solidFill>
+                        <a:schemeClr val="tx1"/>
+                      </a:solidFill>
+                      <a:prstDash val="solid"/>
+                      <a:round/>
+                      <a:headEnd type="none" w="med" len="med"/>
+                      <a:tailEnd type="none" w="med" len="med"/>
+                    </a:lnB>
+                    <a:solidFill>
+                      <a:srgbClr val="E7E6E6"/>
+                    </a:solidFill>
+                  </a:tcPr>
+                </a:tc>
+                <a:tc>
+                  <a:txBody>
+                    <a:bodyPr/>
+                    <a:lstStyle/>
+                    <a:p>
+                      <a:pPr algn="ctr"/>
+                      <a:r>
+                        <a:rPr lang="en-US" sz="2400" dirty="0">
+                          <a:solidFill>
+                            <a:schemeClr val="tx1"/>
+                          </a:solidFill>
+                        </a:rPr>
+                        <a:t>C</a:t>
+                      </a:r>
+                      <a:r>
+                        <a:rPr lang="en-EG" sz="2400" dirty="0">
+                          <a:solidFill>
+                            <a:schemeClr val="tx1"/>
+                          </a:solidFill>
+                        </a:rPr>
+                        <a:t>ardNumber</a:t>
+                      </a:r>
+                      <a:endParaRPr lang="en-GB" sz="2400" dirty="0"/>
+                    </a:p>
+                  </a:txBody>
+                  <a:tcPr>
+                    <a:lnL w="12700" cap="flat" cmpd="sng" algn="ctr">
+                      <a:solidFill>
+                        <a:schemeClr val="tx1"/>
+                      </a:solidFill>
+                      <a:prstDash val="solid"/>
+                      <a:round/>
+                      <a:headEnd type="none" w="med" len="med"/>
+                      <a:tailEnd type="none" w="med" len="med"/>
+                    </a:lnL>
+                    <a:lnR w="12700" cap="flat" cmpd="sng" algn="ctr">
+                      <a:solidFill>
+                        <a:schemeClr val="tx1"/>
+                      </a:solidFill>
+                      <a:prstDash val="solid"/>
+                      <a:round/>
+                      <a:headEnd type="none" w="med" len="med"/>
+                      <a:tailEnd type="none" w="med" len="med"/>
+                    </a:lnR>
+                    <a:lnT w="12700" cap="flat" cmpd="sng" algn="ctr">
+                      <a:solidFill>
+                        <a:schemeClr val="tx1"/>
+                      </a:solidFill>
+                      <a:prstDash val="solid"/>
+                      <a:round/>
+                      <a:headEnd type="none" w="med" len="med"/>
+                      <a:tailEnd type="none" w="med" len="med"/>
+                    </a:lnT>
+                    <a:lnB w="12700" cap="flat" cmpd="sng" algn="ctr">
+                      <a:solidFill>
+                        <a:schemeClr val="tx1"/>
+                      </a:solidFill>
+                      <a:prstDash val="solid"/>
+                      <a:round/>
+                      <a:headEnd type="none" w="med" len="med"/>
+                      <a:tailEnd type="none" w="med" len="med"/>
+                    </a:lnB>
+                    <a:solidFill>
+                      <a:srgbClr val="E7E6E6"/>
+                    </a:solidFill>
+                  </a:tcPr>
+                </a:tc>
+                <a:tc>
+                  <a:txBody>
+                    <a:bodyPr/>
+                    <a:lstStyle/>
+                    <a:p>
+                      <a:pPr algn="ctr"/>
+                      <a:r>
+                        <a:rPr lang="en-EG" sz="2400" dirty="0">
+                          <a:solidFill>
+                            <a:schemeClr val="tx1"/>
+                          </a:solidFill>
+                        </a:rPr>
+                        <a:t>C</a:t>
+                      </a:r>
+                      <a:r>
+                        <a:rPr lang="en-US" sz="2400" dirty="0">
+                          <a:solidFill>
+                            <a:schemeClr val="tx1"/>
+                          </a:solidFill>
+                        </a:rPr>
+                        <a:t>VV</a:t>
+                      </a:r>
+                      <a:endParaRPr lang="en-GB" sz="2400" dirty="0"/>
+                    </a:p>
+                  </a:txBody>
+                  <a:tcPr>
+                    <a:lnL w="12700" cap="flat" cmpd="sng" algn="ctr">
+                      <a:solidFill>
+                        <a:schemeClr val="tx1"/>
+                      </a:solidFill>
+                      <a:prstDash val="solid"/>
+                      <a:round/>
+                      <a:headEnd type="none" w="med" len="med"/>
+                      <a:tailEnd type="none" w="med" len="med"/>
+                    </a:lnL>
+                    <a:lnR w="12700" cap="flat" cmpd="sng" algn="ctr">
+                      <a:solidFill>
+                        <a:schemeClr val="tx1"/>
+                      </a:solidFill>
+                      <a:prstDash val="solid"/>
+                      <a:round/>
+                      <a:headEnd type="none" w="med" len="med"/>
+                      <a:tailEnd type="none" w="med" len="med"/>
+                    </a:lnR>
+                    <a:lnT w="12700" cap="flat" cmpd="sng" algn="ctr">
+                      <a:solidFill>
+                        <a:schemeClr val="tx1"/>
+                      </a:solidFill>
+                      <a:prstDash val="solid"/>
+                      <a:round/>
+                      <a:headEnd type="none" w="med" len="med"/>
+                      <a:tailEnd type="none" w="med" len="med"/>
+                    </a:lnT>
+                    <a:lnB w="12700" cap="flat" cmpd="sng" algn="ctr">
+                      <a:solidFill>
+                        <a:schemeClr val="tx1"/>
+                      </a:solidFill>
+                      <a:prstDash val="solid"/>
+                      <a:round/>
+                      <a:headEnd type="none" w="med" len="med"/>
+                      <a:tailEnd type="none" w="med" len="med"/>
+                    </a:lnB>
+                    <a:solidFill>
+                      <a:srgbClr val="E7E6E6"/>
+                    </a:solidFill>
+                  </a:tcPr>
+                </a:tc>
+                <a:tc>
+                  <a:txBody>
+                    <a:bodyPr/>
+                    <a:lstStyle/>
+                    <a:p>
+                      <a:pPr algn="ctr"/>
+                      <a:r>
+                        <a:rPr lang="en-US" sz="2400" dirty="0">
+                          <a:solidFill>
+                            <a:schemeClr val="tx1"/>
+                          </a:solidFill>
+                        </a:rPr>
+                        <a:t>E</a:t>
+                      </a:r>
+                      <a:r>
+                        <a:rPr lang="en-EG" sz="2400" dirty="0">
+                          <a:solidFill>
+                            <a:schemeClr val="tx1"/>
+                          </a:solidFill>
+                        </a:rPr>
+                        <a:t>xpirationDate</a:t>
+                      </a:r>
+                      <a:endParaRPr lang="en-GB" sz="2400" dirty="0"/>
+                    </a:p>
+                  </a:txBody>
+                  <a:tcPr>
+                    <a:lnL w="12700" cap="flat" cmpd="sng" algn="ctr">
+                      <a:solidFill>
+                        <a:schemeClr val="tx1"/>
+                      </a:solidFill>
+                      <a:prstDash val="solid"/>
+                      <a:round/>
+                      <a:headEnd type="none" w="med" len="med"/>
+                      <a:tailEnd type="none" w="med" len="med"/>
+                    </a:lnL>
+                    <a:lnR w="12700" cap="flat" cmpd="sng" algn="ctr">
+                      <a:solidFill>
+                        <a:schemeClr val="tx1"/>
+                      </a:solidFill>
+                      <a:prstDash val="solid"/>
+                      <a:round/>
+                      <a:headEnd type="none" w="med" len="med"/>
+                      <a:tailEnd type="none" w="med" len="med"/>
+                    </a:lnR>
+                    <a:lnT w="12700" cap="flat" cmpd="sng" algn="ctr">
+                      <a:solidFill>
+                        <a:schemeClr val="tx1"/>
+                      </a:solidFill>
+                      <a:prstDash val="solid"/>
+                      <a:round/>
+                      <a:headEnd type="none" w="med" len="med"/>
+                      <a:tailEnd type="none" w="med" len="med"/>
+                    </a:lnT>
+                    <a:lnB w="12700" cap="flat" cmpd="sng" algn="ctr">
+                      <a:solidFill>
+                        <a:schemeClr val="tx1"/>
+                      </a:solidFill>
+                      <a:prstDash val="solid"/>
+                      <a:round/>
+                      <a:headEnd type="none" w="med" len="med"/>
+                      <a:tailEnd type="none" w="med" len="med"/>
+                    </a:lnB>
+                    <a:solidFill>
+                      <a:srgbClr val="E7E6E6"/>
+                    </a:solidFill>
+                  </a:tcPr>
+                </a:tc>
+                <a:tc>
+                  <a:txBody>
+                    <a:bodyPr/>
+                    <a:lstStyle/>
+                    <a:p>
+                      <a:pPr algn="ctr"/>
+                      <a:r>
+                        <a:rPr lang="en-US" sz="2400" u="sng" dirty="0"/>
+                        <a:t>BankID</a:t>
+                      </a:r>
+                      <a:endParaRPr lang="en-GB" sz="2400" dirty="0"/>
+                    </a:p>
+                  </a:txBody>
+                  <a:tcPr>
+                    <a:lnL w="12700" cap="flat" cmpd="sng" algn="ctr">
+                      <a:solidFill>
+                        <a:schemeClr val="tx1"/>
+                      </a:solidFill>
+                      <a:prstDash val="solid"/>
+                      <a:round/>
+                      <a:headEnd type="none" w="med" len="med"/>
+                      <a:tailEnd type="none" w="med" len="med"/>
+                    </a:lnL>
+                    <a:lnR w="12700" cap="flat" cmpd="sng" algn="ctr">
+                      <a:solidFill>
+                        <a:schemeClr val="tx1"/>
+                      </a:solidFill>
+                      <a:prstDash val="solid"/>
+                      <a:round/>
+                      <a:headEnd type="none" w="med" len="med"/>
+                      <a:tailEnd type="none" w="med" len="med"/>
+                    </a:lnR>
+                    <a:lnT w="12700" cap="flat" cmpd="sng" algn="ctr">
+                      <a:solidFill>
+                        <a:schemeClr val="tx1"/>
+                      </a:solidFill>
+                      <a:prstDash val="solid"/>
+                      <a:round/>
+                      <a:headEnd type="none" w="med" len="med"/>
+                      <a:tailEnd type="none" w="med" len="med"/>
+                    </a:lnT>
+                    <a:lnB w="12700" cap="flat" cmpd="sng" algn="ctr">
+                      <a:solidFill>
+                        <a:schemeClr val="tx1"/>
+                      </a:solidFill>
+                      <a:prstDash val="solid"/>
+                      <a:round/>
+                      <a:headEnd type="none" w="med" len="med"/>
+                      <a:tailEnd type="none" w="med" len="med"/>
+                    </a:lnB>
+                    <a:solidFill>
+                      <a:srgbClr val="E7E6E6"/>
+                    </a:solidFill>
+                  </a:tcPr>
+                </a:tc>
+                <a:tc>
+                  <a:txBody>
+                    <a:bodyPr/>
+                    <a:lstStyle/>
+                    <a:p>
+                      <a:pPr algn="ctr"/>
+                      <a:r>
+                        <a:rPr lang="en-GB" sz="2400" dirty="0"/>
+                        <a:t>Balance</a:t>
+                      </a:r>
+                    </a:p>
+                  </a:txBody>
+                  <a:tcPr>
+                    <a:lnL w="12700" cap="flat" cmpd="sng" algn="ctr">
+                      <a:solidFill>
+                        <a:schemeClr val="tx1"/>
+                      </a:solidFill>
+                      <a:prstDash val="solid"/>
+                      <a:round/>
+                      <a:headEnd type="none" w="med" len="med"/>
+                      <a:tailEnd type="none" w="med" len="med"/>
+                    </a:lnL>
+                    <a:lnR w="12700" cap="flat" cmpd="sng" algn="ctr">
+                      <a:solidFill>
+                        <a:schemeClr val="tx1"/>
+                      </a:solidFill>
+                      <a:prstDash val="solid"/>
+                      <a:round/>
+                      <a:headEnd type="none" w="med" len="med"/>
+                      <a:tailEnd type="none" w="med" len="med"/>
+                    </a:lnR>
+                    <a:lnT w="12700" cap="flat" cmpd="sng" algn="ctr">
+                      <a:solidFill>
+                        <a:schemeClr val="tx1"/>
+                      </a:solidFill>
+                      <a:prstDash val="solid"/>
+                      <a:round/>
+                      <a:headEnd type="none" w="med" len="med"/>
+                      <a:tailEnd type="none" w="med" len="med"/>
+                    </a:lnT>
+                    <a:lnB w="12700" cap="flat" cmpd="sng" algn="ctr">
+                      <a:solidFill>
+                        <a:schemeClr val="tx1"/>
+                      </a:solidFill>
+                      <a:prstDash val="solid"/>
+                      <a:round/>
+                      <a:headEnd type="none" w="med" len="med"/>
+                      <a:tailEnd type="none" w="med" len="med"/>
+                    </a:lnB>
+                    <a:solidFill>
+                      <a:srgbClr val="E7E6E6"/>
+                    </a:solidFill>
+                  </a:tcPr>
+                </a:tc>
+                <a:extLst>
+                  <a:ext uri="{0D108BD9-81ED-4DB2-BD59-A6C34878D82A}">
+                    <a16:rowId xmlns:a16="http://schemas.microsoft.com/office/drawing/2014/main" val="2454667886"/>
+                  </a:ext>
+                </a:extLst>
+              </a:tr>
+            </a:tbl>
+          </a:graphicData>
+        </a:graphic>
+      </p:graphicFrame>
+      <p:cxnSp>
+        <p:nvCxnSpPr>
+          <p:cNvPr id="43" name="Straight Connector 42">
+            <a:extLst>
+              <a:ext uri="{FF2B5EF4-FFF2-40B4-BE49-F238E27FC236}">
+                <a16:creationId xmlns:a16="http://schemas.microsoft.com/office/drawing/2014/main" id="{C22E8695-6227-4AEE-8D49-5D4747FABC94}"/>
+              </a:ext>
+            </a:extLst>
+          </p:cNvPr>
+          <p:cNvCxnSpPr>
+            <a:cxnSpLocks/>
+          </p:cNvCxnSpPr>
+          <p:nvPr/>
+        </p:nvCxnSpPr>
+        <p:spPr>
+          <a:xfrm>
+            <a:off x="2061937" y="9826218"/>
+            <a:ext cx="0" cy="352750"/>
+          </a:xfrm>
+          <a:prstGeom prst="line">
+            <a:avLst/>
+          </a:prstGeom>
+          <a:ln w="28575">
+            <a:solidFill>
+              <a:schemeClr val="tx1"/>
+            </a:solidFill>
+            <a:tailEnd type="none" w="lg" len="lg"/>
+          </a:ln>
+        </p:spPr>
+        <p:style>
+          <a:lnRef idx="1">
+            <a:schemeClr val="accent1"/>
+          </a:lnRef>
+          <a:fillRef idx="0">
+            <a:schemeClr val="accent1"/>
+          </a:fillRef>
+          <a:effectRef idx="0">
+            <a:schemeClr val="accent1"/>
+          </a:effectRef>
+          <a:fontRef idx="minor">
+            <a:schemeClr val="tx1"/>
+          </a:fontRef>
+        </p:style>
+      </p:cxnSp>
+      <p:cxnSp>
+        <p:nvCxnSpPr>
+          <p:cNvPr id="45" name="Straight Connector 44">
+            <a:extLst>
+              <a:ext uri="{FF2B5EF4-FFF2-40B4-BE49-F238E27FC236}">
+                <a16:creationId xmlns:a16="http://schemas.microsoft.com/office/drawing/2014/main" id="{5C503146-69E2-4261-92B1-DF241870D4A3}"/>
+              </a:ext>
+            </a:extLst>
+          </p:cNvPr>
+          <p:cNvCxnSpPr>
+            <a:cxnSpLocks/>
+          </p:cNvCxnSpPr>
+          <p:nvPr/>
+        </p:nvCxnSpPr>
+        <p:spPr>
+          <a:xfrm>
+            <a:off x="776516" y="10178968"/>
+            <a:ext cx="1285422" cy="0"/>
+          </a:xfrm>
+          <a:prstGeom prst="line">
+            <a:avLst/>
+          </a:prstGeom>
+          <a:ln w="31750">
+            <a:solidFill>
+              <a:schemeClr val="tx1"/>
+            </a:solidFill>
+          </a:ln>
+        </p:spPr>
+        <p:style>
+          <a:lnRef idx="1">
+            <a:schemeClr val="accent1"/>
+          </a:lnRef>
+          <a:fillRef idx="0">
+            <a:schemeClr val="accent1"/>
+          </a:fillRef>
+          <a:effectRef idx="0">
+            <a:schemeClr val="accent1"/>
+          </a:effectRef>
+          <a:fontRef idx="minor">
+            <a:schemeClr val="tx1"/>
+          </a:fontRef>
+        </p:style>
+      </p:cxnSp>
+      <p:cxnSp>
+        <p:nvCxnSpPr>
+          <p:cNvPr id="48" name="Straight Connector 47">
+            <a:extLst>
+              <a:ext uri="{FF2B5EF4-FFF2-40B4-BE49-F238E27FC236}">
+                <a16:creationId xmlns:a16="http://schemas.microsoft.com/office/drawing/2014/main" id="{4802CF78-D010-40B7-BFAA-A6F13489F4BA}"/>
+              </a:ext>
+            </a:extLst>
+          </p:cNvPr>
+          <p:cNvCxnSpPr>
+            <a:cxnSpLocks/>
+          </p:cNvCxnSpPr>
+          <p:nvPr/>
+        </p:nvCxnSpPr>
+        <p:spPr>
+          <a:xfrm>
+            <a:off x="770166" y="6322733"/>
+            <a:ext cx="0" cy="3856243"/>
+          </a:xfrm>
+          <a:prstGeom prst="line">
+            <a:avLst/>
+          </a:prstGeom>
+          <a:ln w="28575">
+            <a:solidFill>
+              <a:schemeClr val="tx1"/>
+            </a:solidFill>
+            <a:tailEnd type="none" w="lg" len="lg"/>
+          </a:ln>
+        </p:spPr>
+        <p:style>
+          <a:lnRef idx="1">
+            <a:schemeClr val="accent1"/>
+          </a:lnRef>
+          <a:fillRef idx="0">
+            <a:schemeClr val="accent1"/>
+          </a:fillRef>
+          <a:effectRef idx="0">
+            <a:schemeClr val="accent1"/>
+          </a:effectRef>
+          <a:fontRef idx="minor">
+            <a:schemeClr val="tx1"/>
+          </a:fontRef>
+        </p:style>
+      </p:cxnSp>
+      <p:cxnSp>
+        <p:nvCxnSpPr>
+          <p:cNvPr id="51" name="Straight Connector 50">
+            <a:extLst>
+              <a:ext uri="{FF2B5EF4-FFF2-40B4-BE49-F238E27FC236}">
+                <a16:creationId xmlns:a16="http://schemas.microsoft.com/office/drawing/2014/main" id="{86321B38-BEB0-4FC5-AA40-EEE29C229344}"/>
+              </a:ext>
+            </a:extLst>
+          </p:cNvPr>
+          <p:cNvCxnSpPr>
+            <a:cxnSpLocks/>
+          </p:cNvCxnSpPr>
+          <p:nvPr/>
+        </p:nvCxnSpPr>
+        <p:spPr>
+          <a:xfrm>
+            <a:off x="776524" y="6322726"/>
+            <a:ext cx="4630057" cy="0"/>
+          </a:xfrm>
+          <a:prstGeom prst="line">
+            <a:avLst/>
+          </a:prstGeom>
+          <a:ln w="31750">
+            <a:solidFill>
+              <a:schemeClr val="tx1"/>
+            </a:solidFill>
+          </a:ln>
+        </p:spPr>
+        <p:style>
+          <a:lnRef idx="1">
+            <a:schemeClr val="accent1"/>
+          </a:lnRef>
+          <a:fillRef idx="0">
+            <a:schemeClr val="accent1"/>
+          </a:fillRef>
+          <a:effectRef idx="0">
+            <a:schemeClr val="accent1"/>
+          </a:effectRef>
+          <a:fontRef idx="minor">
+            <a:schemeClr val="tx1"/>
+          </a:fontRef>
+        </p:style>
+      </p:cxnSp>
+      <p:graphicFrame>
+        <p:nvGraphicFramePr>
+          <p:cNvPr id="54" name="Table 2">
+            <a:extLst>
+              <a:ext uri="{FF2B5EF4-FFF2-40B4-BE49-F238E27FC236}">
+                <a16:creationId xmlns:a16="http://schemas.microsoft.com/office/drawing/2014/main" id="{89641A76-3567-4FDC-8EE5-A58E7E32C77D}"/>
+              </a:ext>
+            </a:extLst>
+          </p:cNvPr>
+          <p:cNvGraphicFramePr>
+            <a:graphicFrameLocks noGrp="1"/>
+          </p:cNvGraphicFramePr>
+          <p:nvPr/>
+        </p:nvGraphicFramePr>
+        <p:xfrm>
+          <a:off x="16814777" y="4774439"/>
+          <a:ext cx="1989725" cy="933998"/>
+        </p:xfrm>
+        <a:graphic>
+          <a:graphicData uri="http://schemas.openxmlformats.org/drawingml/2006/table">
+            <a:tbl>
+              <a:tblPr firstRow="1" bandRow="1">
+                <a:tableStyleId>{5C22544A-7EE6-4342-B048-85BDC9FD1C3A}</a:tableStyleId>
+              </a:tblPr>
+              <a:tblGrid>
+                <a:gridCol w="1989725">
+                  <a:extLst>
+                    <a:ext uri="{9D8B030D-6E8A-4147-A177-3AD203B41FA5}">
+                      <a16:colId xmlns:a16="http://schemas.microsoft.com/office/drawing/2014/main" val="2443914745"/>
+                    </a:ext>
+                  </a:extLst>
+                </a:gridCol>
+              </a:tblGrid>
+              <a:tr h="466999">
+                <a:tc>
+                  <a:txBody>
+                    <a:bodyPr/>
+                    <a:lstStyle/>
+                    <a:p>
+                      <a:r>
+                        <a:rPr lang="en-US" sz="2400" dirty="0">
+                          <a:solidFill>
+                            <a:schemeClr val="bg1"/>
+                          </a:solidFill>
+                        </a:rPr>
+                        <a:t>ADMIN</a:t>
+                      </a:r>
+                      <a:endParaRPr lang="en-GB" sz="2400" dirty="0">
+                        <a:solidFill>
+                          <a:schemeClr val="bg1"/>
+                        </a:solidFill>
+                      </a:endParaRPr>
+                    </a:p>
+                  </a:txBody>
+                  <a:tcPr>
+                    <a:lnL w="12700" cap="flat" cmpd="sng" algn="ctr">
+                      <a:noFill/>
+                      <a:prstDash val="solid"/>
+                      <a:round/>
+                      <a:headEnd type="none" w="med" len="med"/>
+                      <a:tailEnd type="none" w="med" len="med"/>
+                    </a:lnL>
+                    <a:lnR w="12700" cap="flat" cmpd="sng" algn="ctr">
+                      <a:noFill/>
+                      <a:prstDash val="solid"/>
+                      <a:round/>
+                      <a:headEnd type="none" w="med" len="med"/>
+                      <a:tailEnd type="none" w="med" len="med"/>
+                    </a:lnR>
+                    <a:lnT w="12700" cap="flat" cmpd="sng" algn="ctr">
+                      <a:noFill/>
+                      <a:prstDash val="solid"/>
+                      <a:round/>
+                      <a:headEnd type="none" w="med" len="med"/>
+                      <a:tailEnd type="none" w="med" len="med"/>
+                    </a:lnT>
+                    <a:lnB w="12700" cap="flat" cmpd="sng" algn="ctr">
+                      <a:solidFill>
+                        <a:schemeClr val="tx1"/>
+                      </a:solidFill>
+                      <a:prstDash val="solid"/>
+                      <a:round/>
+                      <a:headEnd type="none" w="med" len="med"/>
+                      <a:tailEnd type="none" w="med" len="med"/>
+                    </a:lnB>
+                    <a:lnTlToBr w="12700" cmpd="sng">
+                      <a:noFill/>
+                      <a:prstDash val="solid"/>
+                    </a:lnTlToBr>
+                    <a:lnBlToTr w="12700" cmpd="sng">
+                      <a:noFill/>
+                      <a:prstDash val="solid"/>
+                    </a:lnBlToTr>
+                    <a:solidFill>
+                      <a:schemeClr val="tx1"/>
+                    </a:solidFill>
+                  </a:tcPr>
+                </a:tc>
+                <a:extLst>
+                  <a:ext uri="{0D108BD9-81ED-4DB2-BD59-A6C34878D82A}">
+                    <a16:rowId xmlns:a16="http://schemas.microsoft.com/office/drawing/2014/main" val="428703033"/>
+                  </a:ext>
+                </a:extLst>
+              </a:tr>
+              <a:tr h="466999">
+                <a:tc>
+                  <a:txBody>
+                    <a:bodyPr/>
+                    <a:lstStyle/>
+                    <a:p>
+                      <a:pPr algn="ctr"/>
+                      <a:r>
+                        <a:rPr lang="en-US" sz="2400" u="sng" dirty="0"/>
+                        <a:t>PID</a:t>
+                      </a:r>
+                      <a:endParaRPr lang="en-GB" sz="2400" u="sng" dirty="0"/>
+                    </a:p>
+                  </a:txBody>
+                  <a:tcPr>
+                    <a:lnL w="12700" cap="flat" cmpd="sng" algn="ctr">
+                      <a:solidFill>
+                        <a:schemeClr val="tx1"/>
+                      </a:solidFill>
+                      <a:prstDash val="solid"/>
+                      <a:round/>
+                      <a:headEnd type="none" w="med" len="med"/>
+                      <a:tailEnd type="none" w="med" len="med"/>
+                    </a:lnL>
+                    <a:lnR w="12700" cap="flat" cmpd="sng" algn="ctr">
+                      <a:solidFill>
+                        <a:schemeClr val="tx1"/>
+                      </a:solidFill>
+                      <a:prstDash val="solid"/>
+                      <a:round/>
+                      <a:headEnd type="none" w="med" len="med"/>
+                      <a:tailEnd type="none" w="med" len="med"/>
+                    </a:lnR>
+                    <a:lnT w="12700" cap="flat" cmpd="sng" algn="ctr">
+                      <a:solidFill>
+                        <a:schemeClr val="tx1"/>
+                      </a:solidFill>
+                      <a:prstDash val="solid"/>
+                      <a:round/>
+                      <a:headEnd type="none" w="med" len="med"/>
+                      <a:tailEnd type="none" w="med" len="med"/>
+                    </a:lnT>
+                    <a:lnB w="12700" cap="flat" cmpd="sng" algn="ctr">
+                      <a:solidFill>
+                        <a:schemeClr val="tx1"/>
+                      </a:solidFill>
+                      <a:prstDash val="solid"/>
+                      <a:round/>
+                      <a:headEnd type="none" w="med" len="med"/>
+                      <a:tailEnd type="none" w="med" len="med"/>
+                    </a:lnB>
+                    <a:solidFill>
+                      <a:srgbClr val="E7E6E6"/>
+                    </a:solidFill>
+                  </a:tcPr>
+                </a:tc>
+                <a:extLst>
+                  <a:ext uri="{0D108BD9-81ED-4DB2-BD59-A6C34878D82A}">
+                    <a16:rowId xmlns:a16="http://schemas.microsoft.com/office/drawing/2014/main" val="2454667886"/>
+                  </a:ext>
+                </a:extLst>
+              </a:tr>
+            </a:tbl>
+          </a:graphicData>
+        </a:graphic>
+      </p:graphicFrame>
+      <p:cxnSp>
+        <p:nvCxnSpPr>
+          <p:cNvPr id="57" name="Straight Connector 56">
+            <a:extLst>
+              <a:ext uri="{FF2B5EF4-FFF2-40B4-BE49-F238E27FC236}">
+                <a16:creationId xmlns:a16="http://schemas.microsoft.com/office/drawing/2014/main" id="{60FB41A0-0164-4097-8467-4199CAEB0B66}"/>
+              </a:ext>
+            </a:extLst>
+          </p:cNvPr>
+          <p:cNvCxnSpPr>
+            <a:cxnSpLocks/>
+          </p:cNvCxnSpPr>
+          <p:nvPr/>
+        </p:nvCxnSpPr>
+        <p:spPr>
+          <a:xfrm>
+            <a:off x="16234230" y="2768346"/>
+            <a:ext cx="0" cy="3409723"/>
+          </a:xfrm>
+          <a:prstGeom prst="line">
+            <a:avLst/>
+          </a:prstGeom>
+          <a:ln w="28575">
+            <a:solidFill>
+              <a:schemeClr val="tx1"/>
+            </a:solidFill>
+            <a:tailEnd type="none" w="lg" len="lg"/>
+          </a:ln>
+        </p:spPr>
+        <p:style>
+          <a:lnRef idx="1">
+            <a:schemeClr val="accent1"/>
+          </a:lnRef>
+          <a:fillRef idx="0">
+            <a:schemeClr val="accent1"/>
+          </a:fillRef>
+          <a:effectRef idx="0">
+            <a:schemeClr val="accent1"/>
+          </a:effectRef>
+          <a:fontRef idx="minor">
+            <a:schemeClr val="tx1"/>
+          </a:fontRef>
+        </p:style>
+      </p:cxnSp>
+      <p:cxnSp>
+        <p:nvCxnSpPr>
+          <p:cNvPr id="59" name="Straight Connector 58">
+            <a:extLst>
+              <a:ext uri="{FF2B5EF4-FFF2-40B4-BE49-F238E27FC236}">
+                <a16:creationId xmlns:a16="http://schemas.microsoft.com/office/drawing/2014/main" id="{4E36A098-1EE1-42D2-A44F-0CA873134BC4}"/>
+              </a:ext>
+            </a:extLst>
+          </p:cNvPr>
+          <p:cNvCxnSpPr>
+            <a:cxnSpLocks/>
+          </p:cNvCxnSpPr>
+          <p:nvPr/>
+        </p:nvCxnSpPr>
+        <p:spPr>
+          <a:xfrm>
+            <a:off x="16220794" y="6178062"/>
+            <a:ext cx="1588838" cy="0"/>
+          </a:xfrm>
+          <a:prstGeom prst="line">
+            <a:avLst/>
+          </a:prstGeom>
+          <a:ln w="31750">
+            <a:solidFill>
+              <a:schemeClr val="tx1"/>
+            </a:solidFill>
+          </a:ln>
+        </p:spPr>
+        <p:style>
+          <a:lnRef idx="1">
+            <a:schemeClr val="accent1"/>
+          </a:lnRef>
+          <a:fillRef idx="0">
+            <a:schemeClr val="accent1"/>
+          </a:fillRef>
+          <a:effectRef idx="0">
+            <a:schemeClr val="accent1"/>
+          </a:effectRef>
+          <a:fontRef idx="minor">
+            <a:schemeClr val="tx1"/>
+          </a:fontRef>
+        </p:style>
+      </p:cxnSp>
+      <p:cxnSp>
+        <p:nvCxnSpPr>
+          <p:cNvPr id="63" name="Straight Connector 62">
+            <a:extLst>
+              <a:ext uri="{FF2B5EF4-FFF2-40B4-BE49-F238E27FC236}">
+                <a16:creationId xmlns:a16="http://schemas.microsoft.com/office/drawing/2014/main" id="{8F630D19-6FCC-4DD3-8B2B-11E3C82FFAF1}"/>
+              </a:ext>
+            </a:extLst>
+          </p:cNvPr>
+          <p:cNvCxnSpPr>
+            <a:cxnSpLocks/>
+            <a:stCxn id="54" idx="2"/>
+          </p:cNvCxnSpPr>
+          <p:nvPr/>
+        </p:nvCxnSpPr>
+        <p:spPr>
+          <a:xfrm>
+            <a:off x="17809632" y="5708437"/>
+            <a:ext cx="0" cy="469626"/>
+          </a:xfrm>
+          <a:prstGeom prst="line">
+            <a:avLst/>
+          </a:prstGeom>
+          <a:ln w="28575">
+            <a:solidFill>
+              <a:schemeClr val="tx1"/>
+            </a:solidFill>
+            <a:tailEnd type="none" w="lg" len="lg"/>
+          </a:ln>
+        </p:spPr>
+        <p:style>
+          <a:lnRef idx="1">
+            <a:schemeClr val="accent1"/>
+          </a:lnRef>
+          <a:fillRef idx="0">
+            <a:schemeClr val="accent1"/>
+          </a:fillRef>
+          <a:effectRef idx="0">
+            <a:schemeClr val="accent1"/>
+          </a:effectRef>
+          <a:fontRef idx="minor">
+            <a:schemeClr val="tx1"/>
+          </a:fontRef>
+        </p:style>
+      </p:cxnSp>
+      <p:graphicFrame>
+        <p:nvGraphicFramePr>
+          <p:cNvPr id="65" name="Table 2">
+            <a:extLst>
+              <a:ext uri="{FF2B5EF4-FFF2-40B4-BE49-F238E27FC236}">
+                <a16:creationId xmlns:a16="http://schemas.microsoft.com/office/drawing/2014/main" id="{03538BC1-312D-42F5-AE21-50F4EC32271E}"/>
+              </a:ext>
+            </a:extLst>
+          </p:cNvPr>
+          <p:cNvGraphicFramePr>
+            <a:graphicFrameLocks noGrp="1"/>
+          </p:cNvGraphicFramePr>
+          <p:nvPr/>
+        </p:nvGraphicFramePr>
+        <p:xfrm>
+          <a:off x="9125080" y="4461294"/>
+          <a:ext cx="5273505" cy="933998"/>
+        </p:xfrm>
+        <a:graphic>
+          <a:graphicData uri="http://schemas.openxmlformats.org/drawingml/2006/table">
+            <a:tbl>
+              <a:tblPr firstRow="1" bandRow="1">
+                <a:tableStyleId>{5C22544A-7EE6-4342-B048-85BDC9FD1C3A}</a:tableStyleId>
+              </a:tblPr>
+              <a:tblGrid>
+                <a:gridCol w="1097751">
+                  <a:extLst>
+                    <a:ext uri="{9D8B030D-6E8A-4147-A177-3AD203B41FA5}">
+                      <a16:colId xmlns:a16="http://schemas.microsoft.com/office/drawing/2014/main" val="2443914745"/>
+                    </a:ext>
+                  </a:extLst>
+                </a:gridCol>
+                <a:gridCol w="2993074">
+                  <a:extLst>
+                    <a:ext uri="{9D8B030D-6E8A-4147-A177-3AD203B41FA5}">
+                      <a16:colId xmlns:a16="http://schemas.microsoft.com/office/drawing/2014/main" val="560964845"/>
+                    </a:ext>
+                  </a:extLst>
+                </a:gridCol>
+                <a:gridCol w="1182680">
+                  <a:extLst>
+                    <a:ext uri="{9D8B030D-6E8A-4147-A177-3AD203B41FA5}">
+                      <a16:colId xmlns:a16="http://schemas.microsoft.com/office/drawing/2014/main" val="45765120"/>
+                    </a:ext>
+                  </a:extLst>
+                </a:gridCol>
+              </a:tblGrid>
+              <a:tr h="466999">
+                <a:tc gridSpan="3">
+                  <a:txBody>
+                    <a:bodyPr/>
+                    <a:lstStyle/>
+                    <a:p>
+                      <a:r>
+                        <a:rPr lang="en-US" sz="2400" dirty="0">
+                          <a:solidFill>
+                            <a:schemeClr val="bg1"/>
+                          </a:solidFill>
+                        </a:rPr>
+                        <a:t>TECHNICIAN</a:t>
+                      </a:r>
+                      <a:endParaRPr lang="en-GB" sz="2400" dirty="0">
+                        <a:solidFill>
+                          <a:schemeClr val="bg1"/>
+                        </a:solidFill>
+                      </a:endParaRPr>
+                    </a:p>
+                  </a:txBody>
+                  <a:tcPr>
+                    <a:lnL w="12700" cap="flat" cmpd="sng" algn="ctr">
+                      <a:noFill/>
+                      <a:prstDash val="solid"/>
+                      <a:round/>
+                      <a:headEnd type="none" w="med" len="med"/>
+                      <a:tailEnd type="none" w="med" len="med"/>
+                    </a:lnL>
+                    <a:lnR w="12700" cap="flat" cmpd="sng" algn="ctr">
+                      <a:noFill/>
+                      <a:prstDash val="solid"/>
+                      <a:round/>
+                      <a:headEnd type="none" w="med" len="med"/>
+                      <a:tailEnd type="none" w="med" len="med"/>
+                    </a:lnR>
+                    <a:lnT w="12700" cap="flat" cmpd="sng" algn="ctr">
+                      <a:noFill/>
+                      <a:prstDash val="solid"/>
+                      <a:round/>
+                      <a:headEnd type="none" w="med" len="med"/>
+                      <a:tailEnd type="none" w="med" len="med"/>
+                    </a:lnT>
+                    <a:lnB w="12700" cap="flat" cmpd="sng" algn="ctr">
+                      <a:solidFill>
+                        <a:schemeClr val="tx1"/>
+                      </a:solidFill>
+                      <a:prstDash val="solid"/>
+                      <a:round/>
+                      <a:headEnd type="none" w="med" len="med"/>
+                      <a:tailEnd type="none" w="med" len="med"/>
+                    </a:lnB>
+                    <a:lnTlToBr w="12700" cmpd="sng">
+                      <a:noFill/>
+                      <a:prstDash val="solid"/>
+                    </a:lnTlToBr>
+                    <a:lnBlToTr w="12700" cmpd="sng">
+                      <a:noFill/>
+                      <a:prstDash val="solid"/>
+                    </a:lnBlToTr>
+                    <a:solidFill>
+                      <a:schemeClr val="tx1"/>
+                    </a:solidFill>
+                  </a:tcPr>
+                </a:tc>
+                <a:tc hMerge="1">
+                  <a:txBody>
+                    <a:bodyPr/>
+                    <a:lstStyle/>
+                    <a:p>
+                      <a:endParaRPr lang="en-GB" sz="2400" dirty="0">
+                        <a:solidFill>
+                          <a:schemeClr val="tx1"/>
+                        </a:solidFill>
+                      </a:endParaRPr>
+                    </a:p>
+                  </a:txBody>
+                  <a:tcPr>
+                    <a:lnL w="12700" cap="flat" cmpd="sng" algn="ctr">
+                      <a:noFill/>
+                      <a:prstDash val="solid"/>
+                      <a:round/>
+                      <a:headEnd type="none" w="med" len="med"/>
+                      <a:tailEnd type="none" w="med" len="med"/>
+                    </a:lnL>
+                    <a:lnR w="12700" cap="flat" cmpd="sng" algn="ctr">
+                      <a:noFill/>
+                      <a:prstDash val="solid"/>
+                      <a:round/>
+                      <a:headEnd type="none" w="med" len="med"/>
+                      <a:tailEnd type="none" w="med" len="med"/>
+                    </a:lnR>
+                    <a:lnT w="12700" cap="flat" cmpd="sng" algn="ctr">
+                      <a:noFill/>
+                      <a:prstDash val="solid"/>
+                      <a:round/>
+                      <a:headEnd type="none" w="med" len="med"/>
+                      <a:tailEnd type="none" w="med" len="med"/>
+                    </a:lnT>
+                    <a:lnB w="12700" cap="flat" cmpd="sng" algn="ctr">
+                      <a:solidFill>
+                        <a:schemeClr val="tx1"/>
+                      </a:solidFill>
+                      <a:prstDash val="solid"/>
+                      <a:round/>
+                      <a:headEnd type="none" w="med" len="med"/>
+                      <a:tailEnd type="none" w="med" len="med"/>
+                    </a:lnB>
+                    <a:lnTlToBr w="12700" cmpd="sng">
+                      <a:noFill/>
+                      <a:prstDash val="solid"/>
+                    </a:lnTlToBr>
+                    <a:lnBlToTr w="12700" cmpd="sng">
+                      <a:noFill/>
+                      <a:prstDash val="solid"/>
+                    </a:lnBlToTr>
+                    <a:noFill/>
+                  </a:tcPr>
+                </a:tc>
+                <a:tc hMerge="1">
+                  <a:txBody>
+                    <a:bodyPr/>
+                    <a:lstStyle/>
+                    <a:p>
+                      <a:endParaRPr lang="en-GB" sz="2400" dirty="0">
+                        <a:solidFill>
+                          <a:schemeClr val="tx1"/>
+                        </a:solidFill>
+                      </a:endParaRPr>
+                    </a:p>
+                  </a:txBody>
+                  <a:tcPr>
+                    <a:lnL w="12700" cap="flat" cmpd="sng" algn="ctr">
+                      <a:noFill/>
+                      <a:prstDash val="solid"/>
+                      <a:round/>
+                      <a:headEnd type="none" w="med" len="med"/>
+                      <a:tailEnd type="none" w="med" len="med"/>
+                    </a:lnL>
+                    <a:lnR w="12700" cap="flat" cmpd="sng" algn="ctr">
+                      <a:noFill/>
+                      <a:prstDash val="solid"/>
+                      <a:round/>
+                      <a:headEnd type="none" w="med" len="med"/>
+                      <a:tailEnd type="none" w="med" len="med"/>
+                    </a:lnR>
+                    <a:lnT w="12700" cap="flat" cmpd="sng" algn="ctr">
+                      <a:noFill/>
+                      <a:prstDash val="solid"/>
+                      <a:round/>
+                      <a:headEnd type="none" w="med" len="med"/>
+                      <a:tailEnd type="none" w="med" len="med"/>
+                    </a:lnT>
+                    <a:lnB w="12700" cap="flat" cmpd="sng" algn="ctr">
+                      <a:solidFill>
+                        <a:schemeClr val="tx1"/>
+                      </a:solidFill>
+                      <a:prstDash val="solid"/>
+                      <a:round/>
+                      <a:headEnd type="none" w="med" len="med"/>
+                      <a:tailEnd type="none" w="med" len="med"/>
+                    </a:lnB>
+                    <a:lnTlToBr w="12700" cmpd="sng">
+                      <a:noFill/>
+                      <a:prstDash val="solid"/>
+                    </a:lnTlToBr>
+                    <a:lnBlToTr w="12700" cmpd="sng">
+                      <a:noFill/>
+                      <a:prstDash val="solid"/>
+                    </a:lnBlToTr>
+                    <a:noFill/>
+                  </a:tcPr>
+                </a:tc>
+                <a:extLst>
+                  <a:ext uri="{0D108BD9-81ED-4DB2-BD59-A6C34878D82A}">
+                    <a16:rowId xmlns:a16="http://schemas.microsoft.com/office/drawing/2014/main" val="428703033"/>
+                  </a:ext>
+                </a:extLst>
+              </a:tr>
+              <a:tr h="466999">
+                <a:tc>
+                  <a:txBody>
+                    <a:bodyPr/>
+                    <a:lstStyle/>
+                    <a:p>
+                      <a:pPr algn="ctr"/>
+                      <a:r>
+                        <a:rPr lang="en-EG" sz="2400" b="0" u="sng" dirty="0">
+                          <a:solidFill>
+                            <a:schemeClr val="tx1"/>
+                          </a:solidFill>
+                        </a:rPr>
+                        <a:t>PID</a:t>
+                      </a:r>
+                      <a:endParaRPr lang="en-GB" sz="2400" u="sng" dirty="0"/>
+                    </a:p>
+                  </a:txBody>
+                  <a:tcPr>
+                    <a:lnL w="12700" cap="flat" cmpd="sng" algn="ctr">
+                      <a:solidFill>
+                        <a:schemeClr val="tx1"/>
+                      </a:solidFill>
+                      <a:prstDash val="solid"/>
+                      <a:round/>
+                      <a:headEnd type="none" w="med" len="med"/>
+                      <a:tailEnd type="none" w="med" len="med"/>
+                    </a:lnL>
+                    <a:lnR w="12700" cap="flat" cmpd="sng" algn="ctr">
+                      <a:solidFill>
+                        <a:schemeClr val="tx1"/>
+                      </a:solidFill>
+                      <a:prstDash val="solid"/>
+                      <a:round/>
+                      <a:headEnd type="none" w="med" len="med"/>
+                      <a:tailEnd type="none" w="med" len="med"/>
+                    </a:lnR>
+                    <a:lnT w="12700" cap="flat" cmpd="sng" algn="ctr">
+                      <a:solidFill>
+                        <a:schemeClr val="tx1"/>
+                      </a:solidFill>
+                      <a:prstDash val="solid"/>
+                      <a:round/>
+                      <a:headEnd type="none" w="med" len="med"/>
+                      <a:tailEnd type="none" w="med" len="med"/>
+                    </a:lnT>
+                    <a:lnB w="12700" cap="flat" cmpd="sng" algn="ctr">
+                      <a:solidFill>
+                        <a:schemeClr val="tx1"/>
+                      </a:solidFill>
+                      <a:prstDash val="solid"/>
+                      <a:round/>
+                      <a:headEnd type="none" w="med" len="med"/>
+                      <a:tailEnd type="none" w="med" len="med"/>
+                    </a:lnB>
+                    <a:solidFill>
+                      <a:srgbClr val="E7E6E6"/>
+                    </a:solidFill>
+                  </a:tcPr>
+                </a:tc>
+                <a:tc>
+                  <a:txBody>
+                    <a:bodyPr/>
+                    <a:lstStyle/>
+                    <a:p>
+                      <a:pPr algn="ctr"/>
+                      <a:r>
+                        <a:rPr lang="en-US" sz="2400" b="0" dirty="0">
+                          <a:solidFill>
+                            <a:schemeClr val="tx1"/>
+                          </a:solidFill>
+                        </a:rPr>
+                        <a:t>OrdersMaxCapacity</a:t>
+                      </a:r>
+                      <a:endParaRPr lang="en-GB" sz="2400" dirty="0"/>
+                    </a:p>
+                  </a:txBody>
+                  <a:tcPr>
+                    <a:lnL w="12700" cap="flat" cmpd="sng" algn="ctr">
+                      <a:solidFill>
+                        <a:schemeClr val="tx1"/>
+                      </a:solidFill>
+                      <a:prstDash val="solid"/>
+                      <a:round/>
+                      <a:headEnd type="none" w="med" len="med"/>
+                      <a:tailEnd type="none" w="med" len="med"/>
+                    </a:lnL>
+                    <a:lnR w="12700" cap="flat" cmpd="sng" algn="ctr">
+                      <a:solidFill>
+                        <a:schemeClr val="tx1"/>
+                      </a:solidFill>
+                      <a:prstDash val="solid"/>
+                      <a:round/>
+                      <a:headEnd type="none" w="med" len="med"/>
+                      <a:tailEnd type="none" w="med" len="med"/>
+                    </a:lnR>
+                    <a:lnT w="12700" cap="flat" cmpd="sng" algn="ctr">
+                      <a:solidFill>
+                        <a:schemeClr val="tx1"/>
+                      </a:solidFill>
+                      <a:prstDash val="solid"/>
+                      <a:round/>
+                      <a:headEnd type="none" w="med" len="med"/>
+                      <a:tailEnd type="none" w="med" len="med"/>
+                    </a:lnT>
+                    <a:lnB w="12700" cap="flat" cmpd="sng" algn="ctr">
+                      <a:solidFill>
+                        <a:schemeClr val="tx1"/>
+                      </a:solidFill>
+                      <a:prstDash val="solid"/>
+                      <a:round/>
+                      <a:headEnd type="none" w="med" len="med"/>
+                      <a:tailEnd type="none" w="med" len="med"/>
+                    </a:lnB>
+                    <a:solidFill>
+                      <a:srgbClr val="E7E6E6"/>
+                    </a:solidFill>
+                  </a:tcPr>
+                </a:tc>
+                <a:tc>
+                  <a:txBody>
+                    <a:bodyPr/>
+                    <a:lstStyle/>
+                    <a:p>
+                      <a:pPr algn="ctr"/>
+                      <a:r>
+                        <a:rPr lang="en-US" sz="2400" b="0" dirty="0">
+                          <a:solidFill>
+                            <a:schemeClr val="tx1"/>
+                          </a:solidFill>
+                        </a:rPr>
+                        <a:t>S</a:t>
+                      </a:r>
+                      <a:r>
+                        <a:rPr lang="en-EG" sz="2400" b="0" dirty="0">
+                          <a:solidFill>
+                            <a:schemeClr val="tx1"/>
+                          </a:solidFill>
+                        </a:rPr>
+                        <a:t>alary</a:t>
+                      </a:r>
+                      <a:endParaRPr lang="en-GB" sz="2400" dirty="0"/>
+                    </a:p>
+                  </a:txBody>
+                  <a:tcPr>
+                    <a:lnL w="12700" cap="flat" cmpd="sng" algn="ctr">
+                      <a:solidFill>
+                        <a:schemeClr val="tx1"/>
+                      </a:solidFill>
+                      <a:prstDash val="solid"/>
+                      <a:round/>
+                      <a:headEnd type="none" w="med" len="med"/>
+                      <a:tailEnd type="none" w="med" len="med"/>
+                    </a:lnL>
+                    <a:lnR w="12700" cap="flat" cmpd="sng" algn="ctr">
+                      <a:solidFill>
+                        <a:schemeClr val="tx1"/>
+                      </a:solidFill>
+                      <a:prstDash val="solid"/>
+                      <a:round/>
+                      <a:headEnd type="none" w="med" len="med"/>
+                      <a:tailEnd type="none" w="med" len="med"/>
+                    </a:lnR>
+                    <a:lnT w="12700" cap="flat" cmpd="sng" algn="ctr">
+                      <a:solidFill>
+                        <a:schemeClr val="tx1"/>
+                      </a:solidFill>
+                      <a:prstDash val="solid"/>
+                      <a:round/>
+                      <a:headEnd type="none" w="med" len="med"/>
+                      <a:tailEnd type="none" w="med" len="med"/>
+                    </a:lnT>
+                    <a:lnB w="12700" cap="flat" cmpd="sng" algn="ctr">
+                      <a:solidFill>
+                        <a:schemeClr val="tx1"/>
+                      </a:solidFill>
+                      <a:prstDash val="solid"/>
+                      <a:round/>
+                      <a:headEnd type="none" w="med" len="med"/>
+                      <a:tailEnd type="none" w="med" len="med"/>
+                    </a:lnB>
+                    <a:solidFill>
+                      <a:srgbClr val="E7E6E6"/>
+                    </a:solidFill>
+                  </a:tcPr>
+                </a:tc>
+                <a:extLst>
+                  <a:ext uri="{0D108BD9-81ED-4DB2-BD59-A6C34878D82A}">
+                    <a16:rowId xmlns:a16="http://schemas.microsoft.com/office/drawing/2014/main" val="2454667886"/>
+                  </a:ext>
+                </a:extLst>
+              </a:tr>
+            </a:tbl>
+          </a:graphicData>
+        </a:graphic>
+      </p:graphicFrame>
+      <p:cxnSp>
+        <p:nvCxnSpPr>
+          <p:cNvPr id="66" name="Straight Connector 65">
+            <a:extLst>
+              <a:ext uri="{FF2B5EF4-FFF2-40B4-BE49-F238E27FC236}">
+                <a16:creationId xmlns:a16="http://schemas.microsoft.com/office/drawing/2014/main" id="{B4DF7E9D-8E62-47C8-B488-B49A7E38D87B}"/>
+              </a:ext>
+            </a:extLst>
+          </p:cNvPr>
+          <p:cNvCxnSpPr>
+            <a:cxnSpLocks/>
+          </p:cNvCxnSpPr>
+          <p:nvPr/>
+        </p:nvCxnSpPr>
+        <p:spPr>
+          <a:xfrm>
+            <a:off x="9579243" y="5395292"/>
+            <a:ext cx="0" cy="311834"/>
+          </a:xfrm>
+          <a:prstGeom prst="line">
+            <a:avLst/>
+          </a:prstGeom>
+          <a:ln w="28575">
+            <a:solidFill>
+              <a:schemeClr val="tx1"/>
+            </a:solidFill>
+            <a:tailEnd type="none" w="lg" len="lg"/>
+          </a:ln>
+        </p:spPr>
+        <p:style>
+          <a:lnRef idx="1">
+            <a:schemeClr val="accent1"/>
+          </a:lnRef>
+          <a:fillRef idx="0">
+            <a:schemeClr val="accent1"/>
+          </a:fillRef>
+          <a:effectRef idx="0">
+            <a:schemeClr val="accent1"/>
+          </a:effectRef>
+          <a:fontRef idx="minor">
+            <a:schemeClr val="tx1"/>
+          </a:fontRef>
+        </p:style>
+      </p:cxnSp>
+      <p:cxnSp>
+        <p:nvCxnSpPr>
+          <p:cNvPr id="68" name="Straight Connector 67">
+            <a:extLst>
+              <a:ext uri="{FF2B5EF4-FFF2-40B4-BE49-F238E27FC236}">
+                <a16:creationId xmlns:a16="http://schemas.microsoft.com/office/drawing/2014/main" id="{6923372B-63C7-44FD-8E45-974EC08E3656}"/>
+              </a:ext>
+            </a:extLst>
+          </p:cNvPr>
+          <p:cNvCxnSpPr>
+            <a:cxnSpLocks/>
+          </p:cNvCxnSpPr>
+          <p:nvPr/>
+        </p:nvCxnSpPr>
+        <p:spPr>
+          <a:xfrm>
+            <a:off x="8540607" y="5707126"/>
+            <a:ext cx="1038636" cy="0"/>
+          </a:xfrm>
+          <a:prstGeom prst="line">
+            <a:avLst/>
+          </a:prstGeom>
+          <a:ln w="31750">
+            <a:solidFill>
+              <a:schemeClr val="tx1"/>
+            </a:solidFill>
+          </a:ln>
+        </p:spPr>
+        <p:style>
+          <a:lnRef idx="1">
+            <a:schemeClr val="accent1"/>
+          </a:lnRef>
+          <a:fillRef idx="0">
+            <a:schemeClr val="accent1"/>
+          </a:fillRef>
+          <a:effectRef idx="0">
+            <a:schemeClr val="accent1"/>
+          </a:effectRef>
+          <a:fontRef idx="minor">
+            <a:schemeClr val="tx1"/>
+          </a:fontRef>
+        </p:style>
+      </p:cxnSp>
+      <p:cxnSp>
+        <p:nvCxnSpPr>
+          <p:cNvPr id="69" name="Straight Connector 68">
+            <a:extLst>
+              <a:ext uri="{FF2B5EF4-FFF2-40B4-BE49-F238E27FC236}">
+                <a16:creationId xmlns:a16="http://schemas.microsoft.com/office/drawing/2014/main" id="{D3E053C4-4A7D-4728-8A5E-93DAEC3625F1}"/>
+              </a:ext>
+            </a:extLst>
+          </p:cNvPr>
+          <p:cNvCxnSpPr>
+            <a:cxnSpLocks/>
+          </p:cNvCxnSpPr>
+          <p:nvPr/>
+        </p:nvCxnSpPr>
+        <p:spPr>
+          <a:xfrm>
+            <a:off x="8540606" y="2977669"/>
+            <a:ext cx="0" cy="2749695"/>
+          </a:xfrm>
+          <a:prstGeom prst="line">
+            <a:avLst/>
+          </a:prstGeom>
+          <a:ln w="28575">
+            <a:solidFill>
+              <a:schemeClr val="tx1"/>
+            </a:solidFill>
+            <a:tailEnd type="none" w="lg" len="lg"/>
+          </a:ln>
+        </p:spPr>
+        <p:style>
+          <a:lnRef idx="1">
+            <a:schemeClr val="accent1"/>
+          </a:lnRef>
+          <a:fillRef idx="0">
+            <a:schemeClr val="accent1"/>
+          </a:fillRef>
+          <a:effectRef idx="0">
+            <a:schemeClr val="accent1"/>
+          </a:effectRef>
+          <a:fontRef idx="minor">
+            <a:schemeClr val="tx1"/>
+          </a:fontRef>
+        </p:style>
+      </p:cxnSp>
+      <p:cxnSp>
+        <p:nvCxnSpPr>
+          <p:cNvPr id="71" name="Straight Connector 70">
+            <a:extLst>
+              <a:ext uri="{FF2B5EF4-FFF2-40B4-BE49-F238E27FC236}">
+                <a16:creationId xmlns:a16="http://schemas.microsoft.com/office/drawing/2014/main" id="{74B665E5-49EF-41C5-9E71-F049B934D69E}"/>
+              </a:ext>
+            </a:extLst>
+          </p:cNvPr>
+          <p:cNvCxnSpPr>
+            <a:cxnSpLocks/>
+          </p:cNvCxnSpPr>
+          <p:nvPr/>
+        </p:nvCxnSpPr>
+        <p:spPr>
+          <a:xfrm>
+            <a:off x="8540614" y="2977662"/>
+            <a:ext cx="2565999" cy="0"/>
+          </a:xfrm>
+          <a:prstGeom prst="line">
+            <a:avLst/>
+          </a:prstGeom>
+          <a:ln w="31750">
+            <a:solidFill>
+              <a:schemeClr val="tx1"/>
+            </a:solidFill>
+          </a:ln>
+        </p:spPr>
+        <p:style>
+          <a:lnRef idx="1">
+            <a:schemeClr val="accent1"/>
+          </a:lnRef>
+          <a:fillRef idx="0">
+            <a:schemeClr val="accent1"/>
+          </a:fillRef>
+          <a:effectRef idx="0">
+            <a:schemeClr val="accent1"/>
+          </a:effectRef>
+          <a:fontRef idx="minor">
+            <a:schemeClr val="tx1"/>
+          </a:fontRef>
+        </p:style>
+      </p:cxnSp>
+      <p:cxnSp>
+        <p:nvCxnSpPr>
+          <p:cNvPr id="73" name="Straight Arrow Connector 72">
+            <a:extLst>
+              <a:ext uri="{FF2B5EF4-FFF2-40B4-BE49-F238E27FC236}">
+                <a16:creationId xmlns:a16="http://schemas.microsoft.com/office/drawing/2014/main" id="{35799968-31C5-4198-BBFF-96F298223644}"/>
+              </a:ext>
+            </a:extLst>
+          </p:cNvPr>
+          <p:cNvCxnSpPr>
+            <a:cxnSpLocks/>
+          </p:cNvCxnSpPr>
+          <p:nvPr/>
+        </p:nvCxnSpPr>
+        <p:spPr>
+          <a:xfrm flipV="1">
+            <a:off x="11106605" y="1851274"/>
+            <a:ext cx="0" cy="1126390"/>
+          </a:xfrm>
+          <a:prstGeom prst="straightConnector1">
+            <a:avLst/>
+          </a:prstGeom>
+          <a:ln w="28575">
+            <a:solidFill>
+              <a:schemeClr val="tx1"/>
+            </a:solidFill>
+            <a:tailEnd type="triangle" w="lg" len="lg"/>
+          </a:ln>
+        </p:spPr>
+        <p:style>
+          <a:lnRef idx="1">
+            <a:schemeClr val="accent1"/>
+          </a:lnRef>
+          <a:fillRef idx="0">
+            <a:schemeClr val="accent1"/>
+          </a:fillRef>
+          <a:effectRef idx="0">
+            <a:schemeClr val="accent1"/>
+          </a:effectRef>
+          <a:fontRef idx="minor">
+            <a:schemeClr val="tx1"/>
+          </a:fontRef>
+        </p:style>
+      </p:cxnSp>
+      <p:graphicFrame>
+        <p:nvGraphicFramePr>
+          <p:cNvPr id="80" name="Table 2">
+            <a:extLst>
+              <a:ext uri="{FF2B5EF4-FFF2-40B4-BE49-F238E27FC236}">
+                <a16:creationId xmlns:a16="http://schemas.microsoft.com/office/drawing/2014/main" id="{BC4E7797-6C45-4A99-BEC2-1301C934CBAD}"/>
+              </a:ext>
+            </a:extLst>
+          </p:cNvPr>
+          <p:cNvGraphicFramePr>
+            <a:graphicFrameLocks noGrp="1"/>
+          </p:cNvGraphicFramePr>
+          <p:nvPr/>
+        </p:nvGraphicFramePr>
+        <p:xfrm>
+          <a:off x="10177950" y="8929844"/>
+          <a:ext cx="16491395" cy="925752"/>
+        </p:xfrm>
+        <a:graphic>
+          <a:graphicData uri="http://schemas.openxmlformats.org/drawingml/2006/table">
+            <a:tbl>
+              <a:tblPr firstRow="1" bandRow="1">
+                <a:tableStyleId>{5C22544A-7EE6-4342-B048-85BDC9FD1C3A}</a:tableStyleId>
+              </a:tblPr>
+              <a:tblGrid>
+                <a:gridCol w="1844298">
+                  <a:extLst>
+                    <a:ext uri="{9D8B030D-6E8A-4147-A177-3AD203B41FA5}">
+                      <a16:colId xmlns:a16="http://schemas.microsoft.com/office/drawing/2014/main" val="2443914745"/>
+                    </a:ext>
+                  </a:extLst>
+                </a:gridCol>
+                <a:gridCol w="2509387">
+                  <a:extLst>
+                    <a:ext uri="{9D8B030D-6E8A-4147-A177-3AD203B41FA5}">
+                      <a16:colId xmlns:a16="http://schemas.microsoft.com/office/drawing/2014/main" val="560964845"/>
+                    </a:ext>
+                  </a:extLst>
+                </a:gridCol>
+                <a:gridCol w="2352640">
+                  <a:extLst>
+                    <a:ext uri="{9D8B030D-6E8A-4147-A177-3AD203B41FA5}">
+                      <a16:colId xmlns:a16="http://schemas.microsoft.com/office/drawing/2014/main" val="45765120"/>
+                    </a:ext>
+                  </a:extLst>
+                </a:gridCol>
+                <a:gridCol w="2864084">
+                  <a:extLst>
+                    <a:ext uri="{9D8B030D-6E8A-4147-A177-3AD203B41FA5}">
+                      <a16:colId xmlns:a16="http://schemas.microsoft.com/office/drawing/2014/main" val="1702248981"/>
+                    </a:ext>
+                  </a:extLst>
+                </a:gridCol>
+                <a:gridCol w="2168180">
+                  <a:extLst>
+                    <a:ext uri="{9D8B030D-6E8A-4147-A177-3AD203B41FA5}">
+                      <a16:colId xmlns:a16="http://schemas.microsoft.com/office/drawing/2014/main" val="1456935625"/>
+                    </a:ext>
+                  </a:extLst>
+                </a:gridCol>
+                <a:gridCol w="1886882">
+                  <a:extLst>
+                    <a:ext uri="{9D8B030D-6E8A-4147-A177-3AD203B41FA5}">
+                      <a16:colId xmlns:a16="http://schemas.microsoft.com/office/drawing/2014/main" val="2891818584"/>
+                    </a:ext>
+                  </a:extLst>
+                </a:gridCol>
+                <a:gridCol w="1340664">
+                  <a:extLst>
+                    <a:ext uri="{9D8B030D-6E8A-4147-A177-3AD203B41FA5}">
+                      <a16:colId xmlns:a16="http://schemas.microsoft.com/office/drawing/2014/main" val="2003931038"/>
+                    </a:ext>
+                  </a:extLst>
+                </a:gridCol>
+                <a:gridCol w="1525260">
+                  <a:extLst>
+                    <a:ext uri="{9D8B030D-6E8A-4147-A177-3AD203B41FA5}">
+                      <a16:colId xmlns:a16="http://schemas.microsoft.com/office/drawing/2014/main" val="1909368767"/>
+                    </a:ext>
+                  </a:extLst>
+                </a:gridCol>
+              </a:tblGrid>
+              <a:tr h="0">
+                <a:tc gridSpan="8">
+                  <a:txBody>
+                    <a:bodyPr/>
+                    <a:lstStyle/>
+                    <a:p>
+                      <a:r>
+                        <a:rPr lang="en-US" sz="2400" dirty="0">
+                          <a:solidFill>
+                            <a:schemeClr val="bg1"/>
+                          </a:solidFill>
+                        </a:rPr>
+                        <a:t>ORDER</a:t>
+                      </a:r>
+                      <a:endParaRPr lang="en-GB" sz="2400" dirty="0">
+                        <a:solidFill>
+                          <a:schemeClr val="bg1"/>
+                        </a:solidFill>
+                      </a:endParaRPr>
+                    </a:p>
+                  </a:txBody>
+                  <a:tcPr>
+                    <a:lnL w="12700" cap="flat" cmpd="sng" algn="ctr">
+                      <a:noFill/>
+                      <a:prstDash val="solid"/>
+                      <a:round/>
+                      <a:headEnd type="none" w="med" len="med"/>
+                      <a:tailEnd type="none" w="med" len="med"/>
+                    </a:lnL>
+                    <a:lnR w="12700" cap="flat" cmpd="sng" algn="ctr">
+                      <a:noFill/>
+                      <a:prstDash val="solid"/>
+                      <a:round/>
+                      <a:headEnd type="none" w="med" len="med"/>
+                      <a:tailEnd type="none" w="med" len="med"/>
+                    </a:lnR>
+                    <a:lnT w="12700" cap="flat" cmpd="sng" algn="ctr">
+                      <a:noFill/>
+                      <a:prstDash val="solid"/>
+                      <a:round/>
+                      <a:headEnd type="none" w="med" len="med"/>
+                      <a:tailEnd type="none" w="med" len="med"/>
+                    </a:lnT>
+                    <a:lnB w="12700" cap="flat" cmpd="sng" algn="ctr">
+                      <a:solidFill>
+                        <a:schemeClr val="tx1"/>
+                      </a:solidFill>
+                      <a:prstDash val="solid"/>
+                      <a:round/>
+                      <a:headEnd type="none" w="med" len="med"/>
+                      <a:tailEnd type="none" w="med" len="med"/>
+                    </a:lnB>
+                    <a:lnTlToBr w="12700" cmpd="sng">
+                      <a:noFill/>
+                      <a:prstDash val="solid"/>
+                    </a:lnTlToBr>
+                    <a:lnBlToTr w="12700" cmpd="sng">
+                      <a:noFill/>
+                      <a:prstDash val="solid"/>
+                    </a:lnBlToTr>
+                    <a:solidFill>
+                      <a:schemeClr val="tx1"/>
+                    </a:solidFill>
+                  </a:tcPr>
+                </a:tc>
+                <a:tc hMerge="1">
+                  <a:txBody>
+                    <a:bodyPr/>
+                    <a:lstStyle/>
+                    <a:p>
+                      <a:endParaRPr lang="en-GB" sz="2400" dirty="0">
+                        <a:solidFill>
+                          <a:schemeClr val="tx1"/>
+                        </a:solidFill>
+                      </a:endParaRPr>
+                    </a:p>
+                  </a:txBody>
+                  <a:tcPr>
+                    <a:lnL w="12700" cap="flat" cmpd="sng" algn="ctr">
+                      <a:noFill/>
+                      <a:prstDash val="solid"/>
+                      <a:round/>
+                      <a:headEnd type="none" w="med" len="med"/>
+                      <a:tailEnd type="none" w="med" len="med"/>
+                    </a:lnL>
+                    <a:lnR w="12700" cap="flat" cmpd="sng" algn="ctr">
+                      <a:noFill/>
+                      <a:prstDash val="solid"/>
+                      <a:round/>
+                      <a:headEnd type="none" w="med" len="med"/>
+                      <a:tailEnd type="none" w="med" len="med"/>
+                    </a:lnR>
+                    <a:lnT w="12700" cap="flat" cmpd="sng" algn="ctr">
+                      <a:noFill/>
+                      <a:prstDash val="solid"/>
+                      <a:round/>
+                      <a:headEnd type="none" w="med" len="med"/>
+                      <a:tailEnd type="none" w="med" len="med"/>
+                    </a:lnT>
+                    <a:lnB w="12700" cap="flat" cmpd="sng" algn="ctr">
+                      <a:solidFill>
+                        <a:schemeClr val="tx1"/>
+                      </a:solidFill>
+                      <a:prstDash val="solid"/>
+                      <a:round/>
+                      <a:headEnd type="none" w="med" len="med"/>
+                      <a:tailEnd type="none" w="med" len="med"/>
+                    </a:lnB>
+                    <a:lnTlToBr w="12700" cmpd="sng">
+                      <a:noFill/>
+                      <a:prstDash val="solid"/>
+                    </a:lnTlToBr>
+                    <a:lnBlToTr w="12700" cmpd="sng">
+                      <a:noFill/>
+                      <a:prstDash val="solid"/>
+                    </a:lnBlToTr>
+                    <a:noFill/>
+                  </a:tcPr>
+                </a:tc>
+                <a:tc hMerge="1">
+                  <a:txBody>
+                    <a:bodyPr/>
+                    <a:lstStyle/>
+                    <a:p>
+                      <a:endParaRPr lang="en-GB" sz="2400" dirty="0">
+                        <a:solidFill>
+                          <a:schemeClr val="tx1"/>
+                        </a:solidFill>
+                      </a:endParaRPr>
+                    </a:p>
+                  </a:txBody>
+                  <a:tcPr>
+                    <a:lnL w="12700" cap="flat" cmpd="sng" algn="ctr">
+                      <a:noFill/>
+                      <a:prstDash val="solid"/>
+                      <a:round/>
+                      <a:headEnd type="none" w="med" len="med"/>
+                      <a:tailEnd type="none" w="med" len="med"/>
+                    </a:lnL>
+                    <a:lnR w="12700" cap="flat" cmpd="sng" algn="ctr">
+                      <a:noFill/>
+                      <a:prstDash val="solid"/>
+                      <a:round/>
+                      <a:headEnd type="none" w="med" len="med"/>
+                      <a:tailEnd type="none" w="med" len="med"/>
+                    </a:lnR>
+                    <a:lnT w="12700" cap="flat" cmpd="sng" algn="ctr">
+                      <a:noFill/>
+                      <a:prstDash val="solid"/>
+                      <a:round/>
+                      <a:headEnd type="none" w="med" len="med"/>
+                      <a:tailEnd type="none" w="med" len="med"/>
+                    </a:lnT>
+                    <a:lnB w="12700" cap="flat" cmpd="sng" algn="ctr">
+                      <a:solidFill>
+                        <a:schemeClr val="tx1"/>
+                      </a:solidFill>
+                      <a:prstDash val="solid"/>
+                      <a:round/>
+                      <a:headEnd type="none" w="med" len="med"/>
+                      <a:tailEnd type="none" w="med" len="med"/>
+                    </a:lnB>
+                    <a:lnTlToBr w="12700" cmpd="sng">
+                      <a:noFill/>
+                      <a:prstDash val="solid"/>
+                    </a:lnTlToBr>
+                    <a:lnBlToTr w="12700" cmpd="sng">
+                      <a:noFill/>
+                      <a:prstDash val="solid"/>
+                    </a:lnBlToTr>
+                    <a:noFill/>
+                  </a:tcPr>
+                </a:tc>
+                <a:tc hMerge="1">
+                  <a:txBody>
+                    <a:bodyPr/>
+                    <a:lstStyle/>
+                    <a:p>
+                      <a:endParaRPr lang="en-GB" sz="2400" dirty="0">
+                        <a:solidFill>
+                          <a:schemeClr val="bg1"/>
+                        </a:solidFill>
+                      </a:endParaRPr>
+                    </a:p>
+                  </a:txBody>
+                  <a:tcPr>
+                    <a:lnL w="12700" cap="flat" cmpd="sng" algn="ctr">
+                      <a:noFill/>
+                      <a:prstDash val="solid"/>
+                      <a:round/>
+                      <a:headEnd type="none" w="med" len="med"/>
+                      <a:tailEnd type="none" w="med" len="med"/>
+                    </a:lnL>
+                    <a:lnR w="12700" cap="flat" cmpd="sng" algn="ctr">
+                      <a:noFill/>
+                      <a:prstDash val="solid"/>
+                      <a:round/>
+                      <a:headEnd type="none" w="med" len="med"/>
+                      <a:tailEnd type="none" w="med" len="med"/>
+                    </a:lnR>
+                    <a:lnT w="12700" cap="flat" cmpd="sng" algn="ctr">
+                      <a:noFill/>
+                      <a:prstDash val="solid"/>
+                      <a:round/>
+                      <a:headEnd type="none" w="med" len="med"/>
+                      <a:tailEnd type="none" w="med" len="med"/>
+                    </a:lnT>
+                    <a:lnB w="12700" cap="flat" cmpd="sng" algn="ctr">
+                      <a:solidFill>
+                        <a:schemeClr val="tx1"/>
+                      </a:solidFill>
+                      <a:prstDash val="solid"/>
+                      <a:round/>
+                      <a:headEnd type="none" w="med" len="med"/>
+                      <a:tailEnd type="none" w="med" len="med"/>
+                    </a:lnB>
+                    <a:lnTlToBr w="12700" cmpd="sng">
+                      <a:noFill/>
+                      <a:prstDash val="solid"/>
+                    </a:lnTlToBr>
+                    <a:lnBlToTr w="12700" cmpd="sng">
+                      <a:noFill/>
+                      <a:prstDash val="solid"/>
+                    </a:lnBlToTr>
+                    <a:solidFill>
+                      <a:schemeClr val="tx1"/>
+                    </a:solidFill>
+                  </a:tcPr>
+                </a:tc>
+                <a:tc hMerge="1">
+                  <a:txBody>
+                    <a:bodyPr/>
+                    <a:lstStyle/>
+                    <a:p>
+                      <a:endParaRPr lang="en-GB" sz="2400" dirty="0">
+                        <a:solidFill>
+                          <a:schemeClr val="bg1"/>
+                        </a:solidFill>
+                      </a:endParaRPr>
+                    </a:p>
+                  </a:txBody>
+                  <a:tcPr>
+                    <a:lnL w="12700" cap="flat" cmpd="sng" algn="ctr">
+                      <a:noFill/>
+                      <a:prstDash val="solid"/>
+                      <a:round/>
+                      <a:headEnd type="none" w="med" len="med"/>
+                      <a:tailEnd type="none" w="med" len="med"/>
+                    </a:lnL>
+                    <a:lnR w="12700" cap="flat" cmpd="sng" algn="ctr">
+                      <a:noFill/>
+                      <a:prstDash val="solid"/>
+                      <a:round/>
+                      <a:headEnd type="none" w="med" len="med"/>
+                      <a:tailEnd type="none" w="med" len="med"/>
+                    </a:lnR>
+                    <a:lnT w="12700" cap="flat" cmpd="sng" algn="ctr">
+                      <a:noFill/>
+                      <a:prstDash val="solid"/>
+                      <a:round/>
+                      <a:headEnd type="none" w="med" len="med"/>
+                      <a:tailEnd type="none" w="med" len="med"/>
+                    </a:lnT>
+                    <a:lnB w="12700" cap="flat" cmpd="sng" algn="ctr">
+                      <a:solidFill>
+                        <a:schemeClr val="tx1"/>
+                      </a:solidFill>
+                      <a:prstDash val="solid"/>
+                      <a:round/>
+                      <a:headEnd type="none" w="med" len="med"/>
+                      <a:tailEnd type="none" w="med" len="med"/>
+                    </a:lnB>
+                    <a:lnTlToBr w="12700" cmpd="sng">
+                      <a:noFill/>
+                      <a:prstDash val="solid"/>
+                    </a:lnTlToBr>
+                    <a:lnBlToTr w="12700" cmpd="sng">
+                      <a:noFill/>
+                      <a:prstDash val="solid"/>
+                    </a:lnBlToTr>
+                    <a:solidFill>
+                      <a:schemeClr val="tx1"/>
+                    </a:solidFill>
+                  </a:tcPr>
+                </a:tc>
+                <a:tc hMerge="1">
+                  <a:txBody>
+                    <a:bodyPr/>
+                    <a:lstStyle/>
+                    <a:p>
+                      <a:endParaRPr lang="en-GB" sz="2400" dirty="0">
+                        <a:solidFill>
+                          <a:schemeClr val="bg1"/>
+                        </a:solidFill>
+                      </a:endParaRPr>
+                    </a:p>
+                  </a:txBody>
+                  <a:tcPr>
+                    <a:lnL w="12700" cap="flat" cmpd="sng" algn="ctr">
+                      <a:noFill/>
+                      <a:prstDash val="solid"/>
+                      <a:round/>
+                      <a:headEnd type="none" w="med" len="med"/>
+                      <a:tailEnd type="none" w="med" len="med"/>
+                    </a:lnL>
+                    <a:lnR w="12700" cap="flat" cmpd="sng" algn="ctr">
+                      <a:noFill/>
+                      <a:prstDash val="solid"/>
+                      <a:round/>
+                      <a:headEnd type="none" w="med" len="med"/>
+                      <a:tailEnd type="none" w="med" len="med"/>
+                    </a:lnR>
+                    <a:lnT w="12700" cap="flat" cmpd="sng" algn="ctr">
+                      <a:noFill/>
+                      <a:prstDash val="solid"/>
+                      <a:round/>
+                      <a:headEnd type="none" w="med" len="med"/>
+                      <a:tailEnd type="none" w="med" len="med"/>
+                    </a:lnT>
+                    <a:lnB w="12700" cap="flat" cmpd="sng" algn="ctr">
+                      <a:solidFill>
+                        <a:schemeClr val="tx1"/>
+                      </a:solidFill>
+                      <a:prstDash val="solid"/>
+                      <a:round/>
+                      <a:headEnd type="none" w="med" len="med"/>
+                      <a:tailEnd type="none" w="med" len="med"/>
+                    </a:lnB>
+                    <a:lnTlToBr w="12700" cmpd="sng">
+                      <a:noFill/>
+                      <a:prstDash val="solid"/>
+                    </a:lnTlToBr>
+                    <a:lnBlToTr w="12700" cmpd="sng">
+                      <a:noFill/>
+                      <a:prstDash val="solid"/>
+                    </a:lnBlToTr>
+                    <a:solidFill>
+                      <a:schemeClr val="tx1"/>
+                    </a:solidFill>
+                  </a:tcPr>
+                </a:tc>
+                <a:tc hMerge="1">
+                  <a:txBody>
+                    <a:bodyPr/>
+                    <a:lstStyle/>
+                    <a:p>
+                      <a:endParaRPr lang="en-GB" sz="2400" dirty="0">
+                        <a:solidFill>
+                          <a:schemeClr val="bg1"/>
+                        </a:solidFill>
+                      </a:endParaRPr>
+                    </a:p>
+                  </a:txBody>
+                  <a:tcPr>
+                    <a:lnL w="12700" cap="flat" cmpd="sng" algn="ctr">
+                      <a:noFill/>
+                      <a:prstDash val="solid"/>
+                      <a:round/>
+                      <a:headEnd type="none" w="med" len="med"/>
+                      <a:tailEnd type="none" w="med" len="med"/>
+                    </a:lnL>
+                    <a:lnR w="12700" cap="flat" cmpd="sng" algn="ctr">
+                      <a:noFill/>
+                      <a:prstDash val="solid"/>
+                      <a:round/>
+                      <a:headEnd type="none" w="med" len="med"/>
+                      <a:tailEnd type="none" w="med" len="med"/>
+                    </a:lnR>
+                    <a:lnT w="12700" cap="flat" cmpd="sng" algn="ctr">
+                      <a:noFill/>
+                      <a:prstDash val="solid"/>
+                      <a:round/>
+                      <a:headEnd type="none" w="med" len="med"/>
+                      <a:tailEnd type="none" w="med" len="med"/>
+                    </a:lnT>
+                    <a:lnB w="12700" cap="flat" cmpd="sng" algn="ctr">
+                      <a:solidFill>
+                        <a:schemeClr val="tx1"/>
+                      </a:solidFill>
+                      <a:prstDash val="solid"/>
+                      <a:round/>
+                      <a:headEnd type="none" w="med" len="med"/>
+                      <a:tailEnd type="none" w="med" len="med"/>
+                    </a:lnB>
+                    <a:lnTlToBr w="12700" cmpd="sng">
+                      <a:noFill/>
+                      <a:prstDash val="solid"/>
+                    </a:lnTlToBr>
+                    <a:lnBlToTr w="12700" cmpd="sng">
+                      <a:noFill/>
+                      <a:prstDash val="solid"/>
+                    </a:lnBlToTr>
+                    <a:solidFill>
+                      <a:schemeClr val="tx1"/>
+                    </a:solidFill>
+                  </a:tcPr>
+                </a:tc>
+                <a:tc hMerge="1">
+                  <a:txBody>
+                    <a:bodyPr/>
+                    <a:lstStyle/>
+                    <a:p>
+                      <a:endParaRPr lang="en-US"/>
+                    </a:p>
+                  </a:txBody>
+                  <a:tcPr/>
+                </a:tc>
+                <a:extLst>
+                  <a:ext uri="{0D108BD9-81ED-4DB2-BD59-A6C34878D82A}">
+                    <a16:rowId xmlns:a16="http://schemas.microsoft.com/office/drawing/2014/main" val="428703033"/>
+                  </a:ext>
+                </a:extLst>
+              </a:tr>
+              <a:tr h="468552">
+                <a:tc>
+                  <a:txBody>
+                    <a:bodyPr/>
+                    <a:lstStyle/>
+                    <a:p>
+                      <a:pPr algn="ctr"/>
+                      <a:r>
+                        <a:rPr lang="en-US" sz="2400" b="0" u="sng" dirty="0">
+                          <a:solidFill>
+                            <a:schemeClr val="tx1"/>
+                          </a:solidFill>
+                        </a:rPr>
+                        <a:t>OrderID</a:t>
+                      </a:r>
+                      <a:endParaRPr lang="en-GB" sz="2400" u="sng" dirty="0"/>
+                    </a:p>
+                  </a:txBody>
+                  <a:tcPr>
+                    <a:lnL w="12700" cap="flat" cmpd="sng" algn="ctr">
+                      <a:solidFill>
+                        <a:schemeClr val="tx1"/>
+                      </a:solidFill>
+                      <a:prstDash val="solid"/>
+                      <a:round/>
+                      <a:headEnd type="none" w="med" len="med"/>
+                      <a:tailEnd type="none" w="med" len="med"/>
+                    </a:lnL>
+                    <a:lnR w="12700" cap="flat" cmpd="sng" algn="ctr">
+                      <a:solidFill>
+                        <a:schemeClr val="tx1"/>
+                      </a:solidFill>
+                      <a:prstDash val="solid"/>
+                      <a:round/>
+                      <a:headEnd type="none" w="med" len="med"/>
+                      <a:tailEnd type="none" w="med" len="med"/>
+                    </a:lnR>
+                    <a:lnT w="12700" cap="flat" cmpd="sng" algn="ctr">
+                      <a:solidFill>
+                        <a:schemeClr val="tx1"/>
+                      </a:solidFill>
+                      <a:prstDash val="solid"/>
+                      <a:round/>
+                      <a:headEnd type="none" w="med" len="med"/>
+                      <a:tailEnd type="none" w="med" len="med"/>
+                    </a:lnT>
+                    <a:lnB w="12700" cap="flat" cmpd="sng" algn="ctr">
+                      <a:solidFill>
+                        <a:schemeClr val="tx1"/>
+                      </a:solidFill>
+                      <a:prstDash val="solid"/>
+                      <a:round/>
+                      <a:headEnd type="none" w="med" len="med"/>
+                      <a:tailEnd type="none" w="med" len="med"/>
+                    </a:lnB>
+                    <a:solidFill>
+                      <a:srgbClr val="E7E6E6"/>
+                    </a:solidFill>
+                  </a:tcPr>
+                </a:tc>
+                <a:tc>
+                  <a:txBody>
+                    <a:bodyPr/>
+                    <a:lstStyle/>
+                    <a:p>
+                      <a:pPr algn="ctr"/>
+                      <a:r>
+                        <a:rPr lang="en-US" sz="2400" b="0" dirty="0">
+                          <a:solidFill>
+                            <a:schemeClr val="tx1"/>
+                          </a:solidFill>
+                        </a:rPr>
+                        <a:t>CustomerID</a:t>
+                      </a:r>
+                      <a:endParaRPr lang="en-GB" sz="2400" dirty="0"/>
+                    </a:p>
+                  </a:txBody>
+                  <a:tcPr>
+                    <a:lnL w="12700" cap="flat" cmpd="sng" algn="ctr">
+                      <a:solidFill>
+                        <a:schemeClr val="tx1"/>
+                      </a:solidFill>
+                      <a:prstDash val="solid"/>
+                      <a:round/>
+                      <a:headEnd type="none" w="med" len="med"/>
+                      <a:tailEnd type="none" w="med" len="med"/>
+                    </a:lnL>
+                    <a:lnR w="12700" cap="flat" cmpd="sng" algn="ctr">
+                      <a:solidFill>
+                        <a:schemeClr val="tx1"/>
+                      </a:solidFill>
+                      <a:prstDash val="solid"/>
+                      <a:round/>
+                      <a:headEnd type="none" w="med" len="med"/>
+                      <a:tailEnd type="none" w="med" len="med"/>
+                    </a:lnR>
+                    <a:lnT w="12700" cap="flat" cmpd="sng" algn="ctr">
+                      <a:solidFill>
+                        <a:schemeClr val="tx1"/>
+                      </a:solidFill>
+                      <a:prstDash val="solid"/>
+                      <a:round/>
+                      <a:headEnd type="none" w="med" len="med"/>
+                      <a:tailEnd type="none" w="med" len="med"/>
+                    </a:lnT>
+                    <a:lnB w="12700" cap="flat" cmpd="sng" algn="ctr">
+                      <a:solidFill>
+                        <a:schemeClr val="tx1"/>
+                      </a:solidFill>
+                      <a:prstDash val="solid"/>
+                      <a:round/>
+                      <a:headEnd type="none" w="med" len="med"/>
+                      <a:tailEnd type="none" w="med" len="med"/>
+                    </a:lnB>
+                    <a:solidFill>
+                      <a:srgbClr val="E7E6E6"/>
+                    </a:solidFill>
+                  </a:tcPr>
+                </a:tc>
+                <a:tc>
+                  <a:txBody>
+                    <a:bodyPr/>
+                    <a:lstStyle/>
+                    <a:p>
+                      <a:pPr algn="ctr"/>
+                      <a:r>
+                        <a:rPr lang="en-GB" sz="2400" dirty="0"/>
+                        <a:t>TechnicianID</a:t>
+                      </a:r>
+                    </a:p>
+                  </a:txBody>
+                  <a:tcPr>
+                    <a:lnL w="12700" cap="flat" cmpd="sng" algn="ctr">
+                      <a:solidFill>
+                        <a:schemeClr val="tx1"/>
+                      </a:solidFill>
+                      <a:prstDash val="solid"/>
+                      <a:round/>
+                      <a:headEnd type="none" w="med" len="med"/>
+                      <a:tailEnd type="none" w="med" len="med"/>
+                    </a:lnL>
+                    <a:lnR w="12700" cap="flat" cmpd="sng" algn="ctr">
+                      <a:solidFill>
+                        <a:schemeClr val="tx1"/>
+                      </a:solidFill>
+                      <a:prstDash val="solid"/>
+                      <a:round/>
+                      <a:headEnd type="none" w="med" len="med"/>
+                      <a:tailEnd type="none" w="med" len="med"/>
+                    </a:lnR>
+                    <a:lnT w="12700" cap="flat" cmpd="sng" algn="ctr">
+                      <a:solidFill>
+                        <a:schemeClr val="tx1"/>
+                      </a:solidFill>
+                      <a:prstDash val="solid"/>
+                      <a:round/>
+                      <a:headEnd type="none" w="med" len="med"/>
+                      <a:tailEnd type="none" w="med" len="med"/>
+                    </a:lnT>
+                    <a:lnB w="12700" cap="flat" cmpd="sng" algn="ctr">
+                      <a:solidFill>
+                        <a:schemeClr val="tx1"/>
+                      </a:solidFill>
+                      <a:prstDash val="solid"/>
+                      <a:round/>
+                      <a:headEnd type="none" w="med" len="med"/>
+                      <a:tailEnd type="none" w="med" len="med"/>
+                    </a:lnB>
+                    <a:solidFill>
+                      <a:srgbClr val="E7E6E6"/>
+                    </a:solidFill>
+                  </a:tcPr>
+                </a:tc>
+                <a:tc>
+                  <a:txBody>
+                    <a:bodyPr/>
+                    <a:lstStyle/>
+                    <a:p>
+                      <a:pPr algn="ctr"/>
+                      <a:r>
+                        <a:rPr lang="en-GB" sz="2400" dirty="0"/>
+                        <a:t>ComputerPart</a:t>
+                      </a:r>
+                    </a:p>
+                  </a:txBody>
+                  <a:tcPr>
+                    <a:lnL w="12700" cap="flat" cmpd="sng" algn="ctr">
+                      <a:solidFill>
+                        <a:schemeClr val="tx1"/>
+                      </a:solidFill>
+                      <a:prstDash val="solid"/>
+                      <a:round/>
+                      <a:headEnd type="none" w="med" len="med"/>
+                      <a:tailEnd type="none" w="med" len="med"/>
+                    </a:lnL>
+                    <a:lnR w="12700" cap="flat" cmpd="sng" algn="ctr">
+                      <a:solidFill>
+                        <a:schemeClr val="tx1"/>
+                      </a:solidFill>
+                      <a:prstDash val="solid"/>
+                      <a:round/>
+                      <a:headEnd type="none" w="med" len="med"/>
+                      <a:tailEnd type="none" w="med" len="med"/>
+                    </a:lnR>
+                    <a:lnT w="12700" cap="flat" cmpd="sng" algn="ctr">
+                      <a:solidFill>
+                        <a:schemeClr val="tx1"/>
+                      </a:solidFill>
+                      <a:prstDash val="solid"/>
+                      <a:round/>
+                      <a:headEnd type="none" w="med" len="med"/>
+                      <a:tailEnd type="none" w="med" len="med"/>
+                    </a:lnT>
+                    <a:lnB w="12700" cap="flat" cmpd="sng" algn="ctr">
+                      <a:solidFill>
+                        <a:schemeClr val="tx1"/>
+                      </a:solidFill>
+                      <a:prstDash val="solid"/>
+                      <a:round/>
+                      <a:headEnd type="none" w="med" len="med"/>
+                      <a:tailEnd type="none" w="med" len="med"/>
+                    </a:lnB>
+                    <a:solidFill>
+                      <a:srgbClr val="E7E6E6"/>
+                    </a:solidFill>
+                  </a:tcPr>
+                </a:tc>
+                <a:tc>
+                  <a:txBody>
+                    <a:bodyPr/>
+                    <a:lstStyle/>
+                    <a:p>
+                      <a:pPr algn="ctr"/>
+                      <a:r>
+                        <a:rPr lang="en-GB" sz="2400" dirty="0"/>
+                        <a:t>CreationDate</a:t>
+                      </a:r>
+                    </a:p>
+                  </a:txBody>
+                  <a:tcPr>
+                    <a:lnL w="12700" cap="flat" cmpd="sng" algn="ctr">
+                      <a:solidFill>
+                        <a:schemeClr val="tx1"/>
+                      </a:solidFill>
+                      <a:prstDash val="solid"/>
+                      <a:round/>
+                      <a:headEnd type="none" w="med" len="med"/>
+                      <a:tailEnd type="none" w="med" len="med"/>
+                    </a:lnL>
+                    <a:lnR w="12700" cap="flat" cmpd="sng" algn="ctr">
+                      <a:solidFill>
+                        <a:schemeClr val="tx1"/>
+                      </a:solidFill>
+                      <a:prstDash val="solid"/>
+                      <a:round/>
+                      <a:headEnd type="none" w="med" len="med"/>
+                      <a:tailEnd type="none" w="med" len="med"/>
+                    </a:lnR>
+                    <a:lnT w="12700" cap="flat" cmpd="sng" algn="ctr">
+                      <a:solidFill>
+                        <a:schemeClr val="tx1"/>
+                      </a:solidFill>
+                      <a:prstDash val="solid"/>
+                      <a:round/>
+                      <a:headEnd type="none" w="med" len="med"/>
+                      <a:tailEnd type="none" w="med" len="med"/>
+                    </a:lnT>
+                    <a:lnB w="12700" cap="flat" cmpd="sng" algn="ctr">
+                      <a:solidFill>
+                        <a:schemeClr val="tx1"/>
+                      </a:solidFill>
+                      <a:prstDash val="solid"/>
+                      <a:round/>
+                      <a:headEnd type="none" w="med" len="med"/>
+                      <a:tailEnd type="none" w="med" len="med"/>
+                    </a:lnB>
+                    <a:solidFill>
+                      <a:srgbClr val="E7E6E6"/>
+                    </a:solidFill>
+                  </a:tcPr>
+                </a:tc>
+                <a:tc>
+                  <a:txBody>
+                    <a:bodyPr/>
+                    <a:lstStyle/>
+                    <a:p>
+                      <a:pPr algn="ctr"/>
+                      <a:r>
+                        <a:rPr lang="en-GB" sz="2400" dirty="0"/>
+                        <a:t>Comment</a:t>
+                      </a:r>
+                    </a:p>
+                  </a:txBody>
+                  <a:tcPr>
+                    <a:lnL w="12700" cap="flat" cmpd="sng" algn="ctr">
+                      <a:solidFill>
+                        <a:schemeClr val="tx1"/>
+                      </a:solidFill>
+                      <a:prstDash val="solid"/>
+                      <a:round/>
+                      <a:headEnd type="none" w="med" len="med"/>
+                      <a:tailEnd type="none" w="med" len="med"/>
+                    </a:lnL>
+                    <a:lnR w="12700" cap="flat" cmpd="sng" algn="ctr">
+                      <a:solidFill>
+                        <a:schemeClr val="tx1"/>
+                      </a:solidFill>
+                      <a:prstDash val="solid"/>
+                      <a:round/>
+                      <a:headEnd type="none" w="med" len="med"/>
+                      <a:tailEnd type="none" w="med" len="med"/>
+                    </a:lnR>
+                    <a:lnT w="12700" cap="flat" cmpd="sng" algn="ctr">
+                      <a:solidFill>
+                        <a:schemeClr val="tx1"/>
+                      </a:solidFill>
+                      <a:prstDash val="solid"/>
+                      <a:round/>
+                      <a:headEnd type="none" w="med" len="med"/>
+                      <a:tailEnd type="none" w="med" len="med"/>
+                    </a:lnT>
+                    <a:lnB w="12700" cap="flat" cmpd="sng" algn="ctr">
+                      <a:solidFill>
+                        <a:schemeClr val="tx1"/>
+                      </a:solidFill>
+                      <a:prstDash val="solid"/>
+                      <a:round/>
+                      <a:headEnd type="none" w="med" len="med"/>
+                      <a:tailEnd type="none" w="med" len="med"/>
+                    </a:lnB>
+                    <a:solidFill>
+                      <a:srgbClr val="E7E6E6"/>
+                    </a:solidFill>
+                  </a:tcPr>
+                </a:tc>
+                <a:tc>
+                  <a:txBody>
+                    <a:bodyPr/>
+                    <a:lstStyle/>
+                    <a:p>
+                      <a:pPr algn="ctr"/>
+                      <a:r>
+                        <a:rPr lang="en-GB" sz="2400" dirty="0"/>
+                        <a:t>Price</a:t>
+                      </a:r>
+                    </a:p>
+                  </a:txBody>
+                  <a:tcPr>
+                    <a:lnL w="12700" cap="flat" cmpd="sng" algn="ctr">
+                      <a:solidFill>
+                        <a:schemeClr val="tx1"/>
+                      </a:solidFill>
+                      <a:prstDash val="solid"/>
+                      <a:round/>
+                      <a:headEnd type="none" w="med" len="med"/>
+                      <a:tailEnd type="none" w="med" len="med"/>
+                    </a:lnL>
+                    <a:lnR w="12700" cap="flat" cmpd="sng" algn="ctr">
+                      <a:solidFill>
+                        <a:schemeClr val="tx1"/>
+                      </a:solidFill>
+                      <a:prstDash val="solid"/>
+                      <a:round/>
+                      <a:headEnd type="none" w="med" len="med"/>
+                      <a:tailEnd type="none" w="med" len="med"/>
+                    </a:lnR>
+                    <a:lnT w="12700" cap="flat" cmpd="sng" algn="ctr">
+                      <a:solidFill>
+                        <a:schemeClr val="tx1"/>
+                      </a:solidFill>
+                      <a:prstDash val="solid"/>
+                      <a:round/>
+                      <a:headEnd type="none" w="med" len="med"/>
+                      <a:tailEnd type="none" w="med" len="med"/>
+                    </a:lnT>
+                    <a:lnB w="12700" cap="flat" cmpd="sng" algn="ctr">
+                      <a:solidFill>
+                        <a:schemeClr val="tx1"/>
+                      </a:solidFill>
+                      <a:prstDash val="solid"/>
+                      <a:round/>
+                      <a:headEnd type="none" w="med" len="med"/>
+                      <a:tailEnd type="none" w="med" len="med"/>
+                    </a:lnB>
+                    <a:solidFill>
+                      <a:srgbClr val="E7E6E6"/>
+                    </a:solidFill>
+                  </a:tcPr>
+                </a:tc>
+                <a:tc>
+                  <a:txBody>
+                    <a:bodyPr/>
+                    <a:lstStyle/>
+                    <a:p>
+                      <a:pPr algn="ctr"/>
+                      <a:r>
+                        <a:rPr lang="en-GB" sz="2400" dirty="0"/>
+                        <a:t>Status</a:t>
+                      </a:r>
+                    </a:p>
+                  </a:txBody>
+                  <a:tcPr>
+                    <a:lnL w="12700" cap="flat" cmpd="sng" algn="ctr">
+                      <a:solidFill>
+                        <a:schemeClr val="tx1"/>
+                      </a:solidFill>
+                      <a:prstDash val="solid"/>
+                      <a:round/>
+                      <a:headEnd type="none" w="med" len="med"/>
+                      <a:tailEnd type="none" w="med" len="med"/>
+                    </a:lnL>
+                    <a:lnR w="12700" cap="flat" cmpd="sng" algn="ctr">
+                      <a:solidFill>
+                        <a:schemeClr val="tx1"/>
+                      </a:solidFill>
+                      <a:prstDash val="solid"/>
+                      <a:round/>
+                      <a:headEnd type="none" w="med" len="med"/>
+                      <a:tailEnd type="none" w="med" len="med"/>
+                    </a:lnR>
+                    <a:lnT w="12700" cap="flat" cmpd="sng" algn="ctr">
+                      <a:solidFill>
+                        <a:schemeClr val="tx1"/>
+                      </a:solidFill>
+                      <a:prstDash val="solid"/>
+                      <a:round/>
+                      <a:headEnd type="none" w="med" len="med"/>
+                      <a:tailEnd type="none" w="med" len="med"/>
+                    </a:lnT>
+                    <a:lnB w="12700" cap="flat" cmpd="sng" algn="ctr">
+                      <a:solidFill>
+                        <a:schemeClr val="tx1"/>
+                      </a:solidFill>
+                      <a:prstDash val="solid"/>
+                      <a:round/>
+                      <a:headEnd type="none" w="med" len="med"/>
+                      <a:tailEnd type="none" w="med" len="med"/>
+                    </a:lnB>
+                    <a:solidFill>
+                      <a:srgbClr val="E7E6E6"/>
+                    </a:solidFill>
+                  </a:tcPr>
+                </a:tc>
+                <a:extLst>
+                  <a:ext uri="{0D108BD9-81ED-4DB2-BD59-A6C34878D82A}">
+                    <a16:rowId xmlns:a16="http://schemas.microsoft.com/office/drawing/2014/main" val="2454667886"/>
+                  </a:ext>
+                </a:extLst>
+              </a:tr>
+            </a:tbl>
+          </a:graphicData>
+        </a:graphic>
+      </p:graphicFrame>
+      <p:cxnSp>
+        <p:nvCxnSpPr>
+          <p:cNvPr id="38" name="Straight Connector 37">
+            <a:extLst>
+              <a:ext uri="{FF2B5EF4-FFF2-40B4-BE49-F238E27FC236}">
+                <a16:creationId xmlns:a16="http://schemas.microsoft.com/office/drawing/2014/main" id="{D3E053C4-4A7D-4728-8A5E-93DAEC3625F1}"/>
+              </a:ext>
+            </a:extLst>
+          </p:cNvPr>
+          <p:cNvCxnSpPr>
+            <a:cxnSpLocks/>
+          </p:cNvCxnSpPr>
+          <p:nvPr/>
+        </p:nvCxnSpPr>
+        <p:spPr>
+          <a:xfrm>
+            <a:off x="9810731" y="6322727"/>
+            <a:ext cx="0" cy="3868940"/>
+          </a:xfrm>
+          <a:prstGeom prst="line">
+            <a:avLst/>
+          </a:prstGeom>
+          <a:ln w="28575">
+            <a:solidFill>
+              <a:schemeClr val="tx1"/>
+            </a:solidFill>
+            <a:tailEnd type="none" w="lg" len="lg"/>
+          </a:ln>
+        </p:spPr>
+        <p:style>
+          <a:lnRef idx="1">
+            <a:schemeClr val="accent1"/>
+          </a:lnRef>
+          <a:fillRef idx="0">
+            <a:schemeClr val="accent1"/>
+          </a:fillRef>
+          <a:effectRef idx="0">
+            <a:schemeClr val="accent1"/>
+          </a:effectRef>
+          <a:fontRef idx="minor">
+            <a:schemeClr val="tx1"/>
+          </a:fontRef>
+        </p:style>
+      </p:cxnSp>
+      <p:cxnSp>
+        <p:nvCxnSpPr>
+          <p:cNvPr id="44" name="Straight Connector 43">
+            <a:extLst>
+              <a:ext uri="{FF2B5EF4-FFF2-40B4-BE49-F238E27FC236}">
+                <a16:creationId xmlns:a16="http://schemas.microsoft.com/office/drawing/2014/main" id="{4E36A098-1EE1-42D2-A44F-0CA873134BC4}"/>
+              </a:ext>
+            </a:extLst>
+          </p:cNvPr>
+          <p:cNvCxnSpPr>
+            <a:cxnSpLocks/>
+          </p:cNvCxnSpPr>
+          <p:nvPr/>
+        </p:nvCxnSpPr>
+        <p:spPr>
+          <a:xfrm>
+            <a:off x="5988350" y="6322726"/>
+            <a:ext cx="3822382" cy="0"/>
+          </a:xfrm>
+          <a:prstGeom prst="line">
+            <a:avLst/>
+          </a:prstGeom>
+          <a:ln w="31750">
+            <a:solidFill>
+              <a:schemeClr val="tx1"/>
+            </a:solidFill>
+          </a:ln>
+        </p:spPr>
+        <p:style>
+          <a:lnRef idx="1">
+            <a:schemeClr val="accent1"/>
+          </a:lnRef>
+          <a:fillRef idx="0">
+            <a:schemeClr val="accent1"/>
+          </a:fillRef>
+          <a:effectRef idx="0">
+            <a:schemeClr val="accent1"/>
+          </a:effectRef>
+          <a:fontRef idx="minor">
+            <a:schemeClr val="tx1"/>
+          </a:fontRef>
+        </p:style>
+      </p:cxnSp>
+      <p:cxnSp>
+        <p:nvCxnSpPr>
+          <p:cNvPr id="47" name="Straight Arrow Connector 46">
+            <a:extLst>
+              <a:ext uri="{FF2B5EF4-FFF2-40B4-BE49-F238E27FC236}">
+                <a16:creationId xmlns:a16="http://schemas.microsoft.com/office/drawing/2014/main" id="{EDA0DC3A-1E24-9249-A478-325DA84C67F8}"/>
+              </a:ext>
+            </a:extLst>
+          </p:cNvPr>
+          <p:cNvCxnSpPr>
+            <a:cxnSpLocks/>
+          </p:cNvCxnSpPr>
+          <p:nvPr/>
+        </p:nvCxnSpPr>
+        <p:spPr>
+          <a:xfrm flipH="1" flipV="1">
+            <a:off x="5988358" y="5495419"/>
+            <a:ext cx="1" cy="827317"/>
+          </a:xfrm>
+          <a:prstGeom prst="straightConnector1">
+            <a:avLst/>
+          </a:prstGeom>
+          <a:ln w="28575">
+            <a:solidFill>
+              <a:schemeClr val="tx1"/>
+            </a:solidFill>
+            <a:tailEnd type="triangle" w="lg" len="lg"/>
+          </a:ln>
+        </p:spPr>
+        <p:style>
+          <a:lnRef idx="1">
+            <a:schemeClr val="accent1"/>
+          </a:lnRef>
+          <a:fillRef idx="0">
+            <a:schemeClr val="accent1"/>
+          </a:fillRef>
+          <a:effectRef idx="0">
+            <a:schemeClr val="accent1"/>
+          </a:effectRef>
+          <a:fontRef idx="minor">
+            <a:schemeClr val="tx1"/>
+          </a:fontRef>
+        </p:style>
+      </p:cxnSp>
+      <p:cxnSp>
+        <p:nvCxnSpPr>
+          <p:cNvPr id="56" name="Straight Connector 55">
+            <a:extLst>
+              <a:ext uri="{FF2B5EF4-FFF2-40B4-BE49-F238E27FC236}">
+                <a16:creationId xmlns:a16="http://schemas.microsoft.com/office/drawing/2014/main" id="{D3E053C4-4A7D-4728-8A5E-93DAEC3625F1}"/>
+              </a:ext>
+            </a:extLst>
+          </p:cNvPr>
+          <p:cNvCxnSpPr>
+            <a:cxnSpLocks/>
+          </p:cNvCxnSpPr>
+          <p:nvPr/>
+        </p:nvCxnSpPr>
+        <p:spPr>
+          <a:xfrm>
+            <a:off x="9357514" y="5943249"/>
+            <a:ext cx="21481" cy="4734242"/>
+          </a:xfrm>
+          <a:prstGeom prst="line">
+            <a:avLst/>
+          </a:prstGeom>
+          <a:ln w="28575">
+            <a:solidFill>
+              <a:schemeClr val="tx1"/>
+            </a:solidFill>
+            <a:tailEnd type="none" w="lg" len="lg"/>
+          </a:ln>
+        </p:spPr>
+        <p:style>
+          <a:lnRef idx="1">
+            <a:schemeClr val="accent1"/>
+          </a:lnRef>
+          <a:fillRef idx="0">
+            <a:schemeClr val="accent1"/>
+          </a:fillRef>
+          <a:effectRef idx="0">
+            <a:schemeClr val="accent1"/>
+          </a:effectRef>
+          <a:fontRef idx="minor">
+            <a:schemeClr val="tx1"/>
+          </a:fontRef>
+        </p:style>
+      </p:cxnSp>
+      <p:cxnSp>
+        <p:nvCxnSpPr>
+          <p:cNvPr id="61" name="Straight Connector 60">
+            <a:extLst>
+              <a:ext uri="{FF2B5EF4-FFF2-40B4-BE49-F238E27FC236}">
+                <a16:creationId xmlns:a16="http://schemas.microsoft.com/office/drawing/2014/main" id="{4E36A098-1EE1-42D2-A44F-0CA873134BC4}"/>
+              </a:ext>
+            </a:extLst>
+          </p:cNvPr>
+          <p:cNvCxnSpPr>
+            <a:cxnSpLocks/>
+          </p:cNvCxnSpPr>
+          <p:nvPr/>
+        </p:nvCxnSpPr>
+        <p:spPr>
+          <a:xfrm flipH="1">
+            <a:off x="9339953" y="5929396"/>
+            <a:ext cx="620019" cy="0"/>
+          </a:xfrm>
+          <a:prstGeom prst="line">
+            <a:avLst/>
+          </a:prstGeom>
+          <a:ln w="31750">
+            <a:solidFill>
+              <a:schemeClr val="tx1"/>
+            </a:solidFill>
+          </a:ln>
+        </p:spPr>
+        <p:style>
+          <a:lnRef idx="1">
+            <a:schemeClr val="accent1"/>
+          </a:lnRef>
+          <a:fillRef idx="0">
+            <a:schemeClr val="accent1"/>
+          </a:fillRef>
+          <a:effectRef idx="0">
+            <a:schemeClr val="accent1"/>
+          </a:effectRef>
+          <a:fontRef idx="minor">
+            <a:schemeClr val="tx1"/>
+          </a:fontRef>
+        </p:style>
+      </p:cxnSp>
+      <p:cxnSp>
+        <p:nvCxnSpPr>
+          <p:cNvPr id="67" name="Straight Arrow Connector 66">
+            <a:extLst>
+              <a:ext uri="{FF2B5EF4-FFF2-40B4-BE49-F238E27FC236}">
+                <a16:creationId xmlns:a16="http://schemas.microsoft.com/office/drawing/2014/main" id="{EDA0DC3A-1E24-9249-A478-325DA84C67F8}"/>
+              </a:ext>
+            </a:extLst>
+          </p:cNvPr>
+          <p:cNvCxnSpPr>
+            <a:cxnSpLocks/>
+          </p:cNvCxnSpPr>
+          <p:nvPr/>
+        </p:nvCxnSpPr>
+        <p:spPr>
+          <a:xfrm flipV="1">
+            <a:off x="9958862" y="5395293"/>
+            <a:ext cx="1102" cy="534104"/>
+          </a:xfrm>
+          <a:prstGeom prst="straightConnector1">
+            <a:avLst/>
+          </a:prstGeom>
+          <a:ln w="28575">
+            <a:solidFill>
+              <a:schemeClr val="tx1"/>
+            </a:solidFill>
+            <a:tailEnd type="triangle" w="lg" len="lg"/>
+          </a:ln>
+        </p:spPr>
+        <p:style>
+          <a:lnRef idx="1">
+            <a:schemeClr val="accent1"/>
+          </a:lnRef>
+          <a:fillRef idx="0">
+            <a:schemeClr val="accent1"/>
+          </a:fillRef>
+          <a:effectRef idx="0">
+            <a:schemeClr val="accent1"/>
+          </a:effectRef>
+          <a:fontRef idx="minor">
+            <a:schemeClr val="tx1"/>
+          </a:fontRef>
+        </p:style>
+      </p:cxnSp>
+      <p:cxnSp>
+        <p:nvCxnSpPr>
+          <p:cNvPr id="49" name="Straight Connector 48">
+            <a:extLst>
+              <a:ext uri="{FF2B5EF4-FFF2-40B4-BE49-F238E27FC236}">
+                <a16:creationId xmlns:a16="http://schemas.microsoft.com/office/drawing/2014/main" id="{1818D7F2-1582-4EE5-98E6-0A926CBAAD1B}"/>
+              </a:ext>
+            </a:extLst>
+          </p:cNvPr>
+          <p:cNvCxnSpPr>
+            <a:cxnSpLocks/>
+          </p:cNvCxnSpPr>
+          <p:nvPr/>
+        </p:nvCxnSpPr>
+        <p:spPr>
+          <a:xfrm>
+            <a:off x="9810732" y="10191666"/>
+            <a:ext cx="3261198" cy="0"/>
+          </a:xfrm>
+          <a:prstGeom prst="line">
+            <a:avLst/>
+          </a:prstGeom>
+          <a:ln w="31750">
+            <a:solidFill>
+              <a:schemeClr val="tx1"/>
+            </a:solidFill>
+          </a:ln>
+        </p:spPr>
+        <p:style>
+          <a:lnRef idx="1">
+            <a:schemeClr val="accent1"/>
+          </a:lnRef>
+          <a:fillRef idx="0">
+            <a:schemeClr val="accent1"/>
+          </a:fillRef>
+          <a:effectRef idx="0">
+            <a:schemeClr val="accent1"/>
+          </a:effectRef>
+          <a:fontRef idx="minor">
+            <a:schemeClr val="tx1"/>
+          </a:fontRef>
+        </p:style>
+      </p:cxnSp>
+      <p:cxnSp>
+        <p:nvCxnSpPr>
+          <p:cNvPr id="50" name="Straight Connector 49">
+            <a:extLst>
+              <a:ext uri="{FF2B5EF4-FFF2-40B4-BE49-F238E27FC236}">
+                <a16:creationId xmlns:a16="http://schemas.microsoft.com/office/drawing/2014/main" id="{CEAC3DCF-63B5-4C70-B32A-3C7B3C404ABB}"/>
+              </a:ext>
+            </a:extLst>
+          </p:cNvPr>
+          <p:cNvCxnSpPr>
+            <a:cxnSpLocks/>
+          </p:cNvCxnSpPr>
+          <p:nvPr/>
+        </p:nvCxnSpPr>
+        <p:spPr>
+          <a:xfrm>
+            <a:off x="13085538" y="9838916"/>
+            <a:ext cx="0" cy="352750"/>
+          </a:xfrm>
+          <a:prstGeom prst="line">
+            <a:avLst/>
+          </a:prstGeom>
+          <a:ln w="28575">
+            <a:solidFill>
+              <a:schemeClr val="tx1"/>
+            </a:solidFill>
+            <a:tailEnd type="none" w="lg" len="lg"/>
+          </a:ln>
+        </p:spPr>
+        <p:style>
+          <a:lnRef idx="1">
+            <a:schemeClr val="accent1"/>
+          </a:lnRef>
+          <a:fillRef idx="0">
+            <a:schemeClr val="accent1"/>
+          </a:fillRef>
+          <a:effectRef idx="0">
+            <a:schemeClr val="accent1"/>
+          </a:effectRef>
+          <a:fontRef idx="minor">
+            <a:schemeClr val="tx1"/>
+          </a:fontRef>
+        </p:style>
+      </p:cxnSp>
+      <p:cxnSp>
+        <p:nvCxnSpPr>
+          <p:cNvPr id="53" name="Straight Connector 52">
+            <a:extLst>
+              <a:ext uri="{FF2B5EF4-FFF2-40B4-BE49-F238E27FC236}">
+                <a16:creationId xmlns:a16="http://schemas.microsoft.com/office/drawing/2014/main" id="{AC8D39C2-B85D-431F-8CF0-5AE1C92D875C}"/>
+              </a:ext>
+            </a:extLst>
+          </p:cNvPr>
+          <p:cNvCxnSpPr>
+            <a:cxnSpLocks/>
+          </p:cNvCxnSpPr>
+          <p:nvPr/>
+        </p:nvCxnSpPr>
+        <p:spPr>
+          <a:xfrm flipH="1">
+            <a:off x="9357508" y="10677491"/>
+            <a:ext cx="6310666" cy="0"/>
+          </a:xfrm>
+          <a:prstGeom prst="line">
+            <a:avLst/>
+          </a:prstGeom>
+          <a:ln w="31750">
+            <a:solidFill>
+              <a:schemeClr val="tx1"/>
+            </a:solidFill>
+          </a:ln>
+        </p:spPr>
+        <p:style>
+          <a:lnRef idx="1">
+            <a:schemeClr val="accent1"/>
+          </a:lnRef>
+          <a:fillRef idx="0">
+            <a:schemeClr val="accent1"/>
+          </a:fillRef>
+          <a:effectRef idx="0">
+            <a:schemeClr val="accent1"/>
+          </a:effectRef>
+          <a:fontRef idx="minor">
+            <a:schemeClr val="tx1"/>
+          </a:fontRef>
+        </p:style>
+      </p:cxnSp>
+      <p:cxnSp>
+        <p:nvCxnSpPr>
+          <p:cNvPr id="55" name="Straight Connector 54">
+            <a:extLst>
+              <a:ext uri="{FF2B5EF4-FFF2-40B4-BE49-F238E27FC236}">
+                <a16:creationId xmlns:a16="http://schemas.microsoft.com/office/drawing/2014/main" id="{D4AC67F5-D771-40DE-A5C5-7ADD5ADCE9ED}"/>
+              </a:ext>
+            </a:extLst>
+          </p:cNvPr>
+          <p:cNvCxnSpPr>
+            <a:cxnSpLocks/>
+          </p:cNvCxnSpPr>
+          <p:nvPr/>
+        </p:nvCxnSpPr>
+        <p:spPr>
+          <a:xfrm>
+            <a:off x="15668173" y="9838924"/>
+            <a:ext cx="0" cy="838575"/>
+          </a:xfrm>
+          <a:prstGeom prst="line">
+            <a:avLst/>
+          </a:prstGeom>
+          <a:ln w="28575">
+            <a:solidFill>
+              <a:schemeClr val="tx1"/>
+            </a:solidFill>
+            <a:tailEnd type="none" w="lg" len="lg"/>
+          </a:ln>
+        </p:spPr>
+        <p:style>
+          <a:lnRef idx="1">
+            <a:schemeClr val="accent1"/>
+          </a:lnRef>
+          <a:fillRef idx="0">
+            <a:schemeClr val="accent1"/>
+          </a:fillRef>
+          <a:effectRef idx="0">
+            <a:schemeClr val="accent1"/>
+          </a:effectRef>
+          <a:fontRef idx="minor">
+            <a:schemeClr val="tx1"/>
+          </a:fontRef>
+        </p:style>
+      </p:cxnSp>
+      <p:cxnSp>
+        <p:nvCxnSpPr>
+          <p:cNvPr id="62" name="Straight Connector 61">
+            <a:extLst>
+              <a:ext uri="{FF2B5EF4-FFF2-40B4-BE49-F238E27FC236}">
+                <a16:creationId xmlns:a16="http://schemas.microsoft.com/office/drawing/2014/main" id="{36B18F1F-3DA2-4C97-BC18-934DC28E6046}"/>
+              </a:ext>
+            </a:extLst>
+          </p:cNvPr>
+          <p:cNvCxnSpPr>
+            <a:cxnSpLocks/>
+          </p:cNvCxnSpPr>
+          <p:nvPr/>
+        </p:nvCxnSpPr>
+        <p:spPr>
+          <a:xfrm>
+            <a:off x="3096236" y="1493671"/>
+            <a:ext cx="0" cy="973283"/>
+          </a:xfrm>
+          <a:prstGeom prst="line">
+            <a:avLst/>
+          </a:prstGeom>
+          <a:ln w="28575">
+            <a:solidFill>
+              <a:schemeClr val="tx1"/>
+            </a:solidFill>
+            <a:tailEnd type="none" w="lg" len="lg"/>
+          </a:ln>
+        </p:spPr>
+        <p:style>
+          <a:lnRef idx="1">
+            <a:schemeClr val="accent1"/>
+          </a:lnRef>
+          <a:fillRef idx="0">
+            <a:schemeClr val="accent1"/>
+          </a:fillRef>
+          <a:effectRef idx="0">
+            <a:schemeClr val="accent1"/>
+          </a:effectRef>
+          <a:fontRef idx="minor">
+            <a:schemeClr val="tx1"/>
+          </a:fontRef>
+        </p:style>
+      </p:cxnSp>
+      <p:cxnSp>
+        <p:nvCxnSpPr>
+          <p:cNvPr id="64" name="Straight Connector 63">
+            <a:extLst>
+              <a:ext uri="{FF2B5EF4-FFF2-40B4-BE49-F238E27FC236}">
+                <a16:creationId xmlns:a16="http://schemas.microsoft.com/office/drawing/2014/main" id="{38AC497A-7E75-460C-80DE-634A1914BE30}"/>
+              </a:ext>
+            </a:extLst>
+          </p:cNvPr>
+          <p:cNvCxnSpPr>
+            <a:cxnSpLocks/>
+          </p:cNvCxnSpPr>
+          <p:nvPr/>
+        </p:nvCxnSpPr>
+        <p:spPr>
+          <a:xfrm>
+            <a:off x="3096243" y="2485599"/>
+            <a:ext cx="7619483" cy="2670"/>
+          </a:xfrm>
+          <a:prstGeom prst="line">
+            <a:avLst/>
+          </a:prstGeom>
+          <a:ln w="28575">
+            <a:solidFill>
+              <a:schemeClr val="tx1"/>
+            </a:solidFill>
+            <a:tailEnd type="none" w="lg" len="lg"/>
+          </a:ln>
+        </p:spPr>
+        <p:style>
+          <a:lnRef idx="1">
+            <a:schemeClr val="accent1"/>
+          </a:lnRef>
+          <a:fillRef idx="0">
+            <a:schemeClr val="accent1"/>
+          </a:fillRef>
+          <a:effectRef idx="0">
+            <a:schemeClr val="accent1"/>
+          </a:effectRef>
+          <a:fontRef idx="minor">
+            <a:schemeClr val="tx1"/>
+          </a:fontRef>
+        </p:style>
+      </p:cxnSp>
+      <p:cxnSp>
+        <p:nvCxnSpPr>
+          <p:cNvPr id="70" name="Straight Arrow Connector 69">
+            <a:extLst>
+              <a:ext uri="{FF2B5EF4-FFF2-40B4-BE49-F238E27FC236}">
+                <a16:creationId xmlns:a16="http://schemas.microsoft.com/office/drawing/2014/main" id="{82DEDBA4-67D7-4B3F-BCB4-3E3227F81AF8}"/>
+              </a:ext>
+            </a:extLst>
+          </p:cNvPr>
+          <p:cNvCxnSpPr>
+            <a:cxnSpLocks/>
+          </p:cNvCxnSpPr>
+          <p:nvPr/>
+        </p:nvCxnSpPr>
+        <p:spPr>
+          <a:xfrm flipV="1">
+            <a:off x="10715718" y="1828646"/>
+            <a:ext cx="8" cy="679577"/>
+          </a:xfrm>
+          <a:prstGeom prst="straightConnector1">
+            <a:avLst/>
+          </a:prstGeom>
+          <a:ln w="28575">
+            <a:solidFill>
+              <a:schemeClr val="tx1"/>
+            </a:solidFill>
+            <a:tailEnd type="triangle" w="lg" len="lg"/>
+          </a:ln>
+        </p:spPr>
+        <p:style>
+          <a:lnRef idx="1">
+            <a:schemeClr val="accent1"/>
+          </a:lnRef>
+          <a:fillRef idx="0">
+            <a:schemeClr val="accent1"/>
+          </a:fillRef>
+          <a:effectRef idx="0">
+            <a:schemeClr val="accent1"/>
+          </a:effectRef>
+          <a:fontRef idx="minor">
+            <a:schemeClr val="tx1"/>
+          </a:fontRef>
+        </p:style>
+      </p:cxnSp>
+      <p:graphicFrame>
+        <p:nvGraphicFramePr>
+          <p:cNvPr id="72" name="Table 2">
+            <a:extLst>
+              <a:ext uri="{FF2B5EF4-FFF2-40B4-BE49-F238E27FC236}">
+                <a16:creationId xmlns:a16="http://schemas.microsoft.com/office/drawing/2014/main" id="{E72B95A2-B9B2-4831-BCBF-88940A5F4EF5}"/>
+              </a:ext>
+            </a:extLst>
+          </p:cNvPr>
+          <p:cNvGraphicFramePr>
+            <a:graphicFrameLocks noGrp="1"/>
+          </p:cNvGraphicFramePr>
+          <p:nvPr/>
+        </p:nvGraphicFramePr>
+        <p:xfrm>
+          <a:off x="2479749" y="545607"/>
+          <a:ext cx="6428179" cy="922526"/>
+        </p:xfrm>
+        <a:graphic>
+          <a:graphicData uri="http://schemas.openxmlformats.org/drawingml/2006/table">
+            <a:tbl>
+              <a:tblPr firstRow="1" bandRow="1">
+                <a:tableStyleId>{5C22544A-7EE6-4342-B048-85BDC9FD1C3A}</a:tableStyleId>
+              </a:tblPr>
+              <a:tblGrid>
+                <a:gridCol w="1084560">
+                  <a:extLst>
+                    <a:ext uri="{9D8B030D-6E8A-4147-A177-3AD203B41FA5}">
+                      <a16:colId xmlns:a16="http://schemas.microsoft.com/office/drawing/2014/main" val="2443914745"/>
+                    </a:ext>
+                  </a:extLst>
+                </a:gridCol>
+                <a:gridCol w="1650107">
+                  <a:extLst>
+                    <a:ext uri="{9D8B030D-6E8A-4147-A177-3AD203B41FA5}">
+                      <a16:colId xmlns:a16="http://schemas.microsoft.com/office/drawing/2014/main" val="1850529113"/>
+                    </a:ext>
+                  </a:extLst>
+                </a:gridCol>
+                <a:gridCol w="1243584">
+                  <a:extLst>
+                    <a:ext uri="{9D8B030D-6E8A-4147-A177-3AD203B41FA5}">
+                      <a16:colId xmlns:a16="http://schemas.microsoft.com/office/drawing/2014/main" val="560964845"/>
+                    </a:ext>
+                  </a:extLst>
+                </a:gridCol>
+                <a:gridCol w="868004">
+                  <a:extLst>
+                    <a:ext uri="{9D8B030D-6E8A-4147-A177-3AD203B41FA5}">
+                      <a16:colId xmlns:a16="http://schemas.microsoft.com/office/drawing/2014/main" val="45765120"/>
+                    </a:ext>
+                  </a:extLst>
+                </a:gridCol>
+                <a:gridCol w="1581924">
+                  <a:extLst>
+                    <a:ext uri="{9D8B030D-6E8A-4147-A177-3AD203B41FA5}">
+                      <a16:colId xmlns:a16="http://schemas.microsoft.com/office/drawing/2014/main" val="3165931097"/>
+                    </a:ext>
+                  </a:extLst>
+                </a:gridCol>
+              </a:tblGrid>
+              <a:tr h="461263">
+                <a:tc gridSpan="5">
+                  <a:txBody>
+                    <a:bodyPr/>
+                    <a:lstStyle/>
+                    <a:p>
+                      <a:r>
+                        <a:rPr lang="en-US" sz="2400" dirty="0">
+                          <a:solidFill>
+                            <a:schemeClr val="tx1"/>
+                          </a:solidFill>
+                        </a:rPr>
+                        <a:t>ADDRESS</a:t>
+                      </a:r>
+                      <a:endParaRPr lang="en-GB" sz="2400" dirty="0">
+                        <a:solidFill>
+                          <a:schemeClr val="tx1"/>
+                        </a:solidFill>
+                      </a:endParaRPr>
+                    </a:p>
+                  </a:txBody>
+                  <a:tcPr>
+                    <a:lnL w="12700" cap="flat" cmpd="sng" algn="ctr">
+                      <a:noFill/>
+                      <a:prstDash val="solid"/>
+                      <a:round/>
+                      <a:headEnd type="none" w="med" len="med"/>
+                      <a:tailEnd type="none" w="med" len="med"/>
+                    </a:lnL>
+                    <a:lnR w="12700" cap="flat" cmpd="sng" algn="ctr">
+                      <a:noFill/>
+                      <a:prstDash val="solid"/>
+                      <a:round/>
+                      <a:headEnd type="none" w="med" len="med"/>
+                      <a:tailEnd type="none" w="med" len="med"/>
+                    </a:lnR>
+                    <a:lnT w="12700" cap="flat" cmpd="sng" algn="ctr">
+                      <a:noFill/>
+                      <a:prstDash val="solid"/>
+                      <a:round/>
+                      <a:headEnd type="none" w="med" len="med"/>
+                      <a:tailEnd type="none" w="med" len="med"/>
+                    </a:lnT>
+                    <a:lnB w="12700" cap="flat" cmpd="sng" algn="ctr">
+                      <a:solidFill>
+                        <a:schemeClr val="tx1"/>
+                      </a:solidFill>
+                      <a:prstDash val="solid"/>
+                      <a:round/>
+                      <a:headEnd type="none" w="med" len="med"/>
+                      <a:tailEnd type="none" w="med" len="med"/>
+                    </a:lnB>
+                    <a:lnTlToBr w="12700" cmpd="sng">
+                      <a:noFill/>
+                      <a:prstDash val="solid"/>
+                    </a:lnTlToBr>
+                    <a:lnBlToTr w="12700" cmpd="sng">
+                      <a:noFill/>
+                      <a:prstDash val="solid"/>
+                    </a:lnBlToTr>
+                    <a:noFill/>
+                  </a:tcPr>
+                </a:tc>
+                <a:tc hMerge="1">
+                  <a:txBody>
+                    <a:bodyPr/>
+                    <a:lstStyle/>
+                    <a:p>
+                      <a:endParaRPr lang="en-US"/>
+                    </a:p>
+                  </a:txBody>
+                  <a:tcPr/>
+                </a:tc>
+                <a:tc hMerge="1">
+                  <a:txBody>
+                    <a:bodyPr/>
+                    <a:lstStyle/>
+                    <a:p>
+                      <a:endParaRPr lang="en-GB" sz="2400" dirty="0">
+                        <a:solidFill>
+                          <a:schemeClr val="tx1"/>
+                        </a:solidFill>
+                      </a:endParaRPr>
+                    </a:p>
+                  </a:txBody>
+                  <a:tcPr>
+                    <a:lnL w="12700" cap="flat" cmpd="sng" algn="ctr">
+                      <a:noFill/>
+                      <a:prstDash val="solid"/>
+                      <a:round/>
+                      <a:headEnd type="none" w="med" len="med"/>
+                      <a:tailEnd type="none" w="med" len="med"/>
+                    </a:lnL>
+                    <a:lnR w="12700" cap="flat" cmpd="sng" algn="ctr">
+                      <a:noFill/>
+                      <a:prstDash val="solid"/>
+                      <a:round/>
+                      <a:headEnd type="none" w="med" len="med"/>
+                      <a:tailEnd type="none" w="med" len="med"/>
+                    </a:lnR>
+                    <a:lnT w="12700" cap="flat" cmpd="sng" algn="ctr">
+                      <a:noFill/>
+                      <a:prstDash val="solid"/>
+                      <a:round/>
+                      <a:headEnd type="none" w="med" len="med"/>
+                      <a:tailEnd type="none" w="med" len="med"/>
+                    </a:lnT>
+                    <a:lnB w="12700" cap="flat" cmpd="sng" algn="ctr">
+                      <a:solidFill>
+                        <a:schemeClr val="tx1"/>
+                      </a:solidFill>
+                      <a:prstDash val="solid"/>
+                      <a:round/>
+                      <a:headEnd type="none" w="med" len="med"/>
+                      <a:tailEnd type="none" w="med" len="med"/>
+                    </a:lnB>
+                    <a:lnTlToBr w="12700" cmpd="sng">
+                      <a:noFill/>
+                      <a:prstDash val="solid"/>
+                    </a:lnTlToBr>
+                    <a:lnBlToTr w="12700" cmpd="sng">
+                      <a:noFill/>
+                      <a:prstDash val="solid"/>
+                    </a:lnBlToTr>
+                    <a:noFill/>
+                  </a:tcPr>
+                </a:tc>
+                <a:tc hMerge="1">
+                  <a:txBody>
+                    <a:bodyPr/>
+                    <a:lstStyle/>
+                    <a:p>
+                      <a:endParaRPr lang="en-GB" sz="2400" dirty="0">
+                        <a:solidFill>
+                          <a:schemeClr val="tx1"/>
+                        </a:solidFill>
+                      </a:endParaRPr>
+                    </a:p>
+                  </a:txBody>
+                  <a:tcPr>
+                    <a:lnL w="12700" cap="flat" cmpd="sng" algn="ctr">
+                      <a:noFill/>
+                      <a:prstDash val="solid"/>
+                      <a:round/>
+                      <a:headEnd type="none" w="med" len="med"/>
+                      <a:tailEnd type="none" w="med" len="med"/>
+                    </a:lnL>
+                    <a:lnR w="12700" cap="flat" cmpd="sng" algn="ctr">
+                      <a:noFill/>
+                      <a:prstDash val="solid"/>
+                      <a:round/>
+                      <a:headEnd type="none" w="med" len="med"/>
+                      <a:tailEnd type="none" w="med" len="med"/>
+                    </a:lnR>
+                    <a:lnT w="12700" cap="flat" cmpd="sng" algn="ctr">
+                      <a:noFill/>
+                      <a:prstDash val="solid"/>
+                      <a:round/>
+                      <a:headEnd type="none" w="med" len="med"/>
+                      <a:tailEnd type="none" w="med" len="med"/>
+                    </a:lnT>
+                    <a:lnB w="12700" cap="flat" cmpd="sng" algn="ctr">
+                      <a:solidFill>
+                        <a:schemeClr val="tx1"/>
+                      </a:solidFill>
+                      <a:prstDash val="solid"/>
+                      <a:round/>
+                      <a:headEnd type="none" w="med" len="med"/>
+                      <a:tailEnd type="none" w="med" len="med"/>
+                    </a:lnB>
+                    <a:lnTlToBr w="12700" cmpd="sng">
+                      <a:noFill/>
+                      <a:prstDash val="solid"/>
+                    </a:lnTlToBr>
+                    <a:lnBlToTr w="12700" cmpd="sng">
+                      <a:noFill/>
+                      <a:prstDash val="solid"/>
+                    </a:lnBlToTr>
+                    <a:noFill/>
+                  </a:tcPr>
+                </a:tc>
+                <a:tc hMerge="1">
+                  <a:txBody>
+                    <a:bodyPr/>
+                    <a:lstStyle/>
+                    <a:p>
+                      <a:endParaRPr lang="en-GB" sz="2400" dirty="0">
+                        <a:solidFill>
+                          <a:schemeClr val="tx1"/>
+                        </a:solidFill>
+                      </a:endParaRPr>
+                    </a:p>
+                  </a:txBody>
+                  <a:tcPr>
+                    <a:lnL w="12700" cap="flat" cmpd="sng" algn="ctr">
+                      <a:noFill/>
+                      <a:prstDash val="solid"/>
+                      <a:round/>
+                      <a:headEnd type="none" w="med" len="med"/>
+                      <a:tailEnd type="none" w="med" len="med"/>
+                    </a:lnL>
+                    <a:lnR w="12700" cap="flat" cmpd="sng" algn="ctr">
+                      <a:noFill/>
+                      <a:prstDash val="solid"/>
+                      <a:round/>
+                      <a:headEnd type="none" w="med" len="med"/>
+                      <a:tailEnd type="none" w="med" len="med"/>
+                    </a:lnR>
+                    <a:lnT w="12700" cap="flat" cmpd="sng" algn="ctr">
+                      <a:noFill/>
+                      <a:prstDash val="solid"/>
+                      <a:round/>
+                      <a:headEnd type="none" w="med" len="med"/>
+                      <a:tailEnd type="none" w="med" len="med"/>
+                    </a:lnT>
+                    <a:lnB w="12700" cap="flat" cmpd="sng" algn="ctr">
+                      <a:solidFill>
+                        <a:schemeClr val="tx1"/>
+                      </a:solidFill>
+                      <a:prstDash val="solid"/>
+                      <a:round/>
+                      <a:headEnd type="none" w="med" len="med"/>
+                      <a:tailEnd type="none" w="med" len="med"/>
+                    </a:lnB>
+                    <a:lnTlToBr w="12700" cmpd="sng">
+                      <a:noFill/>
+                      <a:prstDash val="solid"/>
+                    </a:lnTlToBr>
+                    <a:lnBlToTr w="12700" cmpd="sng">
+                      <a:noFill/>
+                      <a:prstDash val="solid"/>
+                    </a:lnBlToTr>
+                    <a:noFill/>
+                  </a:tcPr>
+                </a:tc>
+                <a:extLst>
+                  <a:ext uri="{0D108BD9-81ED-4DB2-BD59-A6C34878D82A}">
+                    <a16:rowId xmlns:a16="http://schemas.microsoft.com/office/drawing/2014/main" val="428703033"/>
+                  </a:ext>
+                </a:extLst>
+              </a:tr>
+              <a:tr h="461263">
+                <a:tc>
+                  <a:txBody>
+                    <a:bodyPr/>
+                    <a:lstStyle/>
+                    <a:p>
+                      <a:pPr algn="ctr"/>
+                      <a:r>
+                        <a:rPr lang="en-US" sz="2400" u="sng" dirty="0"/>
+                        <a:t>PID</a:t>
+                      </a:r>
+                      <a:endParaRPr lang="en-GB" sz="2400" u="sng" dirty="0"/>
+                    </a:p>
+                  </a:txBody>
+                  <a:tcPr>
+                    <a:lnL w="12700" cap="flat" cmpd="sng" algn="ctr">
+                      <a:solidFill>
+                        <a:schemeClr val="tx1"/>
+                      </a:solidFill>
+                      <a:prstDash val="solid"/>
+                      <a:round/>
+                      <a:headEnd type="none" w="med" len="med"/>
+                      <a:tailEnd type="none" w="med" len="med"/>
+                    </a:lnL>
+                    <a:lnR w="12700" cap="flat" cmpd="sng" algn="ctr">
+                      <a:solidFill>
+                        <a:schemeClr val="tx1"/>
+                      </a:solidFill>
+                      <a:prstDash val="solid"/>
+                      <a:round/>
+                      <a:headEnd type="none" w="med" len="med"/>
+                      <a:tailEnd type="none" w="med" len="med"/>
+                    </a:lnR>
+                    <a:lnT w="12700" cap="flat" cmpd="sng" algn="ctr">
+                      <a:solidFill>
+                        <a:schemeClr val="tx1"/>
+                      </a:solidFill>
+                      <a:prstDash val="solid"/>
+                      <a:round/>
+                      <a:headEnd type="none" w="med" len="med"/>
+                      <a:tailEnd type="none" w="med" len="med"/>
+                    </a:lnT>
+                    <a:lnB w="12700" cap="flat" cmpd="sng" algn="ctr">
+                      <a:solidFill>
+                        <a:schemeClr val="tx1"/>
+                      </a:solidFill>
+                      <a:prstDash val="solid"/>
+                      <a:round/>
+                      <a:headEnd type="none" w="med" len="med"/>
+                      <a:tailEnd type="none" w="med" len="med"/>
+                    </a:lnB>
+                    <a:solidFill>
+                      <a:srgbClr val="E7E6E6"/>
+                    </a:solidFill>
+                  </a:tcPr>
+                </a:tc>
+                <a:tc>
+                  <a:txBody>
+                    <a:bodyPr/>
+                    <a:lstStyle/>
+                    <a:p>
+                      <a:pPr algn="ctr"/>
+                      <a:r>
+                        <a:rPr lang="en-GB" sz="2400" u="none" dirty="0"/>
+                        <a:t>AppartNum</a:t>
+                      </a:r>
+                    </a:p>
+                  </a:txBody>
+                  <a:tcPr>
+                    <a:lnL w="12700" cap="flat" cmpd="sng" algn="ctr">
+                      <a:solidFill>
+                        <a:schemeClr val="tx1"/>
+                      </a:solidFill>
+                      <a:prstDash val="solid"/>
+                      <a:round/>
+                      <a:headEnd type="none" w="med" len="med"/>
+                      <a:tailEnd type="none" w="med" len="med"/>
+                    </a:lnL>
+                    <a:lnR w="12700" cap="flat" cmpd="sng" algn="ctr">
+                      <a:solidFill>
+                        <a:schemeClr val="tx1"/>
+                      </a:solidFill>
+                      <a:prstDash val="solid"/>
+                      <a:round/>
+                      <a:headEnd type="none" w="med" len="med"/>
+                      <a:tailEnd type="none" w="med" len="med"/>
+                    </a:lnR>
+                    <a:lnT w="12700" cap="flat" cmpd="sng" algn="ctr">
+                      <a:solidFill>
+                        <a:schemeClr val="tx1"/>
+                      </a:solidFill>
+                      <a:prstDash val="solid"/>
+                      <a:round/>
+                      <a:headEnd type="none" w="med" len="med"/>
+                      <a:tailEnd type="none" w="med" len="med"/>
+                    </a:lnT>
+                    <a:lnB w="12700" cap="flat" cmpd="sng" algn="ctr">
+                      <a:solidFill>
+                        <a:schemeClr val="tx1"/>
+                      </a:solidFill>
+                      <a:prstDash val="solid"/>
+                      <a:round/>
+                      <a:headEnd type="none" w="med" len="med"/>
+                      <a:tailEnd type="none" w="med" len="med"/>
+                    </a:lnB>
+                    <a:solidFill>
+                      <a:srgbClr val="E7E6E6"/>
+                    </a:solidFill>
+                  </a:tcPr>
+                </a:tc>
+                <a:tc>
+                  <a:txBody>
+                    <a:bodyPr/>
+                    <a:lstStyle/>
+                    <a:p>
+                      <a:pPr algn="ctr"/>
+                      <a:r>
+                        <a:rPr lang="en-US" sz="2400" dirty="0"/>
+                        <a:t>Street</a:t>
+                      </a:r>
+                      <a:endParaRPr lang="en-GB" sz="2400" dirty="0"/>
+                    </a:p>
+                  </a:txBody>
+                  <a:tcPr>
+                    <a:lnL w="12700" cap="flat" cmpd="sng" algn="ctr">
+                      <a:solidFill>
+                        <a:schemeClr val="tx1"/>
+                      </a:solidFill>
+                      <a:prstDash val="solid"/>
+                      <a:round/>
+                      <a:headEnd type="none" w="med" len="med"/>
+                      <a:tailEnd type="none" w="med" len="med"/>
+                    </a:lnL>
+                    <a:lnR w="12700" cap="flat" cmpd="sng" algn="ctr">
+                      <a:solidFill>
+                        <a:schemeClr val="tx1"/>
+                      </a:solidFill>
+                      <a:prstDash val="solid"/>
+                      <a:round/>
+                      <a:headEnd type="none" w="med" len="med"/>
+                      <a:tailEnd type="none" w="med" len="med"/>
+                    </a:lnR>
+                    <a:lnT w="12700" cap="flat" cmpd="sng" algn="ctr">
+                      <a:solidFill>
+                        <a:schemeClr val="tx1"/>
+                      </a:solidFill>
+                      <a:prstDash val="solid"/>
+                      <a:round/>
+                      <a:headEnd type="none" w="med" len="med"/>
+                      <a:tailEnd type="none" w="med" len="med"/>
+                    </a:lnT>
+                    <a:lnB w="12700" cap="flat" cmpd="sng" algn="ctr">
+                      <a:solidFill>
+                        <a:schemeClr val="tx1"/>
+                      </a:solidFill>
+                      <a:prstDash val="solid"/>
+                      <a:round/>
+                      <a:headEnd type="none" w="med" len="med"/>
+                      <a:tailEnd type="none" w="med" len="med"/>
+                    </a:lnB>
+                    <a:solidFill>
+                      <a:srgbClr val="E7E6E6"/>
+                    </a:solidFill>
+                  </a:tcPr>
+                </a:tc>
+                <a:tc>
+                  <a:txBody>
+                    <a:bodyPr/>
+                    <a:lstStyle/>
+                    <a:p>
+                      <a:pPr algn="ctr"/>
+                      <a:r>
+                        <a:rPr lang="en-US" sz="2400" dirty="0"/>
+                        <a:t>City</a:t>
+                      </a:r>
+                      <a:endParaRPr lang="en-GB" sz="2400" dirty="0"/>
+                    </a:p>
+                  </a:txBody>
+                  <a:tcPr>
+                    <a:lnL w="12700" cap="flat" cmpd="sng" algn="ctr">
+                      <a:solidFill>
+                        <a:schemeClr val="tx1"/>
+                      </a:solidFill>
+                      <a:prstDash val="solid"/>
+                      <a:round/>
+                      <a:headEnd type="none" w="med" len="med"/>
+                      <a:tailEnd type="none" w="med" len="med"/>
+                    </a:lnL>
+                    <a:lnR w="12700" cap="flat" cmpd="sng" algn="ctr">
+                      <a:solidFill>
+                        <a:schemeClr val="tx1"/>
+                      </a:solidFill>
+                      <a:prstDash val="solid"/>
+                      <a:round/>
+                      <a:headEnd type="none" w="med" len="med"/>
+                      <a:tailEnd type="none" w="med" len="med"/>
+                    </a:lnR>
+                    <a:lnT w="12700" cap="flat" cmpd="sng" algn="ctr">
+                      <a:solidFill>
+                        <a:schemeClr val="tx1"/>
+                      </a:solidFill>
+                      <a:prstDash val="solid"/>
+                      <a:round/>
+                      <a:headEnd type="none" w="med" len="med"/>
+                      <a:tailEnd type="none" w="med" len="med"/>
+                    </a:lnT>
+                    <a:lnB w="12700" cap="flat" cmpd="sng" algn="ctr">
+                      <a:solidFill>
+                        <a:schemeClr val="tx1"/>
+                      </a:solidFill>
+                      <a:prstDash val="solid"/>
+                      <a:round/>
+                      <a:headEnd type="none" w="med" len="med"/>
+                      <a:tailEnd type="none" w="med" len="med"/>
+                    </a:lnB>
+                    <a:solidFill>
+                      <a:srgbClr val="E7E6E6"/>
+                    </a:solidFill>
+                  </a:tcPr>
+                </a:tc>
+                <a:tc>
+                  <a:txBody>
+                    <a:bodyPr/>
+                    <a:lstStyle/>
+                    <a:p>
+                      <a:pPr algn="ctr"/>
+                      <a:r>
+                        <a:rPr lang="en-US" sz="2400" dirty="0"/>
+                        <a:t>Country</a:t>
+                      </a:r>
+                      <a:endParaRPr lang="en-GB" sz="2400" dirty="0"/>
+                    </a:p>
+                  </a:txBody>
+                  <a:tcPr>
+                    <a:lnL w="12700" cap="flat" cmpd="sng" algn="ctr">
+                      <a:solidFill>
+                        <a:schemeClr val="tx1"/>
+                      </a:solidFill>
+                      <a:prstDash val="solid"/>
+                      <a:round/>
+                      <a:headEnd type="none" w="med" len="med"/>
+                      <a:tailEnd type="none" w="med" len="med"/>
+                    </a:lnL>
+                    <a:lnR w="12700" cap="flat" cmpd="sng" algn="ctr">
+                      <a:solidFill>
+                        <a:schemeClr val="tx1"/>
+                      </a:solidFill>
+                      <a:prstDash val="solid"/>
+                      <a:round/>
+                      <a:headEnd type="none" w="med" len="med"/>
+                      <a:tailEnd type="none" w="med" len="med"/>
+                    </a:lnR>
+                    <a:lnT w="12700" cap="flat" cmpd="sng" algn="ctr">
+                      <a:solidFill>
+                        <a:schemeClr val="tx1"/>
+                      </a:solidFill>
+                      <a:prstDash val="solid"/>
+                      <a:round/>
+                      <a:headEnd type="none" w="med" len="med"/>
+                      <a:tailEnd type="none" w="med" len="med"/>
+                    </a:lnT>
+                    <a:lnB w="12700" cap="flat" cmpd="sng" algn="ctr">
+                      <a:solidFill>
+                        <a:schemeClr val="tx1"/>
+                      </a:solidFill>
+                      <a:prstDash val="solid"/>
+                      <a:round/>
+                      <a:headEnd type="none" w="med" len="med"/>
+                      <a:tailEnd type="none" w="med" len="med"/>
+                    </a:lnB>
+                    <a:solidFill>
+                      <a:srgbClr val="E7E6E6"/>
+                    </a:solidFill>
+                  </a:tcPr>
+                </a:tc>
+                <a:extLst>
+                  <a:ext uri="{0D108BD9-81ED-4DB2-BD59-A6C34878D82A}">
+                    <a16:rowId xmlns:a16="http://schemas.microsoft.com/office/drawing/2014/main" val="2454667886"/>
+                  </a:ext>
+                </a:extLst>
+              </a:tr>
+            </a:tbl>
+          </a:graphicData>
+        </a:graphic>
+      </p:graphicFrame>
+      <p:cxnSp>
+        <p:nvCxnSpPr>
+          <p:cNvPr id="75" name="Straight Connector 74">
+            <a:extLst>
+              <a:ext uri="{FF2B5EF4-FFF2-40B4-BE49-F238E27FC236}">
+                <a16:creationId xmlns:a16="http://schemas.microsoft.com/office/drawing/2014/main" id="{0994FAF6-77A5-4135-AB75-F931FB5C8A26}"/>
+              </a:ext>
+            </a:extLst>
+          </p:cNvPr>
+          <p:cNvCxnSpPr>
+            <a:cxnSpLocks/>
+          </p:cNvCxnSpPr>
+          <p:nvPr/>
+        </p:nvCxnSpPr>
+        <p:spPr>
+          <a:xfrm flipH="1">
+            <a:off x="9958862" y="8083296"/>
+            <a:ext cx="3968855" cy="0"/>
+          </a:xfrm>
+          <a:prstGeom prst="line">
+            <a:avLst/>
+          </a:prstGeom>
+          <a:ln w="28575">
+            <a:solidFill>
+              <a:schemeClr val="tx1"/>
+            </a:solidFill>
+            <a:tailEnd type="none" w="lg" len="lg"/>
+          </a:ln>
+        </p:spPr>
+        <p:style>
+          <a:lnRef idx="1">
+            <a:schemeClr val="accent1"/>
+          </a:lnRef>
+          <a:fillRef idx="0">
+            <a:schemeClr val="accent1"/>
+          </a:fillRef>
+          <a:effectRef idx="0">
+            <a:schemeClr val="accent1"/>
+          </a:effectRef>
+          <a:fontRef idx="minor">
+            <a:schemeClr val="tx1"/>
+          </a:fontRef>
+        </p:style>
+      </p:cxnSp>
+      <p:cxnSp>
+        <p:nvCxnSpPr>
+          <p:cNvPr id="76" name="Straight Arrow Connector 75">
+            <a:extLst>
+              <a:ext uri="{FF2B5EF4-FFF2-40B4-BE49-F238E27FC236}">
+                <a16:creationId xmlns:a16="http://schemas.microsoft.com/office/drawing/2014/main" id="{AEABE0F2-14F4-40F8-9A4D-E0EBD8386F38}"/>
+              </a:ext>
+            </a:extLst>
+          </p:cNvPr>
+          <p:cNvCxnSpPr>
+            <a:cxnSpLocks/>
+          </p:cNvCxnSpPr>
+          <p:nvPr/>
+        </p:nvCxnSpPr>
+        <p:spPr>
+          <a:xfrm flipV="1">
+            <a:off x="7210695" y="9855596"/>
+            <a:ext cx="0" cy="2113320"/>
+          </a:xfrm>
+          <a:prstGeom prst="straightConnector1">
+            <a:avLst/>
+          </a:prstGeom>
+          <a:ln w="28575">
+            <a:solidFill>
+              <a:schemeClr val="tx1"/>
+            </a:solidFill>
+            <a:tailEnd type="triangle" w="lg" len="lg"/>
+          </a:ln>
+        </p:spPr>
+        <p:style>
+          <a:lnRef idx="1">
+            <a:schemeClr val="accent1"/>
+          </a:lnRef>
+          <a:fillRef idx="0">
+            <a:schemeClr val="accent1"/>
+          </a:fillRef>
+          <a:effectRef idx="0">
+            <a:schemeClr val="accent1"/>
+          </a:effectRef>
+          <a:fontRef idx="minor">
+            <a:schemeClr val="tx1"/>
+          </a:fontRef>
+        </p:style>
+      </p:cxnSp>
+      <p:cxnSp>
+        <p:nvCxnSpPr>
+          <p:cNvPr id="58" name="Straight Connector 57">
+            <a:extLst>
+              <a:ext uri="{FF2B5EF4-FFF2-40B4-BE49-F238E27FC236}">
+                <a16:creationId xmlns:a16="http://schemas.microsoft.com/office/drawing/2014/main" id="{58C2FE83-A0A5-45E3-B232-9257E3DCD17E}"/>
+              </a:ext>
+            </a:extLst>
+          </p:cNvPr>
+          <p:cNvCxnSpPr>
+            <a:cxnSpLocks/>
+          </p:cNvCxnSpPr>
+          <p:nvPr/>
+        </p:nvCxnSpPr>
+        <p:spPr>
+          <a:xfrm>
+            <a:off x="9958862" y="8083296"/>
+            <a:ext cx="0" cy="3868940"/>
+          </a:xfrm>
+          <a:prstGeom prst="line">
+            <a:avLst/>
+          </a:prstGeom>
+          <a:ln w="28575">
+            <a:solidFill>
+              <a:schemeClr val="tx1"/>
+            </a:solidFill>
+            <a:tailEnd type="none" w="lg" len="lg"/>
+          </a:ln>
+        </p:spPr>
+        <p:style>
+          <a:lnRef idx="1">
+            <a:schemeClr val="accent1"/>
+          </a:lnRef>
+          <a:fillRef idx="0">
+            <a:schemeClr val="accent1"/>
+          </a:fillRef>
+          <a:effectRef idx="0">
+            <a:schemeClr val="accent1"/>
+          </a:effectRef>
+          <a:fontRef idx="minor">
+            <a:schemeClr val="tx1"/>
+          </a:fontRef>
+        </p:style>
+      </p:cxnSp>
+      <p:cxnSp>
+        <p:nvCxnSpPr>
+          <p:cNvPr id="60" name="Straight Connector 59">
+            <a:extLst>
+              <a:ext uri="{FF2B5EF4-FFF2-40B4-BE49-F238E27FC236}">
+                <a16:creationId xmlns:a16="http://schemas.microsoft.com/office/drawing/2014/main" id="{F955DF8C-B3F7-4571-A17C-883354C1321C}"/>
+              </a:ext>
+            </a:extLst>
+          </p:cNvPr>
+          <p:cNvCxnSpPr>
+            <a:cxnSpLocks/>
+          </p:cNvCxnSpPr>
+          <p:nvPr/>
+        </p:nvCxnSpPr>
+        <p:spPr>
+          <a:xfrm flipH="1">
+            <a:off x="7210695" y="11952236"/>
+            <a:ext cx="2748167" cy="16680"/>
+          </a:xfrm>
+          <a:prstGeom prst="line">
+            <a:avLst/>
+          </a:prstGeom>
+          <a:ln w="28575">
+            <a:solidFill>
+              <a:schemeClr val="tx1"/>
+            </a:solidFill>
+            <a:tailEnd type="none" w="lg" len="lg"/>
+          </a:ln>
+        </p:spPr>
+        <p:style>
+          <a:lnRef idx="1">
+            <a:schemeClr val="accent1"/>
+          </a:lnRef>
+          <a:fillRef idx="0">
+            <a:schemeClr val="accent1"/>
+          </a:fillRef>
+          <a:effectRef idx="0">
+            <a:schemeClr val="accent1"/>
+          </a:effectRef>
+          <a:fontRef idx="minor">
+            <a:schemeClr val="tx1"/>
+          </a:fontRef>
+        </p:style>
+      </p:cxnSp>
+      <p:graphicFrame>
+        <p:nvGraphicFramePr>
+          <p:cNvPr id="74" name="Table 2">
+            <a:extLst>
+              <a:ext uri="{FF2B5EF4-FFF2-40B4-BE49-F238E27FC236}">
+                <a16:creationId xmlns:a16="http://schemas.microsoft.com/office/drawing/2014/main" id="{1E175F5E-7DCB-4934-A13E-047D7709DB6E}"/>
+              </a:ext>
+            </a:extLst>
+          </p:cNvPr>
+          <p:cNvGraphicFramePr>
+            <a:graphicFrameLocks noGrp="1"/>
+          </p:cNvGraphicFramePr>
+          <p:nvPr/>
+        </p:nvGraphicFramePr>
+        <p:xfrm>
+          <a:off x="13927717" y="7527438"/>
+          <a:ext cx="3961001" cy="933998"/>
+        </p:xfrm>
+        <a:graphic>
+          <a:graphicData uri="http://schemas.openxmlformats.org/drawingml/2006/table">
+            <a:tbl>
+              <a:tblPr firstRow="1" bandRow="1">
+                <a:tableStyleId>{5C22544A-7EE6-4342-B048-85BDC9FD1C3A}</a:tableStyleId>
+              </a:tblPr>
+              <a:tblGrid>
+                <a:gridCol w="2211620">
+                  <a:extLst>
+                    <a:ext uri="{9D8B030D-6E8A-4147-A177-3AD203B41FA5}">
+                      <a16:colId xmlns:a16="http://schemas.microsoft.com/office/drawing/2014/main" val="2443914745"/>
+                    </a:ext>
+                  </a:extLst>
+                </a:gridCol>
+                <a:gridCol w="1749381">
+                  <a:extLst>
+                    <a:ext uri="{9D8B030D-6E8A-4147-A177-3AD203B41FA5}">
+                      <a16:colId xmlns:a16="http://schemas.microsoft.com/office/drawing/2014/main" val="560964845"/>
+                    </a:ext>
+                  </a:extLst>
+                </a:gridCol>
+              </a:tblGrid>
+              <a:tr h="466999">
+                <a:tc gridSpan="2">
+                  <a:txBody>
+                    <a:bodyPr/>
+                    <a:lstStyle/>
+                    <a:p>
+                      <a:r>
+                        <a:rPr lang="en-US" sz="2400" dirty="0">
+                          <a:solidFill>
+                            <a:schemeClr val="bg1"/>
+                          </a:solidFill>
+                        </a:rPr>
+                        <a:t>BANK</a:t>
+                      </a:r>
+                      <a:endParaRPr lang="en-GB" sz="2400" dirty="0">
+                        <a:solidFill>
+                          <a:schemeClr val="bg1"/>
+                        </a:solidFill>
+                      </a:endParaRPr>
+                    </a:p>
+                  </a:txBody>
+                  <a:tcPr>
+                    <a:lnL w="12700" cap="flat" cmpd="sng" algn="ctr">
+                      <a:noFill/>
+                      <a:prstDash val="solid"/>
+                      <a:round/>
+                      <a:headEnd type="none" w="med" len="med"/>
+                      <a:tailEnd type="none" w="med" len="med"/>
+                    </a:lnL>
+                    <a:lnR w="12700" cap="flat" cmpd="sng" algn="ctr">
+                      <a:noFill/>
+                      <a:prstDash val="solid"/>
+                      <a:round/>
+                      <a:headEnd type="none" w="med" len="med"/>
+                      <a:tailEnd type="none" w="med" len="med"/>
+                    </a:lnR>
+                    <a:lnT w="12700" cap="flat" cmpd="sng" algn="ctr">
+                      <a:noFill/>
+                      <a:prstDash val="solid"/>
+                      <a:round/>
+                      <a:headEnd type="none" w="med" len="med"/>
+                      <a:tailEnd type="none" w="med" len="med"/>
+                    </a:lnT>
+                    <a:lnB w="12700" cap="flat" cmpd="sng" algn="ctr">
+                      <a:solidFill>
+                        <a:schemeClr val="tx1"/>
+                      </a:solidFill>
+                      <a:prstDash val="solid"/>
+                      <a:round/>
+                      <a:headEnd type="none" w="med" len="med"/>
+                      <a:tailEnd type="none" w="med" len="med"/>
+                    </a:lnB>
+                    <a:lnTlToBr w="12700" cmpd="sng">
+                      <a:noFill/>
+                      <a:prstDash val="solid"/>
+                    </a:lnTlToBr>
+                    <a:lnBlToTr w="12700" cmpd="sng">
+                      <a:noFill/>
+                      <a:prstDash val="solid"/>
+                    </a:lnBlToTr>
+                    <a:solidFill>
+                      <a:schemeClr val="tx1"/>
+                    </a:solidFill>
+                  </a:tcPr>
+                </a:tc>
+                <a:tc hMerge="1">
+                  <a:txBody>
+                    <a:bodyPr/>
+                    <a:lstStyle/>
+                    <a:p>
+                      <a:endParaRPr lang="en-GB" sz="2400" dirty="0">
+                        <a:solidFill>
+                          <a:schemeClr val="tx1"/>
+                        </a:solidFill>
+                      </a:endParaRPr>
+                    </a:p>
+                  </a:txBody>
+                  <a:tcPr>
+                    <a:lnL w="12700" cap="flat" cmpd="sng" algn="ctr">
+                      <a:noFill/>
+                      <a:prstDash val="solid"/>
+                      <a:round/>
+                      <a:headEnd type="none" w="med" len="med"/>
+                      <a:tailEnd type="none" w="med" len="med"/>
+                    </a:lnL>
+                    <a:lnR w="12700" cap="flat" cmpd="sng" algn="ctr">
+                      <a:noFill/>
+                      <a:prstDash val="solid"/>
+                      <a:round/>
+                      <a:headEnd type="none" w="med" len="med"/>
+                      <a:tailEnd type="none" w="med" len="med"/>
+                    </a:lnR>
+                    <a:lnT w="12700" cap="flat" cmpd="sng" algn="ctr">
+                      <a:noFill/>
+                      <a:prstDash val="solid"/>
+                      <a:round/>
+                      <a:headEnd type="none" w="med" len="med"/>
+                      <a:tailEnd type="none" w="med" len="med"/>
+                    </a:lnT>
+                    <a:lnB w="12700" cap="flat" cmpd="sng" algn="ctr">
+                      <a:solidFill>
+                        <a:schemeClr val="tx1"/>
+                      </a:solidFill>
+                      <a:prstDash val="solid"/>
+                      <a:round/>
+                      <a:headEnd type="none" w="med" len="med"/>
+                      <a:tailEnd type="none" w="med" len="med"/>
+                    </a:lnB>
+                    <a:lnTlToBr w="12700" cmpd="sng">
+                      <a:noFill/>
+                      <a:prstDash val="solid"/>
+                    </a:lnTlToBr>
+                    <a:lnBlToTr w="12700" cmpd="sng">
+                      <a:noFill/>
+                      <a:prstDash val="solid"/>
+                    </a:lnBlToTr>
+                    <a:noFill/>
+                  </a:tcPr>
+                </a:tc>
+                <a:extLst>
+                  <a:ext uri="{0D108BD9-81ED-4DB2-BD59-A6C34878D82A}">
+                    <a16:rowId xmlns:a16="http://schemas.microsoft.com/office/drawing/2014/main" val="428703033"/>
+                  </a:ext>
+                </a:extLst>
+              </a:tr>
+              <a:tr h="466999">
+                <a:tc>
+                  <a:txBody>
+                    <a:bodyPr/>
+                    <a:lstStyle/>
+                    <a:p>
+                      <a:pPr algn="ctr"/>
+                      <a:r>
+                        <a:rPr lang="en-US" sz="2400" u="sng" dirty="0"/>
+                        <a:t>BankID</a:t>
+                      </a:r>
+                      <a:endParaRPr lang="en-GB" sz="2400" u="sng" dirty="0"/>
+                    </a:p>
+                  </a:txBody>
+                  <a:tcPr>
+                    <a:lnL w="12700" cap="flat" cmpd="sng" algn="ctr">
+                      <a:solidFill>
+                        <a:schemeClr val="tx1"/>
+                      </a:solidFill>
+                      <a:prstDash val="solid"/>
+                      <a:round/>
+                      <a:headEnd type="none" w="med" len="med"/>
+                      <a:tailEnd type="none" w="med" len="med"/>
+                    </a:lnL>
+                    <a:lnR w="12700" cap="flat" cmpd="sng" algn="ctr">
+                      <a:solidFill>
+                        <a:schemeClr val="tx1"/>
+                      </a:solidFill>
+                      <a:prstDash val="solid"/>
+                      <a:round/>
+                      <a:headEnd type="none" w="med" len="med"/>
+                      <a:tailEnd type="none" w="med" len="med"/>
+                    </a:lnR>
+                    <a:lnT w="12700" cap="flat" cmpd="sng" algn="ctr">
+                      <a:solidFill>
+                        <a:schemeClr val="tx1"/>
+                      </a:solidFill>
+                      <a:prstDash val="solid"/>
+                      <a:round/>
+                      <a:headEnd type="none" w="med" len="med"/>
+                      <a:tailEnd type="none" w="med" len="med"/>
+                    </a:lnT>
+                    <a:lnB w="12700" cap="flat" cmpd="sng" algn="ctr">
+                      <a:solidFill>
+                        <a:schemeClr val="tx1"/>
+                      </a:solidFill>
+                      <a:prstDash val="solid"/>
+                      <a:round/>
+                      <a:headEnd type="none" w="med" len="med"/>
+                      <a:tailEnd type="none" w="med" len="med"/>
+                    </a:lnB>
+                    <a:solidFill>
+                      <a:srgbClr val="E7E6E6"/>
+                    </a:solidFill>
+                  </a:tcPr>
+                </a:tc>
+                <a:tc>
+                  <a:txBody>
+                    <a:bodyPr/>
+                    <a:lstStyle/>
+                    <a:p>
+                      <a:pPr algn="ctr"/>
+                      <a:r>
+                        <a:rPr lang="en-US" sz="2400" dirty="0"/>
+                        <a:t>BankName</a:t>
+                      </a:r>
+                      <a:endParaRPr lang="en-GB" sz="2400" dirty="0"/>
+                    </a:p>
+                  </a:txBody>
+                  <a:tcPr>
+                    <a:lnL w="12700" cap="flat" cmpd="sng" algn="ctr">
+                      <a:solidFill>
+                        <a:schemeClr val="tx1"/>
+                      </a:solidFill>
+                      <a:prstDash val="solid"/>
+                      <a:round/>
+                      <a:headEnd type="none" w="med" len="med"/>
+                      <a:tailEnd type="none" w="med" len="med"/>
+                    </a:lnL>
+                    <a:lnR w="12700" cap="flat" cmpd="sng" algn="ctr">
+                      <a:solidFill>
+                        <a:schemeClr val="tx1"/>
+                      </a:solidFill>
+                      <a:prstDash val="solid"/>
+                      <a:round/>
+                      <a:headEnd type="none" w="med" len="med"/>
+                      <a:tailEnd type="none" w="med" len="med"/>
+                    </a:lnR>
+                    <a:lnT w="12700" cap="flat" cmpd="sng" algn="ctr">
+                      <a:solidFill>
+                        <a:schemeClr val="tx1"/>
+                      </a:solidFill>
+                      <a:prstDash val="solid"/>
+                      <a:round/>
+                      <a:headEnd type="none" w="med" len="med"/>
+                      <a:tailEnd type="none" w="med" len="med"/>
+                    </a:lnT>
+                    <a:lnB w="12700" cap="flat" cmpd="sng" algn="ctr">
+                      <a:solidFill>
+                        <a:schemeClr val="tx1"/>
+                      </a:solidFill>
+                      <a:prstDash val="solid"/>
+                      <a:round/>
+                      <a:headEnd type="none" w="med" len="med"/>
+                      <a:tailEnd type="none" w="med" len="med"/>
+                    </a:lnB>
+                    <a:solidFill>
+                      <a:srgbClr val="E7E6E6"/>
+                    </a:solidFill>
+                  </a:tcPr>
+                </a:tc>
+                <a:extLst>
+                  <a:ext uri="{0D108BD9-81ED-4DB2-BD59-A6C34878D82A}">
+                    <a16:rowId xmlns:a16="http://schemas.microsoft.com/office/drawing/2014/main" val="2454667886"/>
+                  </a:ext>
+                </a:extLst>
+              </a:tr>
+            </a:tbl>
+          </a:graphicData>
+        </a:graphic>
+      </p:graphicFrame>
+    </p:spTree>
+    <p:extLst>
+      <p:ext uri="{BB962C8B-B14F-4D97-AF65-F5344CB8AC3E}">
+        <p14:creationId xmlns:p14="http://schemas.microsoft.com/office/powerpoint/2010/main" val="901543385"/>
+      </p:ext>
+    </p:extLst>
+  </p:cSld>
+  <p:clrMapOvr>
+    <a:masterClrMapping/>
+  </p:clrMapOvr>
+</p:sld>
+</file>
+
+<file path=ppt/slides/slide3.xml><?xml version="1.0" encoding="utf-8"?>
 <p:sld xmlns:a="http://schemas.openxmlformats.org/drawingml/2006/main" xmlns:r="http://schemas.openxmlformats.org/officeDocument/2006/relationships" xmlns:p="http://schemas.openxmlformats.org/presentationml/2006/main">
   <p:cSld>
     <p:bg>
@@ -17821,7 +23269,7 @@
 </p:sld>
 </file>
 
-<file path=ppt/slides/slide3.xml><?xml version="1.0" encoding="utf-8"?>
+<file path=ppt/slides/slide4.xml><?xml version="1.0" encoding="utf-8"?>
 <p:sld xmlns:a="http://schemas.openxmlformats.org/drawingml/2006/main" xmlns:r="http://schemas.openxmlformats.org/officeDocument/2006/relationships" xmlns:p="http://schemas.openxmlformats.org/presentationml/2006/main">
   <p:cSld>
     <p:bg>
@@ -29531,7 +34979,7 @@
 </p:sld>
 </file>
 
-<file path=ppt/slides/slide4.xml><?xml version="1.0" encoding="utf-8"?>
+<file path=ppt/slides/slide5.xml><?xml version="1.0" encoding="utf-8"?>
 <p:sld xmlns:a="http://schemas.openxmlformats.org/drawingml/2006/main" xmlns:r="http://schemas.openxmlformats.org/officeDocument/2006/relationships" xmlns:p="http://schemas.openxmlformats.org/presentationml/2006/main">
   <p:cSld>
     <p:bg>
@@ -41140,7 +46588,7 @@
 </p:sld>
 </file>
 
-<file path=ppt/slides/slide5.xml><?xml version="1.0" encoding="utf-8"?>
+<file path=ppt/slides/slide6.xml><?xml version="1.0" encoding="utf-8"?>
 <p:sld xmlns:a="http://schemas.openxmlformats.org/drawingml/2006/main" xmlns:r="http://schemas.openxmlformats.org/officeDocument/2006/relationships" xmlns:p="http://schemas.openxmlformats.org/presentationml/2006/main">
   <p:cSld>
     <p:bg>
